--- a/resources/TTS-FTTS.pptx
+++ b/resources/TTS-FTTS.pptx
@@ -104,6 +104,11 @@
       </a:defRPr>
     </a:lvl9pPr>
   </p:defaultTextStyle>
+  <p:extLst>
+    <p:ext uri="{EFAFB233-063F-42B5-8137-9DF3F51BA10A}">
+      <p15:sldGuideLst xmlns:p15="http://schemas.microsoft.com/office/powerpoint/2012/main"/>
+    </p:ext>
+  </p:extLst>
 </p:presentation>
 </file>
 
@@ -238,7 +243,7 @@
           <a:p>
             <a:fld id="{AD14C881-0530-CB45-892A-1D1C999216F2}" type="datetimeFigureOut">
               <a:rPr lang="en-US" smtClean="0"/>
-              <a:t>6/24/19</a:t>
+              <a:t>6/26/19</a:t>
             </a:fld>
             <a:endParaRPr lang="en-US"/>
           </a:p>
@@ -408,7 +413,7 @@
           <a:p>
             <a:fld id="{AD14C881-0530-CB45-892A-1D1C999216F2}" type="datetimeFigureOut">
               <a:rPr lang="en-US" smtClean="0"/>
-              <a:t>6/24/19</a:t>
+              <a:t>6/26/19</a:t>
             </a:fld>
             <a:endParaRPr lang="en-US"/>
           </a:p>
@@ -588,7 +593,7 @@
           <a:p>
             <a:fld id="{AD14C881-0530-CB45-892A-1D1C999216F2}" type="datetimeFigureOut">
               <a:rPr lang="en-US" smtClean="0"/>
-              <a:t>6/24/19</a:t>
+              <a:t>6/26/19</a:t>
             </a:fld>
             <a:endParaRPr lang="en-US"/>
           </a:p>
@@ -758,7 +763,7 @@
           <a:p>
             <a:fld id="{AD14C881-0530-CB45-892A-1D1C999216F2}" type="datetimeFigureOut">
               <a:rPr lang="en-US" smtClean="0"/>
-              <a:t>6/24/19</a:t>
+              <a:t>6/26/19</a:t>
             </a:fld>
             <a:endParaRPr lang="en-US"/>
           </a:p>
@@ -1004,7 +1009,7 @@
           <a:p>
             <a:fld id="{AD14C881-0530-CB45-892A-1D1C999216F2}" type="datetimeFigureOut">
               <a:rPr lang="en-US" smtClean="0"/>
-              <a:t>6/24/19</a:t>
+              <a:t>6/26/19</a:t>
             </a:fld>
             <a:endParaRPr lang="en-US"/>
           </a:p>
@@ -1236,7 +1241,7 @@
           <a:p>
             <a:fld id="{AD14C881-0530-CB45-892A-1D1C999216F2}" type="datetimeFigureOut">
               <a:rPr lang="en-US" smtClean="0"/>
-              <a:t>6/24/19</a:t>
+              <a:t>6/26/19</a:t>
             </a:fld>
             <a:endParaRPr lang="en-US"/>
           </a:p>
@@ -1603,7 +1608,7 @@
           <a:p>
             <a:fld id="{AD14C881-0530-CB45-892A-1D1C999216F2}" type="datetimeFigureOut">
               <a:rPr lang="en-US" smtClean="0"/>
-              <a:t>6/24/19</a:t>
+              <a:t>6/26/19</a:t>
             </a:fld>
             <a:endParaRPr lang="en-US"/>
           </a:p>
@@ -1721,7 +1726,7 @@
           <a:p>
             <a:fld id="{AD14C881-0530-CB45-892A-1D1C999216F2}" type="datetimeFigureOut">
               <a:rPr lang="en-US" smtClean="0"/>
-              <a:t>6/24/19</a:t>
+              <a:t>6/26/19</a:t>
             </a:fld>
             <a:endParaRPr lang="en-US"/>
           </a:p>
@@ -1816,7 +1821,7 @@
           <a:p>
             <a:fld id="{AD14C881-0530-CB45-892A-1D1C999216F2}" type="datetimeFigureOut">
               <a:rPr lang="en-US" smtClean="0"/>
-              <a:t>6/24/19</a:t>
+              <a:t>6/26/19</a:t>
             </a:fld>
             <a:endParaRPr lang="en-US"/>
           </a:p>
@@ -2093,7 +2098,7 @@
           <a:p>
             <a:fld id="{AD14C881-0530-CB45-892A-1D1C999216F2}" type="datetimeFigureOut">
               <a:rPr lang="en-US" smtClean="0"/>
-              <a:t>6/24/19</a:t>
+              <a:t>6/26/19</a:t>
             </a:fld>
             <a:endParaRPr lang="en-US"/>
           </a:p>
@@ -2346,7 +2351,7 @@
           <a:p>
             <a:fld id="{AD14C881-0530-CB45-892A-1D1C999216F2}" type="datetimeFigureOut">
               <a:rPr lang="en-US" smtClean="0"/>
-              <a:t>6/24/19</a:t>
+              <a:t>6/26/19</a:t>
             </a:fld>
             <a:endParaRPr lang="en-US"/>
           </a:p>
@@ -2559,7 +2564,7 @@
           <a:p>
             <a:fld id="{AD14C881-0530-CB45-892A-1D1C999216F2}" type="datetimeFigureOut">
               <a:rPr lang="en-US" smtClean="0"/>
-              <a:t>6/24/19</a:t>
+              <a:t>6/26/19</a:t>
             </a:fld>
             <a:endParaRPr lang="en-US"/>
           </a:p>
@@ -3379,8 +3384,8 @@
             </a:p>
           </p:txBody>
         </p:sp>
-        <mc:AlternateContent xmlns:mc="http://schemas.openxmlformats.org/markup-compatibility/2006">
-          <mc:Choice xmlns:a14="http://schemas.microsoft.com/office/drawing/2010/main" Requires="a14">
+        <mc:AlternateContent xmlns:mc="http://schemas.openxmlformats.org/markup-compatibility/2006" xmlns:a14="http://schemas.microsoft.com/office/drawing/2010/main">
+          <mc:Choice Requires="a14">
             <p:sp>
               <p:nvSpPr>
                 <p:cNvPr id="28" name="TextBox 27"/>
@@ -3428,7 +3433,7 @@
               </p:txBody>
             </p:sp>
           </mc:Choice>
-          <mc:Fallback>
+          <mc:Fallback xmlns="">
             <p:sp>
               <p:nvSpPr>
                 <p:cNvPr id="28" name="TextBox 27"/>
@@ -5143,8 +5148,8 @@
               </a:p>
             </p:txBody>
           </p:sp>
-          <mc:AlternateContent xmlns:mc="http://schemas.openxmlformats.org/markup-compatibility/2006">
-            <mc:Choice xmlns:a14="http://schemas.microsoft.com/office/drawing/2010/main" Requires="a14">
+          <mc:AlternateContent xmlns:mc="http://schemas.openxmlformats.org/markup-compatibility/2006" xmlns:a14="http://schemas.microsoft.com/office/drawing/2010/main">
+            <mc:Choice Requires="a14">
               <p:sp>
                 <p:nvSpPr>
                   <p:cNvPr id="92" name="TextBox 91"/>
@@ -5169,11 +5174,7 @@
                   <a:p>
                     <a:r>
                       <a:rPr lang="en-US" sz="600" dirty="0" smtClean="0"/>
-                      <a:t>[</a:t>
-                    </a:r>
-                    <a:r>
-                      <a:rPr lang="en-US" sz="600" dirty="0" smtClean="0"/>
-                      <a:t>(m2(), 2, </a:t>
+                      <a:t>[(m2(), 2, </a:t>
                     </a:r>
                     <a14:m>
                       <m:oMath xmlns:m="http://schemas.openxmlformats.org/officeDocument/2006/math">
@@ -5189,18 +5190,14 @@
                     </a14:m>
                     <a:r>
                       <a:rPr lang="en-US" sz="600" dirty="0" smtClean="0"/>
-                      <a:t>)</a:t>
-                    </a:r>
-                    <a:r>
-                      <a:rPr lang="en-US" sz="600" dirty="0" smtClean="0"/>
-                      <a:t>]</a:t>
+                      <a:t>)]</a:t>
                     </a:r>
                     <a:endParaRPr lang="en-US" sz="600" dirty="0"/>
                   </a:p>
                 </p:txBody>
               </p:sp>
             </mc:Choice>
-            <mc:Fallback>
+            <mc:Fallback xmlns="">
               <p:sp>
                 <p:nvSpPr>
                   <p:cNvPr id="92" name="TextBox 91"/>
@@ -6886,8 +6883,8 @@
               </a:p>
             </p:txBody>
           </p:sp>
-          <mc:AlternateContent xmlns:mc="http://schemas.openxmlformats.org/markup-compatibility/2006">
-            <mc:Choice xmlns:a14="http://schemas.microsoft.com/office/drawing/2010/main" Requires="a14">
+          <mc:AlternateContent xmlns:mc="http://schemas.openxmlformats.org/markup-compatibility/2006" xmlns:a14="http://schemas.microsoft.com/office/drawing/2010/main">
+            <mc:Choice Requires="a14">
               <p:sp>
                 <p:nvSpPr>
                   <p:cNvPr id="149" name="TextBox 148"/>
@@ -6912,11 +6909,7 @@
                   <a:p>
                     <a:r>
                       <a:rPr lang="en-US" sz="600" dirty="0" smtClean="0"/>
-                      <a:t>[</a:t>
-                    </a:r>
-                    <a:r>
-                      <a:rPr lang="en-US" sz="600" dirty="0" smtClean="0"/>
-                      <a:t>(m3(), 4, </a:t>
+                      <a:t>[(m3(), 4, </a:t>
                     </a:r>
                     <a14:m>
                       <m:oMath xmlns:m="http://schemas.openxmlformats.org/officeDocument/2006/math">
@@ -6932,18 +6925,14 @@
                     </a14:m>
                     <a:r>
                       <a:rPr lang="en-US" sz="600" dirty="0" smtClean="0"/>
-                      <a:t>)</a:t>
-                    </a:r>
-                    <a:r>
-                      <a:rPr lang="en-US" sz="600" dirty="0" smtClean="0"/>
-                      <a:t>]</a:t>
+                      <a:t>)]</a:t>
                     </a:r>
                     <a:endParaRPr lang="en-US" sz="600" dirty="0"/>
                   </a:p>
                 </p:txBody>
               </p:sp>
             </mc:Choice>
-            <mc:Fallback>
+            <mc:Fallback xmlns="">
               <p:sp>
                 <p:nvSpPr>
                   <p:cNvPr id="149" name="TextBox 148"/>
@@ -7943,8 +7932,8 @@
             </a:p>
           </p:txBody>
         </p:sp>
-        <mc:AlternateContent xmlns:mc="http://schemas.openxmlformats.org/markup-compatibility/2006">
-          <mc:Choice xmlns:a14="http://schemas.microsoft.com/office/drawing/2010/main" Requires="a14">
+        <mc:AlternateContent xmlns:mc="http://schemas.openxmlformats.org/markup-compatibility/2006" xmlns:a14="http://schemas.microsoft.com/office/drawing/2010/main">
+          <mc:Choice Requires="a14">
             <p:sp>
               <p:nvSpPr>
                 <p:cNvPr id="204" name="TextBox 203"/>
@@ -7969,11 +7958,7 @@
                 <a:p>
                   <a:r>
                     <a:rPr lang="en-US" sz="600" dirty="0" smtClean="0"/>
-                    <a:t>[</a:t>
-                  </a:r>
-                  <a:r>
-                    <a:rPr lang="en-US" sz="600" dirty="0" smtClean="0"/>
-                    <a:t>(m1(), 14, </a:t>
+                    <a:t>[(m1(), 14, </a:t>
                   </a:r>
                   <a14:m>
                     <m:oMath xmlns:m="http://schemas.openxmlformats.org/officeDocument/2006/math">
@@ -7989,18 +7974,14 @@
                   </a14:m>
                   <a:r>
                     <a:rPr lang="en-US" sz="600" dirty="0" smtClean="0"/>
-                    <a:t>)</a:t>
-                  </a:r>
-                  <a:r>
-                    <a:rPr lang="en-US" sz="600" dirty="0" smtClean="0"/>
-                    <a:t>]</a:t>
+                    <a:t>)]</a:t>
                   </a:r>
                   <a:endParaRPr lang="en-US" sz="600" dirty="0"/>
                 </a:p>
               </p:txBody>
             </p:sp>
           </mc:Choice>
-          <mc:Fallback>
+          <mc:Fallback xmlns="">
             <p:sp>
               <p:nvSpPr>
                 <p:cNvPr id="204" name="TextBox 203"/>
@@ -8713,8 +8694,8 @@
               </a:p>
             </p:txBody>
           </p:sp>
-          <mc:AlternateContent xmlns:mc="http://schemas.openxmlformats.org/markup-compatibility/2006">
-            <mc:Choice xmlns:a14="http://schemas.microsoft.com/office/drawing/2010/main" Requires="a14">
+          <mc:AlternateContent xmlns:mc="http://schemas.openxmlformats.org/markup-compatibility/2006" xmlns:a14="http://schemas.microsoft.com/office/drawing/2010/main">
+            <mc:Choice Requires="a14">
               <p:sp>
                 <p:nvSpPr>
                   <p:cNvPr id="229" name="TextBox 228"/>
@@ -8739,19 +8720,7 @@
                   <a:p>
                     <a:r>
                       <a:rPr lang="en-US" sz="600" dirty="0" smtClean="0"/>
-                      <a:t>[</a:t>
-                    </a:r>
-                    <a:r>
-                      <a:rPr lang="en-US" sz="600" dirty="0" smtClean="0"/>
-                      <a:t>(m1(), </a:t>
-                    </a:r>
-                    <a:r>
-                      <a:rPr lang="en-US" sz="600" dirty="0" smtClean="0"/>
-                      <a:t>14</a:t>
-                    </a:r>
-                    <a:r>
-                      <a:rPr lang="en-US" sz="600" dirty="0" smtClean="0"/>
-                      <a:t>, </a:t>
+                      <a:t>[(m1(), 14, </a:t>
                     </a:r>
                     <a14:m>
                       <m:oMath xmlns:m="http://schemas.openxmlformats.org/officeDocument/2006/math">
@@ -8767,18 +8736,14 @@
                     </a14:m>
                     <a:r>
                       <a:rPr lang="en-US" sz="600" dirty="0" smtClean="0"/>
-                      <a:t>)</a:t>
-                    </a:r>
-                    <a:r>
-                      <a:rPr lang="en-US" sz="600" dirty="0" smtClean="0"/>
-                      <a:t>]</a:t>
+                      <a:t>)]</a:t>
                     </a:r>
                     <a:endParaRPr lang="en-US" sz="600" dirty="0"/>
                   </a:p>
                 </p:txBody>
               </p:sp>
             </mc:Choice>
-            <mc:Fallback>
+            <mc:Fallback xmlns="">
               <p:sp>
                 <p:nvSpPr>
                   <p:cNvPr id="229" name="TextBox 228"/>
@@ -8851,8 +8816,8 @@
               </a:p>
             </p:txBody>
           </p:sp>
-          <mc:AlternateContent xmlns:mc="http://schemas.openxmlformats.org/markup-compatibility/2006">
-            <mc:Choice xmlns:a14="http://schemas.microsoft.com/office/drawing/2010/main" Requires="a14">
+          <mc:AlternateContent xmlns:mc="http://schemas.openxmlformats.org/markup-compatibility/2006" xmlns:a14="http://schemas.microsoft.com/office/drawing/2010/main">
+            <mc:Choice Requires="a14">
               <p:sp>
                 <p:nvSpPr>
                   <p:cNvPr id="231" name="TextBox 230"/>
@@ -8877,11 +8842,7 @@
                   <a:p>
                     <a:r>
                       <a:rPr lang="en-US" sz="600" dirty="0" smtClean="0"/>
-                      <a:t>[</a:t>
-                    </a:r>
-                    <a:r>
-                      <a:rPr lang="en-US" sz="600" dirty="0" smtClean="0"/>
-                      <a:t>(m3(), 4, </a:t>
+                      <a:t>[(m3(), 4, </a:t>
                     </a:r>
                     <a14:m>
                       <m:oMath xmlns:m="http://schemas.openxmlformats.org/officeDocument/2006/math">
@@ -8897,18 +8858,14 @@
                     </a14:m>
                     <a:r>
                       <a:rPr lang="en-US" sz="600" dirty="0" smtClean="0"/>
-                      <a:t>)</a:t>
-                    </a:r>
-                    <a:r>
-                      <a:rPr lang="en-US" sz="600" dirty="0" smtClean="0"/>
-                      <a:t>]</a:t>
+                      <a:t>)]</a:t>
                     </a:r>
                     <a:endParaRPr lang="en-US" sz="600" dirty="0"/>
                   </a:p>
                 </p:txBody>
               </p:sp>
             </mc:Choice>
-            <mc:Fallback>
+            <mc:Fallback xmlns="">
               <p:sp>
                 <p:nvSpPr>
                   <p:cNvPr id="231" name="TextBox 230"/>
@@ -9462,8 +9419,8 @@
             </a:p>
           </p:txBody>
         </p:sp>
-        <mc:AlternateContent xmlns:mc="http://schemas.openxmlformats.org/markup-compatibility/2006">
-          <mc:Choice xmlns:a14="http://schemas.microsoft.com/office/drawing/2010/main" Requires="a14">
+        <mc:AlternateContent xmlns:mc="http://schemas.openxmlformats.org/markup-compatibility/2006" xmlns:a14="http://schemas.microsoft.com/office/drawing/2010/main">
+          <mc:Choice Requires="a14">
             <p:sp>
               <p:nvSpPr>
                 <p:cNvPr id="270" name="TextBox 269"/>
@@ -9488,19 +9445,7 @@
                 <a:p>
                   <a:r>
                     <a:rPr lang="en-US" sz="600" dirty="0" smtClean="0"/>
-                    <a:t>[</a:t>
-                  </a:r>
-                  <a:r>
-                    <a:rPr lang="en-US" sz="600" dirty="0" smtClean="0"/>
-                    <a:t>(m1(), </a:t>
-                  </a:r>
-                  <a:r>
-                    <a:rPr lang="en-US" sz="600" dirty="0" smtClean="0"/>
-                    <a:t>14</a:t>
-                  </a:r>
-                  <a:r>
-                    <a:rPr lang="en-US" sz="600" dirty="0" smtClean="0"/>
-                    <a:t>, </a:t>
+                    <a:t>[(m1(), 14, </a:t>
                   </a:r>
                   <a14:m>
                     <m:oMath xmlns:m="http://schemas.openxmlformats.org/officeDocument/2006/math">
@@ -9516,18 +9461,14 @@
                   </a14:m>
                   <a:r>
                     <a:rPr lang="en-US" sz="600" dirty="0" smtClean="0"/>
-                    <a:t>)</a:t>
-                  </a:r>
-                  <a:r>
-                    <a:rPr lang="en-US" sz="600" dirty="0" smtClean="0"/>
-                    <a:t>]</a:t>
+                    <a:t>)]</a:t>
                   </a:r>
                   <a:endParaRPr lang="en-US" sz="600" dirty="0"/>
                 </a:p>
               </p:txBody>
             </p:sp>
           </mc:Choice>
-          <mc:Fallback>
+          <mc:Fallback xmlns="">
             <p:sp>
               <p:nvSpPr>
                 <p:cNvPr id="270" name="TextBox 269"/>
@@ -9624,15 +9565,7 @@
             <a:p>
               <a:r>
                 <a:rPr lang="en-US" sz="600" dirty="0" smtClean="0"/>
-                <a:t>[</a:t>
-              </a:r>
-              <a:r>
-                <a:rPr lang="en-US" sz="600" dirty="0" smtClean="0"/>
-                <a:t> </a:t>
-              </a:r>
-              <a:r>
-                <a:rPr lang="en-US" sz="600" dirty="0" smtClean="0"/>
-                <a:t>]</a:t>
+                <a:t>[ ]</a:t>
               </a:r>
               <a:endParaRPr lang="en-US" sz="600" dirty="0"/>
             </a:p>
@@ -9820,8 +9753,8 @@
           </a:p>
         </p:txBody>
       </p:sp>
-      <mc:AlternateContent xmlns:mc="http://schemas.openxmlformats.org/markup-compatibility/2006">
-        <mc:Choice xmlns:a14="http://schemas.microsoft.com/office/drawing/2010/main" Requires="a14">
+      <mc:AlternateContent xmlns:mc="http://schemas.openxmlformats.org/markup-compatibility/2006" xmlns:a14="http://schemas.microsoft.com/office/drawing/2010/main">
+        <mc:Choice Requires="a14">
           <p:sp>
             <p:nvSpPr>
               <p:cNvPr id="280" name="TextBox 279"/>
@@ -9869,7 +9802,7 @@
             </p:txBody>
           </p:sp>
         </mc:Choice>
-        <mc:Fallback>
+        <mc:Fallback xmlns="">
           <p:sp>
             <p:nvSpPr>
               <p:cNvPr id="280" name="TextBox 279"/>
@@ -9938,8 +9871,8 @@
           </a:p>
         </p:txBody>
       </p:sp>
-      <mc:AlternateContent xmlns:mc="http://schemas.openxmlformats.org/markup-compatibility/2006">
-        <mc:Choice xmlns:a14="http://schemas.microsoft.com/office/drawing/2010/main" Requires="a14">
+      <mc:AlternateContent xmlns:mc="http://schemas.openxmlformats.org/markup-compatibility/2006" xmlns:a14="http://schemas.microsoft.com/office/drawing/2010/main">
+        <mc:Choice Requires="a14">
           <p:sp>
             <p:nvSpPr>
               <p:cNvPr id="282" name="TextBox 281"/>
@@ -9983,7 +9916,7 @@
             </p:txBody>
           </p:sp>
         </mc:Choice>
-        <mc:Fallback>
+        <mc:Fallback xmlns="">
           <p:sp>
             <p:nvSpPr>
               <p:cNvPr id="282" name="TextBox 281"/>
@@ -10022,8 +9955,8 @@
           </p:sp>
         </mc:Fallback>
       </mc:AlternateContent>
-      <mc:AlternateContent xmlns:mc="http://schemas.openxmlformats.org/markup-compatibility/2006">
-        <mc:Choice xmlns:a14="http://schemas.microsoft.com/office/drawing/2010/main" Requires="a14">
+      <mc:AlternateContent xmlns:mc="http://schemas.openxmlformats.org/markup-compatibility/2006" xmlns:a14="http://schemas.microsoft.com/office/drawing/2010/main">
+        <mc:Choice Requires="a14">
           <p:sp>
             <p:nvSpPr>
               <p:cNvPr id="283" name="TextBox 282"/>
@@ -10071,7 +10004,7 @@
             </p:txBody>
           </p:sp>
         </mc:Choice>
-        <mc:Fallback>
+        <mc:Fallback xmlns="">
           <p:sp>
             <p:nvSpPr>
               <p:cNvPr id="283" name="TextBox 282"/>
@@ -10140,8 +10073,8 @@
           </a:p>
         </p:txBody>
       </p:sp>
-      <mc:AlternateContent xmlns:mc="http://schemas.openxmlformats.org/markup-compatibility/2006">
-        <mc:Choice xmlns:a14="http://schemas.microsoft.com/office/drawing/2010/main" Requires="a14">
+      <mc:AlternateContent xmlns:mc="http://schemas.openxmlformats.org/markup-compatibility/2006" xmlns:a14="http://schemas.microsoft.com/office/drawing/2010/main">
+        <mc:Choice Requires="a14">
           <p:sp>
             <p:nvSpPr>
               <p:cNvPr id="285" name="TextBox 284"/>
@@ -10185,7 +10118,7 @@
             </p:txBody>
           </p:sp>
         </mc:Choice>
-        <mc:Fallback>
+        <mc:Fallback xmlns="">
           <p:sp>
             <p:nvSpPr>
               <p:cNvPr id="285" name="TextBox 284"/>
@@ -10224,8 +10157,8 @@
           </p:sp>
         </mc:Fallback>
       </mc:AlternateContent>
-      <mc:AlternateContent xmlns:mc="http://schemas.openxmlformats.org/markup-compatibility/2006">
-        <mc:Choice xmlns:a14="http://schemas.microsoft.com/office/drawing/2010/main" Requires="a14">
+      <mc:AlternateContent xmlns:mc="http://schemas.openxmlformats.org/markup-compatibility/2006" xmlns:a14="http://schemas.microsoft.com/office/drawing/2010/main">
+        <mc:Choice Requires="a14">
           <p:sp>
             <p:nvSpPr>
               <p:cNvPr id="286" name="TextBox 285"/>
@@ -10269,7 +10202,7 @@
             </p:txBody>
           </p:sp>
         </mc:Choice>
-        <mc:Fallback>
+        <mc:Fallback xmlns="">
           <p:sp>
             <p:nvSpPr>
               <p:cNvPr id="286" name="TextBox 285"/>
@@ -10308,8 +10241,8 @@
           </p:sp>
         </mc:Fallback>
       </mc:AlternateContent>
-      <mc:AlternateContent xmlns:mc="http://schemas.openxmlformats.org/markup-compatibility/2006">
-        <mc:Choice xmlns:a14="http://schemas.microsoft.com/office/drawing/2010/main" Requires="a14">
+      <mc:AlternateContent xmlns:mc="http://schemas.openxmlformats.org/markup-compatibility/2006" xmlns:a14="http://schemas.microsoft.com/office/drawing/2010/main">
+        <mc:Choice Requires="a14">
           <p:sp>
             <p:nvSpPr>
               <p:cNvPr id="287" name="TextBox 286"/>
@@ -10353,7 +10286,7 @@
             </p:txBody>
           </p:sp>
         </mc:Choice>
-        <mc:Fallback>
+        <mc:Fallback xmlns="">
           <p:sp>
             <p:nvSpPr>
               <p:cNvPr id="287" name="TextBox 286"/>
@@ -10392,8 +10325,8 @@
           </p:sp>
         </mc:Fallback>
       </mc:AlternateContent>
-      <mc:AlternateContent xmlns:mc="http://schemas.openxmlformats.org/markup-compatibility/2006">
-        <mc:Choice xmlns:a14="http://schemas.microsoft.com/office/drawing/2010/main" Requires="a14">
+      <mc:AlternateContent xmlns:mc="http://schemas.openxmlformats.org/markup-compatibility/2006" xmlns:a14="http://schemas.microsoft.com/office/drawing/2010/main">
+        <mc:Choice Requires="a14">
           <p:sp>
             <p:nvSpPr>
               <p:cNvPr id="288" name="TextBox 287"/>
@@ -10441,7 +10374,7 @@
             </p:txBody>
           </p:sp>
         </mc:Choice>
-        <mc:Fallback>
+        <mc:Fallback xmlns="">
           <p:sp>
             <p:nvSpPr>
               <p:cNvPr id="288" name="TextBox 287"/>
@@ -10480,8 +10413,8 @@
           </p:sp>
         </mc:Fallback>
       </mc:AlternateContent>
-      <mc:AlternateContent xmlns:mc="http://schemas.openxmlformats.org/markup-compatibility/2006">
-        <mc:Choice xmlns:a14="http://schemas.microsoft.com/office/drawing/2010/main" Requires="a14">
+      <mc:AlternateContent xmlns:mc="http://schemas.openxmlformats.org/markup-compatibility/2006" xmlns:a14="http://schemas.microsoft.com/office/drawing/2010/main">
+        <mc:Choice Requires="a14">
           <p:sp>
             <p:nvSpPr>
               <p:cNvPr id="289" name="TextBox 288"/>
@@ -10533,7 +10466,7 @@
             </p:txBody>
           </p:sp>
         </mc:Choice>
-        <mc:Fallback>
+        <mc:Fallback xmlns="">
           <p:sp>
             <p:nvSpPr>
               <p:cNvPr id="289" name="TextBox 288"/>
@@ -10762,7 +10695,11 @@
             </a:r>
             <a:r>
               <a:rPr lang="en-US" sz="900" smtClean="0"/>
-              <a:t>= 2</a:t>
+              <a:t>= </a:t>
+            </a:r>
+            <a:r>
+              <a:rPr lang="en-US" sz="900"/>
+              <a:t>4</a:t>
             </a:r>
             <a:endParaRPr lang="en-US" sz="900" dirty="0"/>
           </a:p>
@@ -11263,8 +11200,8 @@
             </a:p>
           </p:txBody>
         </p:sp>
-        <mc:AlternateContent xmlns:mc="http://schemas.openxmlformats.org/markup-compatibility/2006">
-          <mc:Choice xmlns:a14="http://schemas.microsoft.com/office/drawing/2010/main" Requires="a14">
+        <mc:AlternateContent xmlns:mc="http://schemas.openxmlformats.org/markup-compatibility/2006" xmlns:a14="http://schemas.microsoft.com/office/drawing/2010/main">
+          <mc:Choice Requires="a14">
             <p:sp>
               <p:nvSpPr>
                 <p:cNvPr id="311" name="TextBox 310"/>
@@ -11312,7 +11249,7 @@
               </p:txBody>
             </p:sp>
           </mc:Choice>
-          <mc:Fallback>
+          <mc:Fallback xmlns="">
             <p:sp>
               <p:nvSpPr>
                 <p:cNvPr id="311" name="TextBox 310"/>
@@ -11831,8 +11768,8 @@
             </a:p>
           </p:txBody>
         </p:sp>
-        <mc:AlternateContent xmlns:mc="http://schemas.openxmlformats.org/markup-compatibility/2006">
-          <mc:Choice xmlns:a14="http://schemas.microsoft.com/office/drawing/2010/main" Requires="a14">
+        <mc:AlternateContent xmlns:mc="http://schemas.openxmlformats.org/markup-compatibility/2006" xmlns:a14="http://schemas.microsoft.com/office/drawing/2010/main">
+          <mc:Choice Requires="a14">
             <p:sp>
               <p:nvSpPr>
                 <p:cNvPr id="330" name="TextBox 329"/>
@@ -11857,11 +11794,7 @@
                 <a:p>
                   <a:r>
                     <a:rPr lang="en-US" sz="600" dirty="0" smtClean="0"/>
-                    <a:t>[</a:t>
-                  </a:r>
-                  <a:r>
-                    <a:rPr lang="en-US" sz="600" dirty="0" smtClean="0"/>
-                    <a:t>(m1(), 14, </a:t>
+                    <a:t>[(m1(), 14, </a:t>
                   </a:r>
                   <a14:m>
                     <m:oMath xmlns:m="http://schemas.openxmlformats.org/officeDocument/2006/math">
@@ -11877,18 +11810,14 @@
                   </a14:m>
                   <a:r>
                     <a:rPr lang="en-US" sz="600" dirty="0" smtClean="0"/>
-                    <a:t>)</a:t>
-                  </a:r>
-                  <a:r>
-                    <a:rPr lang="en-US" sz="600" dirty="0" smtClean="0"/>
-                    <a:t>]</a:t>
+                    <a:t>)]</a:t>
                   </a:r>
                   <a:endParaRPr lang="en-US" sz="600" dirty="0"/>
                 </a:p>
               </p:txBody>
             </p:sp>
           </mc:Choice>
-          <mc:Fallback>
+          <mc:Fallback xmlns="">
             <p:sp>
               <p:nvSpPr>
                 <p:cNvPr id="330" name="TextBox 329"/>
@@ -11961,8 +11890,8 @@
             </a:p>
           </p:txBody>
         </p:sp>
-        <mc:AlternateContent xmlns:mc="http://schemas.openxmlformats.org/markup-compatibility/2006">
-          <mc:Choice xmlns:a14="http://schemas.microsoft.com/office/drawing/2010/main" Requires="a14">
+        <mc:AlternateContent xmlns:mc="http://schemas.openxmlformats.org/markup-compatibility/2006" xmlns:a14="http://schemas.microsoft.com/office/drawing/2010/main">
+          <mc:Choice Requires="a14">
             <p:sp>
               <p:nvSpPr>
                 <p:cNvPr id="332" name="TextBox 331"/>
@@ -11987,11 +11916,7 @@
                 <a:p>
                   <a:r>
                     <a:rPr lang="en-US" sz="600" dirty="0" smtClean="0"/>
-                    <a:t>[</a:t>
-                  </a:r>
-                  <a:r>
-                    <a:rPr lang="en-US" sz="600" dirty="0" smtClean="0"/>
-                    <a:t>(m2(), 2, </a:t>
+                    <a:t>[(m2(), 2, </a:t>
                   </a:r>
                   <a14:m>
                     <m:oMath xmlns:m="http://schemas.openxmlformats.org/officeDocument/2006/math">
@@ -12029,18 +11954,14 @@
                   </a14:m>
                   <a:r>
                     <a:rPr lang="en-US" sz="600" dirty="0" smtClean="0"/>
-                    <a:t>)</a:t>
-                  </a:r>
-                  <a:r>
-                    <a:rPr lang="en-US" sz="600" dirty="0" smtClean="0"/>
-                    <a:t>]</a:t>
+                    <a:t>)]</a:t>
                   </a:r>
                   <a:endParaRPr lang="en-US" sz="600" dirty="0"/>
                 </a:p>
               </p:txBody>
             </p:sp>
           </mc:Choice>
-          <mc:Fallback>
+          <mc:Fallback xmlns="">
             <p:sp>
               <p:nvSpPr>
                 <p:cNvPr id="332" name="TextBox 331"/>
@@ -12543,8 +12464,8 @@
               </a:p>
             </p:txBody>
           </p:sp>
-          <mc:AlternateContent xmlns:mc="http://schemas.openxmlformats.org/markup-compatibility/2006">
-            <mc:Choice xmlns:a14="http://schemas.microsoft.com/office/drawing/2010/main" Requires="a14">
+          <mc:AlternateContent xmlns:mc="http://schemas.openxmlformats.org/markup-compatibility/2006" xmlns:a14="http://schemas.microsoft.com/office/drawing/2010/main">
+            <mc:Choice Requires="a14">
               <p:sp>
                 <p:nvSpPr>
                   <p:cNvPr id="349" name="TextBox 348"/>
@@ -12569,11 +12490,7 @@
                   <a:p>
                     <a:r>
                       <a:rPr lang="en-US" sz="600" dirty="0" smtClean="0"/>
-                      <a:t>[</a:t>
-                    </a:r>
-                    <a:r>
-                      <a:rPr lang="en-US" sz="600" dirty="0" smtClean="0"/>
-                      <a:t>(m1(), 14, </a:t>
+                      <a:t>[(m1(), 14, </a:t>
                     </a:r>
                     <a14:m>
                       <m:oMath xmlns:m="http://schemas.openxmlformats.org/officeDocument/2006/math">
@@ -12589,18 +12506,14 @@
                     </a14:m>
                     <a:r>
                       <a:rPr lang="en-US" sz="600" dirty="0" smtClean="0"/>
-                      <a:t>)</a:t>
-                    </a:r>
-                    <a:r>
-                      <a:rPr lang="en-US" sz="600" dirty="0" smtClean="0"/>
-                      <a:t>]</a:t>
+                      <a:t>)]</a:t>
                     </a:r>
                     <a:endParaRPr lang="en-US" sz="600" dirty="0"/>
                   </a:p>
                 </p:txBody>
               </p:sp>
             </mc:Choice>
-            <mc:Fallback>
+            <mc:Fallback xmlns="">
               <p:sp>
                 <p:nvSpPr>
                   <p:cNvPr id="349" name="TextBox 348"/>
@@ -12673,8 +12586,8 @@
               </a:p>
             </p:txBody>
           </p:sp>
-          <mc:AlternateContent xmlns:mc="http://schemas.openxmlformats.org/markup-compatibility/2006">
-            <mc:Choice xmlns:a14="http://schemas.microsoft.com/office/drawing/2010/main" Requires="a14">
+          <mc:AlternateContent xmlns:mc="http://schemas.openxmlformats.org/markup-compatibility/2006" xmlns:a14="http://schemas.microsoft.com/office/drawing/2010/main">
+            <mc:Choice Requires="a14">
               <p:sp>
                 <p:nvSpPr>
                   <p:cNvPr id="351" name="TextBox 350"/>
@@ -12699,11 +12612,7 @@
                   <a:p>
                     <a:r>
                       <a:rPr lang="en-US" sz="600" dirty="0" smtClean="0"/>
-                      <a:t>[</a:t>
-                    </a:r>
-                    <a:r>
-                      <a:rPr lang="en-US" sz="600" dirty="0" smtClean="0"/>
-                      <a:t>(m3(), 4, </a:t>
+                      <a:t>[(m3(), 4, </a:t>
                     </a:r>
                     <a14:m>
                       <m:oMath xmlns:m="http://schemas.openxmlformats.org/officeDocument/2006/math">
@@ -12719,18 +12628,14 @@
                     </a14:m>
                     <a:r>
                       <a:rPr lang="en-US" sz="600" dirty="0" smtClean="0"/>
-                      <a:t>)</a:t>
-                    </a:r>
-                    <a:r>
-                      <a:rPr lang="en-US" sz="600" dirty="0" smtClean="0"/>
-                      <a:t>]</a:t>
+                      <a:t>)]</a:t>
                     </a:r>
                     <a:endParaRPr lang="en-US" sz="600" dirty="0"/>
                   </a:p>
                 </p:txBody>
               </p:sp>
             </mc:Choice>
-            <mc:Fallback>
+            <mc:Fallback xmlns="">
               <p:sp>
                 <p:nvSpPr>
                   <p:cNvPr id="351" name="TextBox 350"/>
@@ -13234,8 +13139,8 @@
               </a:p>
             </p:txBody>
           </p:sp>
-          <mc:AlternateContent xmlns:mc="http://schemas.openxmlformats.org/markup-compatibility/2006">
-            <mc:Choice xmlns:a14="http://schemas.microsoft.com/office/drawing/2010/main" Requires="a14">
+          <mc:AlternateContent xmlns:mc="http://schemas.openxmlformats.org/markup-compatibility/2006" xmlns:a14="http://schemas.microsoft.com/office/drawing/2010/main">
+            <mc:Choice Requires="a14">
               <p:sp>
                 <p:nvSpPr>
                   <p:cNvPr id="368" name="TextBox 367"/>
@@ -13260,11 +13165,7 @@
                   <a:p>
                     <a:r>
                       <a:rPr lang="en-US" sz="600" dirty="0" smtClean="0"/>
-                      <a:t>[</a:t>
-                    </a:r>
-                    <a:r>
-                      <a:rPr lang="en-US" sz="600" dirty="0" smtClean="0"/>
-                      <a:t>(m1(), 14, </a:t>
+                      <a:t>[(m1(), 14, </a:t>
                     </a:r>
                     <a14:m>
                       <m:oMath xmlns:m="http://schemas.openxmlformats.org/officeDocument/2006/math">
@@ -13280,18 +13181,14 @@
                     </a14:m>
                     <a:r>
                       <a:rPr lang="en-US" sz="600" dirty="0" smtClean="0"/>
-                      <a:t>)</a:t>
-                    </a:r>
-                    <a:r>
-                      <a:rPr lang="en-US" sz="600" dirty="0" smtClean="0"/>
-                      <a:t>]</a:t>
+                      <a:t>)]</a:t>
                     </a:r>
                     <a:endParaRPr lang="en-US" sz="600" dirty="0"/>
                   </a:p>
                 </p:txBody>
               </p:sp>
             </mc:Choice>
-            <mc:Fallback>
+            <mc:Fallback xmlns="">
               <p:sp>
                 <p:nvSpPr>
                   <p:cNvPr id="368" name="TextBox 367"/>
@@ -13879,8 +13776,8 @@
             </a:p>
           </p:txBody>
         </p:sp>
-        <mc:AlternateContent xmlns:mc="http://schemas.openxmlformats.org/markup-compatibility/2006">
-          <mc:Choice xmlns:a14="http://schemas.microsoft.com/office/drawing/2010/main" Requires="a14">
+        <mc:AlternateContent xmlns:mc="http://schemas.openxmlformats.org/markup-compatibility/2006" xmlns:a14="http://schemas.microsoft.com/office/drawing/2010/main">
+          <mc:Choice Requires="a14">
             <p:sp>
               <p:nvSpPr>
                 <p:cNvPr id="408" name="TextBox 407"/>
@@ -13905,11 +13802,7 @@
                 <a:p>
                   <a:r>
                     <a:rPr lang="en-US" sz="600" dirty="0" smtClean="0"/>
-                    <a:t>[</a:t>
-                  </a:r>
-                  <a:r>
-                    <a:rPr lang="en-US" sz="600" dirty="0" smtClean="0"/>
-                    <a:t>(m1(), 28, </a:t>
+                    <a:t>[(m1(), 28, </a:t>
                   </a:r>
                   <a14:m>
                     <m:oMath xmlns:m="http://schemas.openxmlformats.org/officeDocument/2006/math">
@@ -13925,18 +13818,14 @@
                   </a14:m>
                   <a:r>
                     <a:rPr lang="en-US" sz="600" dirty="0" smtClean="0"/>
-                    <a:t>)</a:t>
-                  </a:r>
-                  <a:r>
-                    <a:rPr lang="en-US" sz="600" dirty="0" smtClean="0"/>
-                    <a:t>]</a:t>
+                    <a:t>)]</a:t>
                   </a:r>
                   <a:endParaRPr lang="en-US" sz="600" dirty="0"/>
                 </a:p>
               </p:txBody>
             </p:sp>
           </mc:Choice>
-          <mc:Fallback>
+          <mc:Fallback xmlns="">
             <p:sp>
               <p:nvSpPr>
                 <p:cNvPr id="408" name="TextBox 407"/>
@@ -14009,8 +13898,8 @@
             </a:p>
           </p:txBody>
         </p:sp>
-        <mc:AlternateContent xmlns:mc="http://schemas.openxmlformats.org/markup-compatibility/2006">
-          <mc:Choice xmlns:a14="http://schemas.microsoft.com/office/drawing/2010/main" Requires="a14">
+        <mc:AlternateContent xmlns:mc="http://schemas.openxmlformats.org/markup-compatibility/2006" xmlns:a14="http://schemas.microsoft.com/office/drawing/2010/main">
+          <mc:Choice Requires="a14">
             <p:sp>
               <p:nvSpPr>
                 <p:cNvPr id="410" name="TextBox 409"/>
@@ -14035,11 +13924,7 @@
                 <a:p>
                   <a:r>
                     <a:rPr lang="en-US" sz="600" dirty="0" smtClean="0"/>
-                    <a:t>[</a:t>
-                  </a:r>
-                  <a:r>
-                    <a:rPr lang="en-US" sz="600" dirty="0" smtClean="0"/>
-                    <a:t>(m2(), 16, </a:t>
+                    <a:t>[(m2(), 16, </a:t>
                   </a:r>
                   <a14:m>
                     <m:oMath xmlns:m="http://schemas.openxmlformats.org/officeDocument/2006/math">
@@ -14077,18 +13962,14 @@
                   </a14:m>
                   <a:r>
                     <a:rPr lang="en-US" sz="600" dirty="0" smtClean="0"/>
-                    <a:t>)</a:t>
-                  </a:r>
-                  <a:r>
-                    <a:rPr lang="en-US" sz="600" dirty="0" smtClean="0"/>
-                    <a:t>]</a:t>
+                    <a:t>)]</a:t>
                   </a:r>
                   <a:endParaRPr lang="en-US" sz="600" dirty="0"/>
                 </a:p>
               </p:txBody>
             </p:sp>
           </mc:Choice>
-          <mc:Fallback>
+          <mc:Fallback xmlns="">
             <p:sp>
               <p:nvSpPr>
                 <p:cNvPr id="410" name="TextBox 409"/>
@@ -14128,8 +14009,8 @@
           </mc:Fallback>
         </mc:AlternateContent>
       </p:grpSp>
-      <mc:AlternateContent xmlns:mc="http://schemas.openxmlformats.org/markup-compatibility/2006">
-        <mc:Choice xmlns:a14="http://schemas.microsoft.com/office/drawing/2010/main" Requires="a14">
+      <mc:AlternateContent xmlns:mc="http://schemas.openxmlformats.org/markup-compatibility/2006" xmlns:a14="http://schemas.microsoft.com/office/drawing/2010/main">
+        <mc:Choice Requires="a14">
           <p:sp>
             <p:nvSpPr>
               <p:cNvPr id="411" name="TextBox 410"/>
@@ -14177,7 +14058,7 @@
             </p:txBody>
           </p:sp>
         </mc:Choice>
-        <mc:Fallback>
+        <mc:Fallback xmlns="">
           <p:sp>
             <p:nvSpPr>
               <p:cNvPr id="411" name="TextBox 410"/>
@@ -14216,8 +14097,8 @@
           </p:sp>
         </mc:Fallback>
       </mc:AlternateContent>
-      <mc:AlternateContent xmlns:mc="http://schemas.openxmlformats.org/markup-compatibility/2006">
-        <mc:Choice xmlns:a14="http://schemas.microsoft.com/office/drawing/2010/main" Requires="a14">
+      <mc:AlternateContent xmlns:mc="http://schemas.openxmlformats.org/markup-compatibility/2006" xmlns:a14="http://schemas.microsoft.com/office/drawing/2010/main">
+        <mc:Choice Requires="a14">
           <p:sp>
             <p:nvSpPr>
               <p:cNvPr id="412" name="TextBox 411"/>
@@ -14265,7 +14146,7 @@
             </p:txBody>
           </p:sp>
         </mc:Choice>
-        <mc:Fallback>
+        <mc:Fallback xmlns="">
           <p:sp>
             <p:nvSpPr>
               <p:cNvPr id="412" name="TextBox 411"/>
@@ -14304,8 +14185,8 @@
           </p:sp>
         </mc:Fallback>
       </mc:AlternateContent>
-      <mc:AlternateContent xmlns:mc="http://schemas.openxmlformats.org/markup-compatibility/2006">
-        <mc:Choice xmlns:a14="http://schemas.microsoft.com/office/drawing/2010/main" Requires="a14">
+      <mc:AlternateContent xmlns:mc="http://schemas.openxmlformats.org/markup-compatibility/2006" xmlns:a14="http://schemas.microsoft.com/office/drawing/2010/main">
+        <mc:Choice Requires="a14">
           <p:sp>
             <p:nvSpPr>
               <p:cNvPr id="413" name="TextBox 412"/>
@@ -14353,7 +14234,7 @@
             </p:txBody>
           </p:sp>
         </mc:Choice>
-        <mc:Fallback>
+        <mc:Fallback xmlns="">
           <p:sp>
             <p:nvSpPr>
               <p:cNvPr id="413" name="TextBox 412"/>
@@ -14392,8 +14273,8 @@
           </p:sp>
         </mc:Fallback>
       </mc:AlternateContent>
-      <mc:AlternateContent xmlns:mc="http://schemas.openxmlformats.org/markup-compatibility/2006">
-        <mc:Choice xmlns:a14="http://schemas.microsoft.com/office/drawing/2010/main" Requires="a14">
+      <mc:AlternateContent xmlns:mc="http://schemas.openxmlformats.org/markup-compatibility/2006" xmlns:a14="http://schemas.microsoft.com/office/drawing/2010/main">
+        <mc:Choice Requires="a14">
           <p:sp>
             <p:nvSpPr>
               <p:cNvPr id="414" name="TextBox 413"/>
@@ -14441,7 +14322,7 @@
             </p:txBody>
           </p:sp>
         </mc:Choice>
-        <mc:Fallback>
+        <mc:Fallback xmlns="">
           <p:sp>
             <p:nvSpPr>
               <p:cNvPr id="414" name="TextBox 413"/>
@@ -14929,8 +14810,8 @@
             </a:p>
           </p:txBody>
         </p:sp>
-        <mc:AlternateContent xmlns:mc="http://schemas.openxmlformats.org/markup-compatibility/2006">
-          <mc:Choice xmlns:a14="http://schemas.microsoft.com/office/drawing/2010/main" Requires="a14">
+        <mc:AlternateContent xmlns:mc="http://schemas.openxmlformats.org/markup-compatibility/2006" xmlns:a14="http://schemas.microsoft.com/office/drawing/2010/main">
+          <mc:Choice Requires="a14">
             <p:sp>
               <p:nvSpPr>
                 <p:cNvPr id="430" name="TextBox 429"/>
@@ -14955,11 +14836,7 @@
                 <a:p>
                   <a:r>
                     <a:rPr lang="en-US" sz="600" dirty="0" smtClean="0"/>
-                    <a:t>[</a:t>
-                  </a:r>
-                  <a:r>
-                    <a:rPr lang="en-US" sz="600" dirty="0" smtClean="0"/>
-                    <a:t>(m1(), 14, </a:t>
+                    <a:t>[(m1(), 14, </a:t>
                   </a:r>
                   <a14:m>
                     <m:oMath xmlns:m="http://schemas.openxmlformats.org/officeDocument/2006/math">
@@ -14975,18 +14852,14 @@
                   </a14:m>
                   <a:r>
                     <a:rPr lang="en-US" sz="600" dirty="0" smtClean="0"/>
-                    <a:t>)</a:t>
-                  </a:r>
-                  <a:r>
-                    <a:rPr lang="en-US" sz="600" dirty="0" smtClean="0"/>
-                    <a:t>]</a:t>
+                    <a:t>)]</a:t>
                   </a:r>
                   <a:endParaRPr lang="en-US" sz="600" dirty="0"/>
                 </a:p>
               </p:txBody>
             </p:sp>
           </mc:Choice>
-          <mc:Fallback>
+          <mc:Fallback xmlns="">
             <p:sp>
               <p:nvSpPr>
                 <p:cNvPr id="430" name="TextBox 429"/>
@@ -15059,8 +14932,8 @@
             </a:p>
           </p:txBody>
         </p:sp>
-        <mc:AlternateContent xmlns:mc="http://schemas.openxmlformats.org/markup-compatibility/2006">
-          <mc:Choice xmlns:a14="http://schemas.microsoft.com/office/drawing/2010/main" Requires="a14">
+        <mc:AlternateContent xmlns:mc="http://schemas.openxmlformats.org/markup-compatibility/2006" xmlns:a14="http://schemas.microsoft.com/office/drawing/2010/main">
+          <mc:Choice Requires="a14">
             <p:sp>
               <p:nvSpPr>
                 <p:cNvPr id="432" name="TextBox 431"/>
@@ -15085,11 +14958,7 @@
                 <a:p>
                   <a:r>
                     <a:rPr lang="en-US" sz="600" dirty="0" smtClean="0"/>
-                    <a:t>[</a:t>
-                  </a:r>
-                  <a:r>
-                    <a:rPr lang="en-US" sz="600" dirty="0" smtClean="0"/>
-                    <a:t>(m2(), 2, </a:t>
+                    <a:t>[(m2(), 2, </a:t>
                   </a:r>
                   <a14:m>
                     <m:oMath xmlns:m="http://schemas.openxmlformats.org/officeDocument/2006/math">
@@ -15127,18 +14996,14 @@
                   </a14:m>
                   <a:r>
                     <a:rPr lang="en-US" sz="600" dirty="0" smtClean="0"/>
-                    <a:t>)</a:t>
-                  </a:r>
-                  <a:r>
-                    <a:rPr lang="en-US" sz="600" dirty="0" smtClean="0"/>
-                    <a:t>]</a:t>
+                    <a:t>)]</a:t>
                   </a:r>
                   <a:endParaRPr lang="en-US" sz="600" dirty="0"/>
                 </a:p>
               </p:txBody>
             </p:sp>
           </mc:Choice>
-          <mc:Fallback>
+          <mc:Fallback xmlns="">
             <p:sp>
               <p:nvSpPr>
                 <p:cNvPr id="432" name="TextBox 431"/>
@@ -15641,8 +15506,8 @@
               </a:p>
             </p:txBody>
           </p:sp>
-          <mc:AlternateContent xmlns:mc="http://schemas.openxmlformats.org/markup-compatibility/2006">
-            <mc:Choice xmlns:a14="http://schemas.microsoft.com/office/drawing/2010/main" Requires="a14">
+          <mc:AlternateContent xmlns:mc="http://schemas.openxmlformats.org/markup-compatibility/2006" xmlns:a14="http://schemas.microsoft.com/office/drawing/2010/main">
+            <mc:Choice Requires="a14">
               <p:sp>
                 <p:nvSpPr>
                   <p:cNvPr id="450" name="TextBox 449"/>
@@ -15667,11 +15532,7 @@
                   <a:p>
                     <a:r>
                       <a:rPr lang="en-US" sz="600" dirty="0" smtClean="0"/>
-                      <a:t>[</a:t>
-                    </a:r>
-                    <a:r>
-                      <a:rPr lang="en-US" sz="600" dirty="0" smtClean="0"/>
-                      <a:t>(m1(), 14, </a:t>
+                      <a:t>[(m1(), 14, </a:t>
                     </a:r>
                     <a14:m>
                       <m:oMath xmlns:m="http://schemas.openxmlformats.org/officeDocument/2006/math">
@@ -15687,18 +15548,14 @@
                     </a14:m>
                     <a:r>
                       <a:rPr lang="en-US" sz="600" dirty="0" smtClean="0"/>
-                      <a:t>)</a:t>
-                    </a:r>
-                    <a:r>
-                      <a:rPr lang="en-US" sz="600" dirty="0" smtClean="0"/>
-                      <a:t>]</a:t>
+                      <a:t>)]</a:t>
                     </a:r>
                     <a:endParaRPr lang="en-US" sz="600" dirty="0"/>
                   </a:p>
                 </p:txBody>
               </p:sp>
             </mc:Choice>
-            <mc:Fallback>
+            <mc:Fallback xmlns="">
               <p:sp>
                 <p:nvSpPr>
                   <p:cNvPr id="450" name="TextBox 449"/>
@@ -15771,8 +15628,8 @@
               </a:p>
             </p:txBody>
           </p:sp>
-          <mc:AlternateContent xmlns:mc="http://schemas.openxmlformats.org/markup-compatibility/2006">
-            <mc:Choice xmlns:a14="http://schemas.microsoft.com/office/drawing/2010/main" Requires="a14">
+          <mc:AlternateContent xmlns:mc="http://schemas.openxmlformats.org/markup-compatibility/2006" xmlns:a14="http://schemas.microsoft.com/office/drawing/2010/main">
+            <mc:Choice Requires="a14">
               <p:sp>
                 <p:nvSpPr>
                   <p:cNvPr id="452" name="TextBox 451"/>
@@ -15797,11 +15654,7 @@
                   <a:p>
                     <a:r>
                       <a:rPr lang="en-US" sz="600" dirty="0" smtClean="0"/>
-                      <a:t>[</a:t>
-                    </a:r>
-                    <a:r>
-                      <a:rPr lang="en-US" sz="600" dirty="0" smtClean="0"/>
-                      <a:t>(m3(), 4, </a:t>
+                      <a:t>[(m3(), 4, </a:t>
                     </a:r>
                     <a14:m>
                       <m:oMath xmlns:m="http://schemas.openxmlformats.org/officeDocument/2006/math">
@@ -15817,18 +15670,14 @@
                     </a14:m>
                     <a:r>
                       <a:rPr lang="en-US" sz="600" dirty="0" smtClean="0"/>
-                      <a:t>)</a:t>
-                    </a:r>
-                    <a:r>
-                      <a:rPr lang="en-US" sz="600" dirty="0" smtClean="0"/>
-                      <a:t>]</a:t>
+                      <a:t>)]</a:t>
                     </a:r>
                     <a:endParaRPr lang="en-US" sz="600" dirty="0"/>
                   </a:p>
                 </p:txBody>
               </p:sp>
             </mc:Choice>
-            <mc:Fallback>
+            <mc:Fallback xmlns="">
               <p:sp>
                 <p:nvSpPr>
                   <p:cNvPr id="452" name="TextBox 451"/>
@@ -16332,8 +16181,8 @@
               </a:p>
             </p:txBody>
           </p:sp>
-          <mc:AlternateContent xmlns:mc="http://schemas.openxmlformats.org/markup-compatibility/2006">
-            <mc:Choice xmlns:a14="http://schemas.microsoft.com/office/drawing/2010/main" Requires="a14">
+          <mc:AlternateContent xmlns:mc="http://schemas.openxmlformats.org/markup-compatibility/2006" xmlns:a14="http://schemas.microsoft.com/office/drawing/2010/main">
+            <mc:Choice Requires="a14">
               <p:sp>
                 <p:nvSpPr>
                   <p:cNvPr id="469" name="TextBox 468"/>
@@ -16358,11 +16207,7 @@
                   <a:p>
                     <a:r>
                       <a:rPr lang="en-US" sz="600" dirty="0" smtClean="0"/>
-                      <a:t>[</a:t>
-                    </a:r>
-                    <a:r>
-                      <a:rPr lang="en-US" sz="600" dirty="0" smtClean="0"/>
-                      <a:t>(m1(), 14, </a:t>
+                      <a:t>[(m1(), 14, </a:t>
                     </a:r>
                     <a14:m>
                       <m:oMath xmlns:m="http://schemas.openxmlformats.org/officeDocument/2006/math">
@@ -16378,18 +16223,14 @@
                     </a14:m>
                     <a:r>
                       <a:rPr lang="en-US" sz="600" dirty="0" smtClean="0"/>
-                      <a:t>)</a:t>
-                    </a:r>
-                    <a:r>
-                      <a:rPr lang="en-US" sz="600" dirty="0" smtClean="0"/>
-                      <a:t>]</a:t>
+                      <a:t>)]</a:t>
                     </a:r>
                     <a:endParaRPr lang="en-US" sz="600" dirty="0"/>
                   </a:p>
                 </p:txBody>
               </p:sp>
             </mc:Choice>
-            <mc:Fallback>
+            <mc:Fallback xmlns="">
               <p:sp>
                 <p:nvSpPr>
                   <p:cNvPr id="469" name="TextBox 468"/>
@@ -16977,8 +16818,8 @@
             </a:p>
           </p:txBody>
         </p:sp>
-        <mc:AlternateContent xmlns:mc="http://schemas.openxmlformats.org/markup-compatibility/2006">
-          <mc:Choice xmlns:a14="http://schemas.microsoft.com/office/drawing/2010/main" Requires="a14">
+        <mc:AlternateContent xmlns:mc="http://schemas.openxmlformats.org/markup-compatibility/2006" xmlns:a14="http://schemas.microsoft.com/office/drawing/2010/main">
+          <mc:Choice Requires="a14">
             <p:sp>
               <p:nvSpPr>
                 <p:cNvPr id="487" name="TextBox 486"/>
@@ -17003,11 +16844,7 @@
                 <a:p>
                   <a:r>
                     <a:rPr lang="en-US" sz="600" dirty="0" smtClean="0"/>
-                    <a:t>[</a:t>
-                  </a:r>
-                  <a:r>
-                    <a:rPr lang="en-US" sz="600" dirty="0" smtClean="0"/>
-                    <a:t>(m1(), 28, </a:t>
+                    <a:t>[(m1(), 28, </a:t>
                   </a:r>
                   <a14:m>
                     <m:oMath xmlns:m="http://schemas.openxmlformats.org/officeDocument/2006/math">
@@ -17023,18 +16860,14 @@
                   </a14:m>
                   <a:r>
                     <a:rPr lang="en-US" sz="600" dirty="0" smtClean="0"/>
-                    <a:t>)</a:t>
-                  </a:r>
-                  <a:r>
-                    <a:rPr lang="en-US" sz="600" dirty="0" smtClean="0"/>
-                    <a:t>]</a:t>
+                    <a:t>)]</a:t>
                   </a:r>
                   <a:endParaRPr lang="en-US" sz="600" dirty="0"/>
                 </a:p>
               </p:txBody>
             </p:sp>
           </mc:Choice>
-          <mc:Fallback>
+          <mc:Fallback xmlns="">
             <p:sp>
               <p:nvSpPr>
                 <p:cNvPr id="487" name="TextBox 486"/>
@@ -17107,8 +16940,8 @@
             </a:p>
           </p:txBody>
         </p:sp>
-        <mc:AlternateContent xmlns:mc="http://schemas.openxmlformats.org/markup-compatibility/2006">
-          <mc:Choice xmlns:a14="http://schemas.microsoft.com/office/drawing/2010/main" Requires="a14">
+        <mc:AlternateContent xmlns:mc="http://schemas.openxmlformats.org/markup-compatibility/2006" xmlns:a14="http://schemas.microsoft.com/office/drawing/2010/main">
+          <mc:Choice Requires="a14">
             <p:sp>
               <p:nvSpPr>
                 <p:cNvPr id="489" name="TextBox 488"/>
@@ -17133,11 +16966,7 @@
                 <a:p>
                   <a:r>
                     <a:rPr lang="en-US" sz="600" dirty="0" smtClean="0"/>
-                    <a:t>[</a:t>
-                  </a:r>
-                  <a:r>
-                    <a:rPr lang="en-US" sz="600" dirty="0" smtClean="0"/>
-                    <a:t>(m2(), 16, </a:t>
+                    <a:t>[(m2(), 16, </a:t>
                   </a:r>
                   <a14:m>
                     <m:oMath xmlns:m="http://schemas.openxmlformats.org/officeDocument/2006/math">
@@ -17175,18 +17004,14 @@
                   </a14:m>
                   <a:r>
                     <a:rPr lang="en-US" sz="600" dirty="0" smtClean="0"/>
-                    <a:t>)</a:t>
-                  </a:r>
-                  <a:r>
-                    <a:rPr lang="en-US" sz="600" dirty="0" smtClean="0"/>
-                    <a:t>]</a:t>
+                    <a:t>)]</a:t>
                   </a:r>
                   <a:endParaRPr lang="en-US" sz="600" dirty="0"/>
                 </a:p>
               </p:txBody>
             </p:sp>
           </mc:Choice>
-          <mc:Fallback>
+          <mc:Fallback xmlns="">
             <p:sp>
               <p:nvSpPr>
                 <p:cNvPr id="489" name="TextBox 488"/>
@@ -17226,8 +17051,8 @@
           </mc:Fallback>
         </mc:AlternateContent>
       </p:grpSp>
-      <mc:AlternateContent xmlns:mc="http://schemas.openxmlformats.org/markup-compatibility/2006">
-        <mc:Choice xmlns:a14="http://schemas.microsoft.com/office/drawing/2010/main" Requires="a14">
+      <mc:AlternateContent xmlns:mc="http://schemas.openxmlformats.org/markup-compatibility/2006" xmlns:a14="http://schemas.microsoft.com/office/drawing/2010/main">
+        <mc:Choice Requires="a14">
           <p:sp>
             <p:nvSpPr>
               <p:cNvPr id="490" name="TextBox 489"/>
@@ -17275,7 +17100,7 @@
             </p:txBody>
           </p:sp>
         </mc:Choice>
-        <mc:Fallback>
+        <mc:Fallback xmlns="">
           <p:sp>
             <p:nvSpPr>
               <p:cNvPr id="490" name="TextBox 489"/>
@@ -17314,8 +17139,8 @@
           </p:sp>
         </mc:Fallback>
       </mc:AlternateContent>
-      <mc:AlternateContent xmlns:mc="http://schemas.openxmlformats.org/markup-compatibility/2006">
-        <mc:Choice xmlns:a14="http://schemas.microsoft.com/office/drawing/2010/main" Requires="a14">
+      <mc:AlternateContent xmlns:mc="http://schemas.openxmlformats.org/markup-compatibility/2006" xmlns:a14="http://schemas.microsoft.com/office/drawing/2010/main">
+        <mc:Choice Requires="a14">
           <p:sp>
             <p:nvSpPr>
               <p:cNvPr id="491" name="TextBox 490"/>
@@ -17363,7 +17188,7 @@
             </p:txBody>
           </p:sp>
         </mc:Choice>
-        <mc:Fallback>
+        <mc:Fallback xmlns="">
           <p:sp>
             <p:nvSpPr>
               <p:cNvPr id="491" name="TextBox 490"/>
@@ -17402,8 +17227,8 @@
           </p:sp>
         </mc:Fallback>
       </mc:AlternateContent>
-      <mc:AlternateContent xmlns:mc="http://schemas.openxmlformats.org/markup-compatibility/2006">
-        <mc:Choice xmlns:a14="http://schemas.microsoft.com/office/drawing/2010/main" Requires="a14">
+      <mc:AlternateContent xmlns:mc="http://schemas.openxmlformats.org/markup-compatibility/2006" xmlns:a14="http://schemas.microsoft.com/office/drawing/2010/main">
+        <mc:Choice Requires="a14">
           <p:sp>
             <p:nvSpPr>
               <p:cNvPr id="492" name="TextBox 491"/>
@@ -17451,7 +17276,7 @@
             </p:txBody>
           </p:sp>
         </mc:Choice>
-        <mc:Fallback>
+        <mc:Fallback xmlns="">
           <p:sp>
             <p:nvSpPr>
               <p:cNvPr id="492" name="TextBox 491"/>
@@ -17490,8 +17315,8 @@
           </p:sp>
         </mc:Fallback>
       </mc:AlternateContent>
-      <mc:AlternateContent xmlns:mc="http://schemas.openxmlformats.org/markup-compatibility/2006">
-        <mc:Choice xmlns:a14="http://schemas.microsoft.com/office/drawing/2010/main" Requires="a14">
+      <mc:AlternateContent xmlns:mc="http://schemas.openxmlformats.org/markup-compatibility/2006" xmlns:a14="http://schemas.microsoft.com/office/drawing/2010/main">
+        <mc:Choice Requires="a14">
           <p:sp>
             <p:nvSpPr>
               <p:cNvPr id="493" name="TextBox 492"/>
@@ -17539,7 +17364,7 @@
             </p:txBody>
           </p:sp>
         </mc:Choice>
-        <mc:Fallback>
+        <mc:Fallback xmlns="">
           <p:sp>
             <p:nvSpPr>
               <p:cNvPr id="493" name="TextBox 492"/>
@@ -17614,8 +17439,8 @@
           </a:fontRef>
         </p:style>
       </p:cxnSp>
-      <mc:AlternateContent xmlns:mc="http://schemas.openxmlformats.org/markup-compatibility/2006">
-        <mc:Choice xmlns:a14="http://schemas.microsoft.com/office/drawing/2010/main" Requires="a14">
+      <mc:AlternateContent xmlns:mc="http://schemas.openxmlformats.org/markup-compatibility/2006" xmlns:a14="http://schemas.microsoft.com/office/drawing/2010/main">
+        <mc:Choice Requires="a14">
           <p:sp>
             <p:nvSpPr>
               <p:cNvPr id="504" name="TextBox 503"/>
@@ -17675,7 +17500,7 @@
             </p:txBody>
           </p:sp>
         </mc:Choice>
-        <mc:Fallback>
+        <mc:Fallback xmlns="">
           <p:sp>
             <p:nvSpPr>
               <p:cNvPr id="504" name="TextBox 503"/>
@@ -18130,8 +17955,8 @@
             </a:p>
           </p:txBody>
         </p:sp>
-        <mc:AlternateContent xmlns:mc="http://schemas.openxmlformats.org/markup-compatibility/2006">
-          <mc:Choice xmlns:a14="http://schemas.microsoft.com/office/drawing/2010/main" Requires="a14">
+        <mc:AlternateContent xmlns:mc="http://schemas.openxmlformats.org/markup-compatibility/2006" xmlns:a14="http://schemas.microsoft.com/office/drawing/2010/main">
+          <mc:Choice Requires="a14">
             <p:sp>
               <p:nvSpPr>
                 <p:cNvPr id="519" name="TextBox 518"/>
@@ -18179,7 +18004,7 @@
               </p:txBody>
             </p:sp>
           </mc:Choice>
-          <mc:Fallback>
+          <mc:Fallback xmlns="">
             <p:sp>
               <p:nvSpPr>
                 <p:cNvPr id="519" name="TextBox 518"/>

--- a/resources/TTS-FTTS.pptx
+++ b/resources/TTS-FTTS.pptx
@@ -18108,6 +18108,606 @@
           </p:txBody>
         </p:sp>
       </p:grpSp>
+      <p:sp>
+        <p:nvSpPr>
+          <p:cNvPr id="495" name="TextBox 494"/>
+          <p:cNvSpPr txBox="1"/>
+          <p:nvPr/>
+        </p:nvSpPr>
+        <p:spPr>
+          <a:xfrm>
+            <a:off x="5697798" y="166490"/>
+            <a:ext cx="254274" cy="184666"/>
+          </a:xfrm>
+          <a:prstGeom prst="rect">
+            <a:avLst/>
+          </a:prstGeom>
+          <a:noFill/>
+        </p:spPr>
+        <p:txBody>
+          <a:bodyPr wrap="square" rtlCol="0">
+            <a:spAutoFit/>
+          </a:bodyPr>
+          <a:lstStyle/>
+          <a:p>
+            <a:r>
+              <a:rPr lang="en-US" sz="600"/>
+              <a:t>0</a:t>
+            </a:r>
+            <a:endParaRPr lang="en-US" sz="600" dirty="0"/>
+          </a:p>
+        </p:txBody>
+      </p:sp>
+      <p:sp>
+        <p:nvSpPr>
+          <p:cNvPr id="496" name="TextBox 495"/>
+          <p:cNvSpPr txBox="1"/>
+          <p:nvPr/>
+        </p:nvSpPr>
+        <p:spPr>
+          <a:xfrm>
+            <a:off x="5696915" y="339098"/>
+            <a:ext cx="254274" cy="184666"/>
+          </a:xfrm>
+          <a:prstGeom prst="rect">
+            <a:avLst/>
+          </a:prstGeom>
+          <a:noFill/>
+        </p:spPr>
+        <p:txBody>
+          <a:bodyPr wrap="square" rtlCol="0">
+            <a:spAutoFit/>
+          </a:bodyPr>
+          <a:lstStyle/>
+          <a:p>
+            <a:r>
+              <a:rPr lang="en-US" sz="600"/>
+              <a:t>0</a:t>
+            </a:r>
+            <a:endParaRPr lang="en-US" sz="600" dirty="0"/>
+          </a:p>
+        </p:txBody>
+      </p:sp>
+      <p:sp>
+        <p:nvSpPr>
+          <p:cNvPr id="497" name="TextBox 496"/>
+          <p:cNvSpPr txBox="1"/>
+          <p:nvPr/>
+        </p:nvSpPr>
+        <p:spPr>
+          <a:xfrm>
+            <a:off x="5696816" y="856356"/>
+            <a:ext cx="254274" cy="184666"/>
+          </a:xfrm>
+          <a:prstGeom prst="rect">
+            <a:avLst/>
+          </a:prstGeom>
+          <a:noFill/>
+        </p:spPr>
+        <p:txBody>
+          <a:bodyPr wrap="square" rtlCol="0">
+            <a:spAutoFit/>
+          </a:bodyPr>
+          <a:lstStyle/>
+          <a:p>
+            <a:r>
+              <a:rPr lang="en-US" sz="600"/>
+              <a:t>4</a:t>
+            </a:r>
+            <a:endParaRPr lang="en-US" sz="600" dirty="0"/>
+          </a:p>
+        </p:txBody>
+      </p:sp>
+      <p:sp>
+        <p:nvSpPr>
+          <p:cNvPr id="498" name="TextBox 497"/>
+          <p:cNvSpPr txBox="1"/>
+          <p:nvPr/>
+        </p:nvSpPr>
+        <p:spPr>
+          <a:xfrm>
+            <a:off x="5699769" y="1123751"/>
+            <a:ext cx="254274" cy="184666"/>
+          </a:xfrm>
+          <a:prstGeom prst="rect">
+            <a:avLst/>
+          </a:prstGeom>
+          <a:noFill/>
+        </p:spPr>
+        <p:txBody>
+          <a:bodyPr wrap="square" rtlCol="0">
+            <a:spAutoFit/>
+          </a:bodyPr>
+          <a:lstStyle/>
+          <a:p>
+            <a:r>
+              <a:rPr lang="en-US" sz="600"/>
+              <a:t>0</a:t>
+            </a:r>
+            <a:endParaRPr lang="en-US" sz="600" dirty="0"/>
+          </a:p>
+        </p:txBody>
+      </p:sp>
+      <p:sp>
+        <p:nvSpPr>
+          <p:cNvPr id="499" name="TextBox 498"/>
+          <p:cNvSpPr txBox="1"/>
+          <p:nvPr/>
+        </p:nvSpPr>
+        <p:spPr>
+          <a:xfrm>
+            <a:off x="5694943" y="1656009"/>
+            <a:ext cx="254274" cy="184666"/>
+          </a:xfrm>
+          <a:prstGeom prst="rect">
+            <a:avLst/>
+          </a:prstGeom>
+          <a:noFill/>
+        </p:spPr>
+        <p:txBody>
+          <a:bodyPr wrap="square" rtlCol="0">
+            <a:spAutoFit/>
+          </a:bodyPr>
+          <a:lstStyle/>
+          <a:p>
+            <a:r>
+              <a:rPr lang="en-US" sz="600" dirty="0"/>
+              <a:t>4</a:t>
+            </a:r>
+            <a:endParaRPr lang="en-US" sz="600" dirty="0"/>
+          </a:p>
+        </p:txBody>
+      </p:sp>
+      <p:sp>
+        <p:nvSpPr>
+          <p:cNvPr id="500" name="TextBox 499"/>
+          <p:cNvSpPr txBox="1"/>
+          <p:nvPr/>
+        </p:nvSpPr>
+        <p:spPr>
+          <a:xfrm>
+            <a:off x="5694060" y="1825268"/>
+            <a:ext cx="254274" cy="184666"/>
+          </a:xfrm>
+          <a:prstGeom prst="rect">
+            <a:avLst/>
+          </a:prstGeom>
+          <a:noFill/>
+        </p:spPr>
+        <p:txBody>
+          <a:bodyPr wrap="square" rtlCol="0">
+            <a:spAutoFit/>
+          </a:bodyPr>
+          <a:lstStyle/>
+          <a:p>
+            <a:r>
+              <a:rPr lang="en-US" sz="600" dirty="0"/>
+              <a:t>2</a:t>
+            </a:r>
+            <a:endParaRPr lang="en-US" sz="600" dirty="0"/>
+          </a:p>
+        </p:txBody>
+      </p:sp>
+      <p:sp>
+        <p:nvSpPr>
+          <p:cNvPr id="501" name="TextBox 500"/>
+          <p:cNvSpPr txBox="1"/>
+          <p:nvPr/>
+        </p:nvSpPr>
+        <p:spPr>
+          <a:xfrm>
+            <a:off x="5697798" y="2347378"/>
+            <a:ext cx="254274" cy="184666"/>
+          </a:xfrm>
+          <a:prstGeom prst="rect">
+            <a:avLst/>
+          </a:prstGeom>
+          <a:noFill/>
+        </p:spPr>
+        <p:txBody>
+          <a:bodyPr wrap="square" rtlCol="0">
+            <a:spAutoFit/>
+          </a:bodyPr>
+          <a:lstStyle/>
+          <a:p>
+            <a:r>
+              <a:rPr lang="en-US" sz="600" dirty="0"/>
+              <a:t>4</a:t>
+            </a:r>
+            <a:endParaRPr lang="en-US" sz="600" dirty="0"/>
+          </a:p>
+        </p:txBody>
+      </p:sp>
+      <p:sp>
+        <p:nvSpPr>
+          <p:cNvPr id="502" name="TextBox 501"/>
+          <p:cNvSpPr txBox="1"/>
+          <p:nvPr/>
+        </p:nvSpPr>
+        <p:spPr>
+          <a:xfrm>
+            <a:off x="5702697" y="2519901"/>
+            <a:ext cx="254274" cy="184666"/>
+          </a:xfrm>
+          <a:prstGeom prst="rect">
+            <a:avLst/>
+          </a:prstGeom>
+          <a:noFill/>
+        </p:spPr>
+        <p:txBody>
+          <a:bodyPr wrap="square" rtlCol="0">
+            <a:spAutoFit/>
+          </a:bodyPr>
+          <a:lstStyle/>
+          <a:p>
+            <a:r>
+              <a:rPr lang="en-US" sz="600" dirty="0"/>
+              <a:t>4</a:t>
+            </a:r>
+            <a:endParaRPr lang="en-US" sz="600" dirty="0"/>
+          </a:p>
+        </p:txBody>
+      </p:sp>
+      <p:sp>
+        <p:nvSpPr>
+          <p:cNvPr id="503" name="TextBox 502"/>
+          <p:cNvSpPr txBox="1"/>
+          <p:nvPr/>
+        </p:nvSpPr>
+        <p:spPr>
+          <a:xfrm>
+            <a:off x="5700756" y="3044977"/>
+            <a:ext cx="322943" cy="184666"/>
+          </a:xfrm>
+          <a:prstGeom prst="rect">
+            <a:avLst/>
+          </a:prstGeom>
+          <a:noFill/>
+        </p:spPr>
+        <p:txBody>
+          <a:bodyPr wrap="square" rtlCol="0">
+            <a:spAutoFit/>
+          </a:bodyPr>
+          <a:lstStyle/>
+          <a:p>
+            <a:r>
+              <a:rPr lang="en-US" sz="600" smtClean="0"/>
+              <a:t>18</a:t>
+            </a:r>
+            <a:endParaRPr lang="en-US" sz="600" dirty="0"/>
+          </a:p>
+        </p:txBody>
+      </p:sp>
+      <p:sp>
+        <p:nvSpPr>
+          <p:cNvPr id="522" name="TextBox 521"/>
+          <p:cNvSpPr txBox="1"/>
+          <p:nvPr/>
+        </p:nvSpPr>
+        <p:spPr>
+          <a:xfrm>
+            <a:off x="5706384" y="3315291"/>
+            <a:ext cx="254274" cy="184666"/>
+          </a:xfrm>
+          <a:prstGeom prst="rect">
+            <a:avLst/>
+          </a:prstGeom>
+          <a:noFill/>
+        </p:spPr>
+        <p:txBody>
+          <a:bodyPr wrap="square" rtlCol="0">
+            <a:spAutoFit/>
+          </a:bodyPr>
+          <a:lstStyle/>
+          <a:p>
+            <a:r>
+              <a:rPr lang="en-US" sz="600" dirty="0"/>
+              <a:t>4</a:t>
+            </a:r>
+            <a:endParaRPr lang="en-US" sz="600" dirty="0"/>
+          </a:p>
+        </p:txBody>
+      </p:sp>
+      <p:sp>
+        <p:nvSpPr>
+          <p:cNvPr id="523" name="TextBox 522"/>
+          <p:cNvSpPr txBox="1"/>
+          <p:nvPr/>
+        </p:nvSpPr>
+        <p:spPr>
+          <a:xfrm>
+            <a:off x="3527776" y="3052670"/>
+            <a:ext cx="322943" cy="184666"/>
+          </a:xfrm>
+          <a:prstGeom prst="rect">
+            <a:avLst/>
+          </a:prstGeom>
+          <a:noFill/>
+        </p:spPr>
+        <p:txBody>
+          <a:bodyPr wrap="square" rtlCol="0">
+            <a:spAutoFit/>
+          </a:bodyPr>
+          <a:lstStyle/>
+          <a:p>
+            <a:r>
+              <a:rPr lang="en-US" sz="600" smtClean="0"/>
+              <a:t>18</a:t>
+            </a:r>
+            <a:endParaRPr lang="en-US" sz="600" dirty="0"/>
+          </a:p>
+        </p:txBody>
+      </p:sp>
+      <p:sp>
+        <p:nvSpPr>
+          <p:cNvPr id="524" name="TextBox 523"/>
+          <p:cNvSpPr txBox="1"/>
+          <p:nvPr/>
+        </p:nvSpPr>
+        <p:spPr>
+          <a:xfrm>
+            <a:off x="3533404" y="3322984"/>
+            <a:ext cx="254274" cy="184666"/>
+          </a:xfrm>
+          <a:prstGeom prst="rect">
+            <a:avLst/>
+          </a:prstGeom>
+          <a:noFill/>
+        </p:spPr>
+        <p:txBody>
+          <a:bodyPr wrap="square" rtlCol="0">
+            <a:spAutoFit/>
+          </a:bodyPr>
+          <a:lstStyle/>
+          <a:p>
+            <a:r>
+              <a:rPr lang="en-US" sz="600" dirty="0"/>
+              <a:t>4</a:t>
+            </a:r>
+            <a:endParaRPr lang="en-US" sz="600" dirty="0"/>
+          </a:p>
+        </p:txBody>
+      </p:sp>
+      <p:sp>
+        <p:nvSpPr>
+          <p:cNvPr id="525" name="TextBox 524"/>
+          <p:cNvSpPr txBox="1"/>
+          <p:nvPr/>
+        </p:nvSpPr>
+        <p:spPr>
+          <a:xfrm>
+            <a:off x="3532605" y="2348833"/>
+            <a:ext cx="254274" cy="184666"/>
+          </a:xfrm>
+          <a:prstGeom prst="rect">
+            <a:avLst/>
+          </a:prstGeom>
+          <a:noFill/>
+        </p:spPr>
+        <p:txBody>
+          <a:bodyPr wrap="square" rtlCol="0">
+            <a:spAutoFit/>
+          </a:bodyPr>
+          <a:lstStyle/>
+          <a:p>
+            <a:r>
+              <a:rPr lang="en-US" sz="600" dirty="0"/>
+              <a:t>4</a:t>
+            </a:r>
+            <a:endParaRPr lang="en-US" sz="600" dirty="0"/>
+          </a:p>
+        </p:txBody>
+      </p:sp>
+      <p:sp>
+        <p:nvSpPr>
+          <p:cNvPr id="526" name="TextBox 525"/>
+          <p:cNvSpPr txBox="1"/>
+          <p:nvPr/>
+        </p:nvSpPr>
+        <p:spPr>
+          <a:xfrm>
+            <a:off x="3537504" y="2521356"/>
+            <a:ext cx="254274" cy="184666"/>
+          </a:xfrm>
+          <a:prstGeom prst="rect">
+            <a:avLst/>
+          </a:prstGeom>
+          <a:noFill/>
+        </p:spPr>
+        <p:txBody>
+          <a:bodyPr wrap="square" rtlCol="0">
+            <a:spAutoFit/>
+          </a:bodyPr>
+          <a:lstStyle/>
+          <a:p>
+            <a:r>
+              <a:rPr lang="en-US" sz="600" dirty="0"/>
+              <a:t>4</a:t>
+            </a:r>
+            <a:endParaRPr lang="en-US" sz="600" dirty="0"/>
+          </a:p>
+        </p:txBody>
+      </p:sp>
+      <p:sp>
+        <p:nvSpPr>
+          <p:cNvPr id="529" name="TextBox 528"/>
+          <p:cNvSpPr txBox="1"/>
+          <p:nvPr/>
+        </p:nvSpPr>
+        <p:spPr>
+          <a:xfrm>
+            <a:off x="3532613" y="1657395"/>
+            <a:ext cx="254274" cy="184666"/>
+          </a:xfrm>
+          <a:prstGeom prst="rect">
+            <a:avLst/>
+          </a:prstGeom>
+          <a:noFill/>
+        </p:spPr>
+        <p:txBody>
+          <a:bodyPr wrap="square" rtlCol="0">
+            <a:spAutoFit/>
+          </a:bodyPr>
+          <a:lstStyle/>
+          <a:p>
+            <a:r>
+              <a:rPr lang="en-US" sz="600" dirty="0"/>
+              <a:t>4</a:t>
+            </a:r>
+            <a:endParaRPr lang="en-US" sz="600" dirty="0"/>
+          </a:p>
+        </p:txBody>
+      </p:sp>
+      <p:sp>
+        <p:nvSpPr>
+          <p:cNvPr id="530" name="TextBox 529"/>
+          <p:cNvSpPr txBox="1"/>
+          <p:nvPr/>
+        </p:nvSpPr>
+        <p:spPr>
+          <a:xfrm>
+            <a:off x="3531730" y="1826654"/>
+            <a:ext cx="254274" cy="184666"/>
+          </a:xfrm>
+          <a:prstGeom prst="rect">
+            <a:avLst/>
+          </a:prstGeom>
+          <a:noFill/>
+        </p:spPr>
+        <p:txBody>
+          <a:bodyPr wrap="square" rtlCol="0">
+            <a:spAutoFit/>
+          </a:bodyPr>
+          <a:lstStyle/>
+          <a:p>
+            <a:r>
+              <a:rPr lang="en-US" sz="600" dirty="0"/>
+              <a:t>2</a:t>
+            </a:r>
+            <a:endParaRPr lang="en-US" sz="600" dirty="0"/>
+          </a:p>
+        </p:txBody>
+      </p:sp>
+      <p:sp>
+        <p:nvSpPr>
+          <p:cNvPr id="531" name="TextBox 530"/>
+          <p:cNvSpPr txBox="1"/>
+          <p:nvPr/>
+        </p:nvSpPr>
+        <p:spPr>
+          <a:xfrm>
+            <a:off x="3536341" y="169110"/>
+            <a:ext cx="254274" cy="184666"/>
+          </a:xfrm>
+          <a:prstGeom prst="rect">
+            <a:avLst/>
+          </a:prstGeom>
+          <a:noFill/>
+        </p:spPr>
+        <p:txBody>
+          <a:bodyPr wrap="square" rtlCol="0">
+            <a:spAutoFit/>
+          </a:bodyPr>
+          <a:lstStyle/>
+          <a:p>
+            <a:r>
+              <a:rPr lang="en-US" sz="600"/>
+              <a:t>0</a:t>
+            </a:r>
+            <a:endParaRPr lang="en-US" sz="600" dirty="0"/>
+          </a:p>
+        </p:txBody>
+      </p:sp>
+      <p:sp>
+        <p:nvSpPr>
+          <p:cNvPr id="532" name="TextBox 531"/>
+          <p:cNvSpPr txBox="1"/>
+          <p:nvPr/>
+        </p:nvSpPr>
+        <p:spPr>
+          <a:xfrm>
+            <a:off x="3535458" y="341718"/>
+            <a:ext cx="254274" cy="184666"/>
+          </a:xfrm>
+          <a:prstGeom prst="rect">
+            <a:avLst/>
+          </a:prstGeom>
+          <a:noFill/>
+        </p:spPr>
+        <p:txBody>
+          <a:bodyPr wrap="square" rtlCol="0">
+            <a:spAutoFit/>
+          </a:bodyPr>
+          <a:lstStyle/>
+          <a:p>
+            <a:r>
+              <a:rPr lang="en-US" sz="600"/>
+              <a:t>0</a:t>
+            </a:r>
+            <a:endParaRPr lang="en-US" sz="600" dirty="0"/>
+          </a:p>
+        </p:txBody>
+      </p:sp>
+      <p:sp>
+        <p:nvSpPr>
+          <p:cNvPr id="533" name="TextBox 532"/>
+          <p:cNvSpPr txBox="1"/>
+          <p:nvPr/>
+        </p:nvSpPr>
+        <p:spPr>
+          <a:xfrm>
+            <a:off x="3535359" y="858976"/>
+            <a:ext cx="254274" cy="184666"/>
+          </a:xfrm>
+          <a:prstGeom prst="rect">
+            <a:avLst/>
+          </a:prstGeom>
+          <a:noFill/>
+        </p:spPr>
+        <p:txBody>
+          <a:bodyPr wrap="square" rtlCol="0">
+            <a:spAutoFit/>
+          </a:bodyPr>
+          <a:lstStyle/>
+          <a:p>
+            <a:r>
+              <a:rPr lang="en-US" sz="600"/>
+              <a:t>4</a:t>
+            </a:r>
+            <a:endParaRPr lang="en-US" sz="600" dirty="0"/>
+          </a:p>
+        </p:txBody>
+      </p:sp>
+      <p:sp>
+        <p:nvSpPr>
+          <p:cNvPr id="534" name="TextBox 533"/>
+          <p:cNvSpPr txBox="1"/>
+          <p:nvPr/>
+        </p:nvSpPr>
+        <p:spPr>
+          <a:xfrm>
+            <a:off x="3538312" y="1126371"/>
+            <a:ext cx="254274" cy="184666"/>
+          </a:xfrm>
+          <a:prstGeom prst="rect">
+            <a:avLst/>
+          </a:prstGeom>
+          <a:noFill/>
+        </p:spPr>
+        <p:txBody>
+          <a:bodyPr wrap="square" rtlCol="0">
+            <a:spAutoFit/>
+          </a:bodyPr>
+          <a:lstStyle/>
+          <a:p>
+            <a:r>
+              <a:rPr lang="en-US" sz="600"/>
+              <a:t>0</a:t>
+            </a:r>
+            <a:endParaRPr lang="en-US" sz="600" dirty="0"/>
+          </a:p>
+        </p:txBody>
+      </p:sp>
     </p:spTree>
     <p:extLst>
       <p:ext uri="{BB962C8B-B14F-4D97-AF65-F5344CB8AC3E}">

--- a/resources/TTS-FTTS.pptx
+++ b/resources/TTS-FTTS.pptx
@@ -243,7 +243,7 @@
           <a:p>
             <a:fld id="{AD14C881-0530-CB45-892A-1D1C999216F2}" type="datetimeFigureOut">
               <a:rPr lang="en-US" smtClean="0"/>
-              <a:t>6/26/19</a:t>
+              <a:t>6/29/19</a:t>
             </a:fld>
             <a:endParaRPr lang="en-US"/>
           </a:p>
@@ -413,7 +413,7 @@
           <a:p>
             <a:fld id="{AD14C881-0530-CB45-892A-1D1C999216F2}" type="datetimeFigureOut">
               <a:rPr lang="en-US" smtClean="0"/>
-              <a:t>6/26/19</a:t>
+              <a:t>6/29/19</a:t>
             </a:fld>
             <a:endParaRPr lang="en-US"/>
           </a:p>
@@ -593,7 +593,7 @@
           <a:p>
             <a:fld id="{AD14C881-0530-CB45-892A-1D1C999216F2}" type="datetimeFigureOut">
               <a:rPr lang="en-US" smtClean="0"/>
-              <a:t>6/26/19</a:t>
+              <a:t>6/29/19</a:t>
             </a:fld>
             <a:endParaRPr lang="en-US"/>
           </a:p>
@@ -763,7 +763,7 @@
           <a:p>
             <a:fld id="{AD14C881-0530-CB45-892A-1D1C999216F2}" type="datetimeFigureOut">
               <a:rPr lang="en-US" smtClean="0"/>
-              <a:t>6/26/19</a:t>
+              <a:t>6/29/19</a:t>
             </a:fld>
             <a:endParaRPr lang="en-US"/>
           </a:p>
@@ -1009,7 +1009,7 @@
           <a:p>
             <a:fld id="{AD14C881-0530-CB45-892A-1D1C999216F2}" type="datetimeFigureOut">
               <a:rPr lang="en-US" smtClean="0"/>
-              <a:t>6/26/19</a:t>
+              <a:t>6/29/19</a:t>
             </a:fld>
             <a:endParaRPr lang="en-US"/>
           </a:p>
@@ -1241,7 +1241,7 @@
           <a:p>
             <a:fld id="{AD14C881-0530-CB45-892A-1D1C999216F2}" type="datetimeFigureOut">
               <a:rPr lang="en-US" smtClean="0"/>
-              <a:t>6/26/19</a:t>
+              <a:t>6/29/19</a:t>
             </a:fld>
             <a:endParaRPr lang="en-US"/>
           </a:p>
@@ -1608,7 +1608,7 @@
           <a:p>
             <a:fld id="{AD14C881-0530-CB45-892A-1D1C999216F2}" type="datetimeFigureOut">
               <a:rPr lang="en-US" smtClean="0"/>
-              <a:t>6/26/19</a:t>
+              <a:t>6/29/19</a:t>
             </a:fld>
             <a:endParaRPr lang="en-US"/>
           </a:p>
@@ -1726,7 +1726,7 @@
           <a:p>
             <a:fld id="{AD14C881-0530-CB45-892A-1D1C999216F2}" type="datetimeFigureOut">
               <a:rPr lang="en-US" smtClean="0"/>
-              <a:t>6/26/19</a:t>
+              <a:t>6/29/19</a:t>
             </a:fld>
             <a:endParaRPr lang="en-US"/>
           </a:p>
@@ -1821,7 +1821,7 @@
           <a:p>
             <a:fld id="{AD14C881-0530-CB45-892A-1D1C999216F2}" type="datetimeFigureOut">
               <a:rPr lang="en-US" smtClean="0"/>
-              <a:t>6/26/19</a:t>
+              <a:t>6/29/19</a:t>
             </a:fld>
             <a:endParaRPr lang="en-US"/>
           </a:p>
@@ -2098,7 +2098,7 @@
           <a:p>
             <a:fld id="{AD14C881-0530-CB45-892A-1D1C999216F2}" type="datetimeFigureOut">
               <a:rPr lang="en-US" smtClean="0"/>
-              <a:t>6/26/19</a:t>
+              <a:t>6/29/19</a:t>
             </a:fld>
             <a:endParaRPr lang="en-US"/>
           </a:p>
@@ -2351,7 +2351,7 @@
           <a:p>
             <a:fld id="{AD14C881-0530-CB45-892A-1D1C999216F2}" type="datetimeFigureOut">
               <a:rPr lang="en-US" smtClean="0"/>
-              <a:t>6/26/19</a:t>
+              <a:t>6/29/19</a:t>
             </a:fld>
             <a:endParaRPr lang="en-US"/>
           </a:p>
@@ -2564,7 +2564,7 @@
           <a:p>
             <a:fld id="{AD14C881-0530-CB45-892A-1D1C999216F2}" type="datetimeFigureOut">
               <a:rPr lang="en-US" smtClean="0"/>
-              <a:t>6/26/19</a:t>
+              <a:t>6/29/19</a:t>
             </a:fld>
             <a:endParaRPr lang="en-US"/>
           </a:p>
@@ -2969,18 +2969,78 @@
           <a:chExt cx="0" cy="0"/>
         </a:xfrm>
       </p:grpSpPr>
+      <p:sp>
+        <p:nvSpPr>
+          <p:cNvPr id="22" name="TextBox 21"/>
+          <p:cNvSpPr txBox="1"/>
+          <p:nvPr/>
+        </p:nvSpPr>
+        <p:spPr>
+          <a:xfrm rot="16200000">
+            <a:off x="703204" y="287987"/>
+            <a:ext cx="288056" cy="184666"/>
+          </a:xfrm>
+          <a:prstGeom prst="rect">
+            <a:avLst/>
+          </a:prstGeom>
+          <a:noFill/>
+        </p:spPr>
+        <p:txBody>
+          <a:bodyPr wrap="square" rtlCol="0">
+            <a:spAutoFit/>
+          </a:bodyPr>
+          <a:lstStyle/>
+          <a:p>
+            <a:r>
+              <a:rPr lang="en-US" sz="600" smtClean="0"/>
+              <a:t>r2</a:t>
+            </a:r>
+            <a:endParaRPr lang="en-US" sz="600" dirty="0"/>
+          </a:p>
+        </p:txBody>
+      </p:sp>
+      <p:sp>
+        <p:nvSpPr>
+          <p:cNvPr id="27" name="TextBox 26"/>
+          <p:cNvSpPr txBox="1"/>
+          <p:nvPr/>
+        </p:nvSpPr>
+        <p:spPr>
+          <a:xfrm>
+            <a:off x="885905" y="348902"/>
+            <a:ext cx="447603" cy="184666"/>
+          </a:xfrm>
+          <a:prstGeom prst="rect">
+            <a:avLst/>
+          </a:prstGeom>
+          <a:noFill/>
+        </p:spPr>
+        <p:txBody>
+          <a:bodyPr wrap="square" rtlCol="0">
+            <a:spAutoFit/>
+          </a:bodyPr>
+          <a:lstStyle/>
+          <a:p>
+            <a:r>
+              <a:rPr lang="en-US" sz="600" smtClean="0"/>
+              <a:t>pc</a:t>
+            </a:r>
+            <a:endParaRPr lang="en-US" sz="600" dirty="0"/>
+          </a:p>
+        </p:txBody>
+      </p:sp>
       <p:grpSp>
         <p:nvGrpSpPr>
-          <p:cNvPr id="31" name="Group 30"/>
+          <p:cNvPr id="7" name="Group 6"/>
           <p:cNvGrpSpPr/>
           <p:nvPr/>
         </p:nvGrpSpPr>
         <p:grpSpPr>
           <a:xfrm>
             <a:off x="753296" y="0"/>
-            <a:ext cx="1002674" cy="533568"/>
-            <a:chOff x="764539" y="191699"/>
-            <a:chExt cx="1002674" cy="533568"/>
+            <a:ext cx="1002674" cy="498334"/>
+            <a:chOff x="753296" y="0"/>
+            <a:chExt cx="1002674" cy="498334"/>
           </a:xfrm>
         </p:grpSpPr>
         <p:sp>
@@ -2991,7 +3051,7 @@
           </p:nvSpPr>
           <p:spPr>
             <a:xfrm>
-              <a:off x="799343" y="236169"/>
+              <a:off x="788100" y="44470"/>
               <a:ext cx="877057" cy="449631"/>
             </a:xfrm>
             <a:prstGeom prst="roundRect">
@@ -3032,7 +3092,7 @@
           </p:nvCxnSpPr>
           <p:spPr>
             <a:xfrm>
-              <a:off x="799343" y="342053"/>
+              <a:off x="788100" y="150354"/>
               <a:ext cx="880534" cy="0"/>
             </a:xfrm>
             <a:prstGeom prst="line">
@@ -3062,7 +3122,7 @@
           </p:nvCxnSpPr>
           <p:spPr>
             <a:xfrm>
-              <a:off x="799343" y="514773"/>
+              <a:off x="788100" y="323074"/>
               <a:ext cx="880534" cy="0"/>
             </a:xfrm>
             <a:prstGeom prst="line">
@@ -3092,7 +3152,7 @@
           </p:nvCxnSpPr>
           <p:spPr>
             <a:xfrm flipH="1" flipV="1">
-              <a:off x="914400" y="342053"/>
+              <a:off x="903157" y="150354"/>
               <a:ext cx="90" cy="343748"/>
             </a:xfrm>
             <a:prstGeom prst="line">
@@ -3122,7 +3182,7 @@
           </p:nvCxnSpPr>
           <p:spPr>
             <a:xfrm flipH="1" flipV="1">
-              <a:off x="1141307" y="346285"/>
+              <a:off x="1130064" y="154586"/>
               <a:ext cx="90" cy="343748"/>
             </a:xfrm>
             <a:prstGeom prst="line">
@@ -3152,7 +3212,7 @@
           </p:nvCxnSpPr>
           <p:spPr>
             <a:xfrm>
-              <a:off x="914400" y="429894"/>
+              <a:off x="903157" y="238195"/>
               <a:ext cx="762000" cy="0"/>
             </a:xfrm>
             <a:prstGeom prst="line">
@@ -3182,7 +3242,7 @@
           </p:nvSpPr>
           <p:spPr>
             <a:xfrm rot="16200000">
-              <a:off x="712844" y="314937"/>
+              <a:off x="701601" y="123238"/>
               <a:ext cx="288056" cy="184666"/>
             </a:xfrm>
             <a:prstGeom prst="rect">
@@ -3204,36 +3264,6 @@
             </a:p>
           </p:txBody>
         </p:sp>
-        <p:sp>
-          <p:nvSpPr>
-            <p:cNvPr id="22" name="TextBox 21"/>
-            <p:cNvSpPr txBox="1"/>
-            <p:nvPr/>
-          </p:nvSpPr>
-          <p:spPr>
-            <a:xfrm rot="16200000">
-              <a:off x="714447" y="479686"/>
-              <a:ext cx="288056" cy="184666"/>
-            </a:xfrm>
-            <a:prstGeom prst="rect">
-              <a:avLst/>
-            </a:prstGeom>
-            <a:noFill/>
-          </p:spPr>
-          <p:txBody>
-            <a:bodyPr wrap="square" rtlCol="0">
-              <a:spAutoFit/>
-            </a:bodyPr>
-            <a:lstStyle/>
-            <a:p>
-              <a:r>
-                <a:rPr lang="en-US" sz="600" smtClean="0"/>
-                <a:t>r2</a:t>
-              </a:r>
-              <a:endParaRPr lang="en-US" sz="600" dirty="0"/>
-            </a:p>
-          </p:txBody>
-        </p:sp>
         <p:cxnSp>
           <p:nvCxnSpPr>
             <p:cNvPr id="23" name="Straight Connector 22"/>
@@ -3242,7 +3272,7 @@
           </p:nvCxnSpPr>
           <p:spPr>
             <a:xfrm>
-              <a:off x="914400" y="601344"/>
+              <a:off x="903157" y="409645"/>
               <a:ext cx="762000" cy="0"/>
             </a:xfrm>
             <a:prstGeom prst="line">
@@ -3272,7 +3302,7 @@
           </p:nvSpPr>
           <p:spPr>
             <a:xfrm>
-              <a:off x="840460" y="286716"/>
+              <a:off x="829217" y="95017"/>
               <a:ext cx="447603" cy="184666"/>
             </a:xfrm>
             <a:prstGeom prst="rect">
@@ -3302,7 +3332,7 @@
           </p:nvSpPr>
           <p:spPr>
             <a:xfrm>
-              <a:off x="840460" y="459792"/>
+              <a:off x="829217" y="268093"/>
               <a:ext cx="447603" cy="184666"/>
             </a:xfrm>
             <a:prstGeom prst="rect">
@@ -3332,7 +3362,7 @@
           </p:nvSpPr>
           <p:spPr>
             <a:xfrm>
-              <a:off x="898008" y="371912"/>
+              <a:off x="886765" y="180213"/>
               <a:ext cx="447603" cy="184666"/>
             </a:xfrm>
             <a:prstGeom prst="rect">
@@ -3354,38 +3384,8 @@
             </a:p>
           </p:txBody>
         </p:sp>
-        <p:sp>
-          <p:nvSpPr>
-            <p:cNvPr id="27" name="TextBox 26"/>
-            <p:cNvSpPr txBox="1"/>
-            <p:nvPr/>
-          </p:nvSpPr>
-          <p:spPr>
-            <a:xfrm>
-              <a:off x="897148" y="540601"/>
-              <a:ext cx="447603" cy="184666"/>
-            </a:xfrm>
-            <a:prstGeom prst="rect">
-              <a:avLst/>
-            </a:prstGeom>
-            <a:noFill/>
-          </p:spPr>
-          <p:txBody>
-            <a:bodyPr wrap="square" rtlCol="0">
-              <a:spAutoFit/>
-            </a:bodyPr>
-            <a:lstStyle/>
-            <a:p>
-              <a:r>
-                <a:rPr lang="en-US" sz="600" smtClean="0"/>
-                <a:t>pc</a:t>
-              </a:r>
-              <a:endParaRPr lang="en-US" sz="600" dirty="0"/>
-            </a:p>
-          </p:txBody>
-        </p:sp>
-        <mc:AlternateContent xmlns:mc="http://schemas.openxmlformats.org/markup-compatibility/2006" xmlns:a14="http://schemas.microsoft.com/office/drawing/2010/main">
-          <mc:Choice Requires="a14">
+        <mc:AlternateContent xmlns:mc="http://schemas.openxmlformats.org/markup-compatibility/2006">
+          <mc:Choice xmlns:a14="http://schemas.microsoft.com/office/drawing/2010/main" Requires="a14">
             <p:sp>
               <p:nvSpPr>
                 <p:cNvPr id="28" name="TextBox 27"/>
@@ -3394,7 +3394,7 @@
               </p:nvSpPr>
               <p:spPr>
                 <a:xfrm>
-                  <a:off x="1071888" y="285128"/>
+                  <a:off x="1060645" y="97405"/>
                   <a:ext cx="695325" cy="184666"/>
                 </a:xfrm>
                 <a:prstGeom prst="rect">
@@ -3433,7 +3433,7 @@
               </p:txBody>
             </p:sp>
           </mc:Choice>
-          <mc:Fallback xmlns="">
+          <mc:Fallback>
             <p:sp>
               <p:nvSpPr>
                 <p:cNvPr id="28" name="TextBox 27"/>
@@ -3444,7 +3444,7 @@
               </p:nvSpPr>
               <p:spPr>
                 <a:xfrm>
-                  <a:off x="1071888" y="285128"/>
+                  <a:off x="1060645" y="97405"/>
                   <a:ext cx="695325" cy="184666"/>
                 </a:xfrm>
                 <a:prstGeom prst="rect">
@@ -3453,7 +3453,7 @@
                 <a:blipFill rotWithShape="0">
                   <a:blip r:embed="rId2"/>
                   <a:stretch>
-                    <a:fillRect/>
+                    <a:fillRect b="-3333"/>
                   </a:stretch>
                 </a:blipFill>
               </p:spPr>
@@ -3480,7 +3480,7 @@
           </p:nvSpPr>
           <p:spPr>
             <a:xfrm>
-              <a:off x="1113348" y="191699"/>
+              <a:off x="1102105" y="0"/>
               <a:ext cx="447603" cy="184666"/>
             </a:xfrm>
             <a:prstGeom prst="rect">
@@ -3514,6 +3514,618 @@
           </p:nvSpPr>
           <p:spPr>
             <a:xfrm>
+              <a:off x="1060645" y="268450"/>
+              <a:ext cx="695325" cy="184666"/>
+            </a:xfrm>
+            <a:prstGeom prst="rect">
+              <a:avLst/>
+            </a:prstGeom>
+            <a:noFill/>
+          </p:spPr>
+          <p:txBody>
+            <a:bodyPr wrap="square" rtlCol="0">
+              <a:spAutoFit/>
+            </a:bodyPr>
+            <a:lstStyle/>
+            <a:p>
+              <a:r>
+                <a:rPr lang="en-US" sz="600" dirty="0" smtClean="0"/>
+                <a:t>[ ]</a:t>
+              </a:r>
+              <a:endParaRPr lang="en-US" sz="600" dirty="0"/>
+            </a:p>
+          </p:txBody>
+        </p:sp>
+      </p:grpSp>
+      <p:cxnSp>
+        <p:nvCxnSpPr>
+          <p:cNvPr id="50" name="Straight Arrow Connector 49"/>
+          <p:cNvCxnSpPr/>
+          <p:nvPr/>
+        </p:nvCxnSpPr>
+        <p:spPr>
+          <a:xfrm>
+            <a:off x="1231150" y="488593"/>
+            <a:ext cx="0" cy="208250"/>
+          </a:xfrm>
+          <a:prstGeom prst="straightConnector1">
+            <a:avLst/>
+          </a:prstGeom>
+          <a:ln>
+            <a:headEnd w="sm" len="med"/>
+            <a:tailEnd type="triangle" w="sm" len="sm"/>
+          </a:ln>
+        </p:spPr>
+        <p:style>
+          <a:lnRef idx="1">
+            <a:schemeClr val="dk1"/>
+          </a:lnRef>
+          <a:fillRef idx="0">
+            <a:schemeClr val="dk1"/>
+          </a:fillRef>
+          <a:effectRef idx="0">
+            <a:schemeClr val="dk1"/>
+          </a:effectRef>
+          <a:fontRef idx="minor">
+            <a:schemeClr val="tx1"/>
+          </a:fontRef>
+        </p:style>
+      </p:cxnSp>
+      <p:cxnSp>
+        <p:nvCxnSpPr>
+          <p:cNvPr id="57" name="Straight Arrow Connector 56"/>
+          <p:cNvCxnSpPr/>
+          <p:nvPr/>
+        </p:nvCxnSpPr>
+        <p:spPr>
+          <a:xfrm>
+            <a:off x="1225654" y="1149736"/>
+            <a:ext cx="0" cy="210268"/>
+          </a:xfrm>
+          <a:prstGeom prst="straightConnector1">
+            <a:avLst/>
+          </a:prstGeom>
+          <a:ln>
+            <a:headEnd w="sm" len="med"/>
+            <a:tailEnd type="triangle" w="sm" len="sm"/>
+          </a:ln>
+        </p:spPr>
+        <p:style>
+          <a:lnRef idx="1">
+            <a:schemeClr val="dk1"/>
+          </a:lnRef>
+          <a:fillRef idx="0">
+            <a:schemeClr val="dk1"/>
+          </a:fillRef>
+          <a:effectRef idx="0">
+            <a:schemeClr val="dk1"/>
+          </a:effectRef>
+          <a:fontRef idx="minor">
+            <a:schemeClr val="tx1"/>
+          </a:fontRef>
+        </p:style>
+      </p:cxnSp>
+      <p:cxnSp>
+        <p:nvCxnSpPr>
+          <p:cNvPr id="76" name="Straight Arrow Connector 75"/>
+          <p:cNvCxnSpPr/>
+          <p:nvPr/>
+        </p:nvCxnSpPr>
+        <p:spPr>
+          <a:xfrm>
+            <a:off x="1221747" y="1814822"/>
+            <a:ext cx="0" cy="215424"/>
+          </a:xfrm>
+          <a:prstGeom prst="straightConnector1">
+            <a:avLst/>
+          </a:prstGeom>
+          <a:ln>
+            <a:headEnd w="sm" len="med"/>
+            <a:tailEnd type="triangle" w="sm" len="sm"/>
+          </a:ln>
+        </p:spPr>
+        <p:style>
+          <a:lnRef idx="1">
+            <a:schemeClr val="dk1"/>
+          </a:lnRef>
+          <a:fillRef idx="0">
+            <a:schemeClr val="dk1"/>
+          </a:fillRef>
+          <a:effectRef idx="0">
+            <a:schemeClr val="dk1"/>
+          </a:effectRef>
+          <a:fontRef idx="minor">
+            <a:schemeClr val="tx1"/>
+          </a:fontRef>
+        </p:style>
+      </p:cxnSp>
+      <p:grpSp>
+        <p:nvGrpSpPr>
+          <p:cNvPr id="113" name="Group 112"/>
+          <p:cNvGrpSpPr/>
+          <p:nvPr/>
+        </p:nvGrpSpPr>
+        <p:grpSpPr>
+          <a:xfrm>
+            <a:off x="759235" y="3331407"/>
+            <a:ext cx="1002674" cy="533568"/>
+            <a:chOff x="764539" y="191699"/>
+            <a:chExt cx="1002674" cy="533568"/>
+          </a:xfrm>
+        </p:grpSpPr>
+        <p:sp>
+          <p:nvSpPr>
+            <p:cNvPr id="115" name="Rounded Rectangle 114"/>
+            <p:cNvSpPr/>
+            <p:nvPr/>
+          </p:nvSpPr>
+          <p:spPr>
+            <a:xfrm>
+              <a:off x="799343" y="236169"/>
+              <a:ext cx="877057" cy="449631"/>
+            </a:xfrm>
+            <a:prstGeom prst="roundRect">
+              <a:avLst>
+                <a:gd name="adj" fmla="val 7680"/>
+              </a:avLst>
+            </a:prstGeom>
+            <a:ln w="9525"/>
+          </p:spPr>
+          <p:style>
+            <a:lnRef idx="2">
+              <a:schemeClr val="dk1"/>
+            </a:lnRef>
+            <a:fillRef idx="1">
+              <a:schemeClr val="lt1"/>
+            </a:fillRef>
+            <a:effectRef idx="0">
+              <a:schemeClr val="dk1"/>
+            </a:effectRef>
+            <a:fontRef idx="minor">
+              <a:schemeClr val="dk1"/>
+            </a:fontRef>
+          </p:style>
+          <p:txBody>
+            <a:bodyPr rtlCol="0" anchor="ctr"/>
+            <a:lstStyle/>
+            <a:p>
+              <a:pPr algn="ctr"/>
+              <a:endParaRPr lang="en-US"/>
+            </a:p>
+          </p:txBody>
+        </p:sp>
+        <p:cxnSp>
+          <p:nvCxnSpPr>
+            <p:cNvPr id="116" name="Straight Connector 115"/>
+            <p:cNvCxnSpPr/>
+            <p:nvPr/>
+          </p:nvCxnSpPr>
+          <p:spPr>
+            <a:xfrm>
+              <a:off x="799343" y="342053"/>
+              <a:ext cx="880534" cy="0"/>
+            </a:xfrm>
+            <a:prstGeom prst="line">
+              <a:avLst/>
+            </a:prstGeom>
+          </p:spPr>
+          <p:style>
+            <a:lnRef idx="1">
+              <a:schemeClr val="dk1"/>
+            </a:lnRef>
+            <a:fillRef idx="0">
+              <a:schemeClr val="dk1"/>
+            </a:fillRef>
+            <a:effectRef idx="0">
+              <a:schemeClr val="dk1"/>
+            </a:effectRef>
+            <a:fontRef idx="minor">
+              <a:schemeClr val="tx1"/>
+            </a:fontRef>
+          </p:style>
+        </p:cxnSp>
+        <p:cxnSp>
+          <p:nvCxnSpPr>
+            <p:cNvPr id="117" name="Straight Connector 116"/>
+            <p:cNvCxnSpPr/>
+            <p:nvPr/>
+          </p:nvCxnSpPr>
+          <p:spPr>
+            <a:xfrm>
+              <a:off x="799343" y="514773"/>
+              <a:ext cx="880534" cy="0"/>
+            </a:xfrm>
+            <a:prstGeom prst="line">
+              <a:avLst/>
+            </a:prstGeom>
+          </p:spPr>
+          <p:style>
+            <a:lnRef idx="1">
+              <a:schemeClr val="dk1"/>
+            </a:lnRef>
+            <a:fillRef idx="0">
+              <a:schemeClr val="dk1"/>
+            </a:fillRef>
+            <a:effectRef idx="0">
+              <a:schemeClr val="dk1"/>
+            </a:effectRef>
+            <a:fontRef idx="minor">
+              <a:schemeClr val="tx1"/>
+            </a:fontRef>
+          </p:style>
+        </p:cxnSp>
+        <p:cxnSp>
+          <p:nvCxnSpPr>
+            <p:cNvPr id="118" name="Straight Connector 117"/>
+            <p:cNvCxnSpPr/>
+            <p:nvPr/>
+          </p:nvCxnSpPr>
+          <p:spPr>
+            <a:xfrm flipH="1" flipV="1">
+              <a:off x="914400" y="342053"/>
+              <a:ext cx="90" cy="343748"/>
+            </a:xfrm>
+            <a:prstGeom prst="line">
+              <a:avLst/>
+            </a:prstGeom>
+          </p:spPr>
+          <p:style>
+            <a:lnRef idx="1">
+              <a:schemeClr val="dk1"/>
+            </a:lnRef>
+            <a:fillRef idx="0">
+              <a:schemeClr val="dk1"/>
+            </a:fillRef>
+            <a:effectRef idx="0">
+              <a:schemeClr val="dk1"/>
+            </a:effectRef>
+            <a:fontRef idx="minor">
+              <a:schemeClr val="tx1"/>
+            </a:fontRef>
+          </p:style>
+        </p:cxnSp>
+        <p:cxnSp>
+          <p:nvCxnSpPr>
+            <p:cNvPr id="119" name="Straight Connector 118"/>
+            <p:cNvCxnSpPr/>
+            <p:nvPr/>
+          </p:nvCxnSpPr>
+          <p:spPr>
+            <a:xfrm flipH="1" flipV="1">
+              <a:off x="1141307" y="346285"/>
+              <a:ext cx="90" cy="343748"/>
+            </a:xfrm>
+            <a:prstGeom prst="line">
+              <a:avLst/>
+            </a:prstGeom>
+          </p:spPr>
+          <p:style>
+            <a:lnRef idx="1">
+              <a:schemeClr val="dk1"/>
+            </a:lnRef>
+            <a:fillRef idx="0">
+              <a:schemeClr val="dk1"/>
+            </a:fillRef>
+            <a:effectRef idx="0">
+              <a:schemeClr val="dk1"/>
+            </a:effectRef>
+            <a:fontRef idx="minor">
+              <a:schemeClr val="tx1"/>
+            </a:fontRef>
+          </p:style>
+        </p:cxnSp>
+        <p:cxnSp>
+          <p:nvCxnSpPr>
+            <p:cNvPr id="120" name="Straight Connector 119"/>
+            <p:cNvCxnSpPr/>
+            <p:nvPr/>
+          </p:nvCxnSpPr>
+          <p:spPr>
+            <a:xfrm>
+              <a:off x="914400" y="429894"/>
+              <a:ext cx="762000" cy="0"/>
+            </a:xfrm>
+            <a:prstGeom prst="line">
+              <a:avLst/>
+            </a:prstGeom>
+          </p:spPr>
+          <p:style>
+            <a:lnRef idx="1">
+              <a:schemeClr val="dk1"/>
+            </a:lnRef>
+            <a:fillRef idx="0">
+              <a:schemeClr val="dk1"/>
+            </a:fillRef>
+            <a:effectRef idx="0">
+              <a:schemeClr val="dk1"/>
+            </a:effectRef>
+            <a:fontRef idx="minor">
+              <a:schemeClr val="tx1"/>
+            </a:fontRef>
+          </p:style>
+        </p:cxnSp>
+        <p:sp>
+          <p:nvSpPr>
+            <p:cNvPr id="121" name="TextBox 120"/>
+            <p:cNvSpPr txBox="1"/>
+            <p:nvPr/>
+          </p:nvSpPr>
+          <p:spPr>
+            <a:xfrm rot="16200000">
+              <a:off x="712844" y="314937"/>
+              <a:ext cx="288056" cy="184666"/>
+            </a:xfrm>
+            <a:prstGeom prst="rect">
+              <a:avLst/>
+            </a:prstGeom>
+            <a:noFill/>
+          </p:spPr>
+          <p:txBody>
+            <a:bodyPr wrap="square" rtlCol="0">
+              <a:spAutoFit/>
+            </a:bodyPr>
+            <a:lstStyle/>
+            <a:p>
+              <a:r>
+                <a:rPr lang="en-US" sz="600" dirty="0" smtClean="0"/>
+                <a:t>r1</a:t>
+              </a:r>
+              <a:endParaRPr lang="en-US" sz="600" dirty="0"/>
+            </a:p>
+          </p:txBody>
+        </p:sp>
+        <p:sp>
+          <p:nvSpPr>
+            <p:cNvPr id="122" name="TextBox 121"/>
+            <p:cNvSpPr txBox="1"/>
+            <p:nvPr/>
+          </p:nvSpPr>
+          <p:spPr>
+            <a:xfrm rot="16200000">
+              <a:off x="714447" y="479686"/>
+              <a:ext cx="288056" cy="184666"/>
+            </a:xfrm>
+            <a:prstGeom prst="rect">
+              <a:avLst/>
+            </a:prstGeom>
+            <a:noFill/>
+          </p:spPr>
+          <p:txBody>
+            <a:bodyPr wrap="square" rtlCol="0">
+              <a:spAutoFit/>
+            </a:bodyPr>
+            <a:lstStyle/>
+            <a:p>
+              <a:r>
+                <a:rPr lang="en-US" sz="600" smtClean="0"/>
+                <a:t>r2</a:t>
+              </a:r>
+              <a:endParaRPr lang="en-US" sz="600" dirty="0"/>
+            </a:p>
+          </p:txBody>
+        </p:sp>
+        <p:cxnSp>
+          <p:nvCxnSpPr>
+            <p:cNvPr id="123" name="Straight Connector 122"/>
+            <p:cNvCxnSpPr/>
+            <p:nvPr/>
+          </p:nvCxnSpPr>
+          <p:spPr>
+            <a:xfrm>
+              <a:off x="914400" y="601344"/>
+              <a:ext cx="762000" cy="0"/>
+            </a:xfrm>
+            <a:prstGeom prst="line">
+              <a:avLst/>
+            </a:prstGeom>
+          </p:spPr>
+          <p:style>
+            <a:lnRef idx="1">
+              <a:schemeClr val="dk1"/>
+            </a:lnRef>
+            <a:fillRef idx="0">
+              <a:schemeClr val="dk1"/>
+            </a:fillRef>
+            <a:effectRef idx="0">
+              <a:schemeClr val="dk1"/>
+            </a:effectRef>
+            <a:fontRef idx="minor">
+              <a:schemeClr val="tx1"/>
+            </a:fontRef>
+          </p:style>
+        </p:cxnSp>
+        <p:sp>
+          <p:nvSpPr>
+            <p:cNvPr id="124" name="TextBox 123"/>
+            <p:cNvSpPr txBox="1"/>
+            <p:nvPr/>
+          </p:nvSpPr>
+          <p:spPr>
+            <a:xfrm>
+              <a:off x="840460" y="286716"/>
+              <a:ext cx="447603" cy="184666"/>
+            </a:xfrm>
+            <a:prstGeom prst="rect">
+              <a:avLst/>
+            </a:prstGeom>
+            <a:noFill/>
+          </p:spPr>
+          <p:txBody>
+            <a:bodyPr wrap="square" rtlCol="0">
+              <a:spAutoFit/>
+            </a:bodyPr>
+            <a:lstStyle/>
+            <a:p>
+              <a:r>
+                <a:rPr lang="en-US" sz="600" dirty="0" smtClean="0"/>
+                <a:t>queue</a:t>
+              </a:r>
+              <a:endParaRPr lang="en-US" sz="600" dirty="0"/>
+            </a:p>
+          </p:txBody>
+        </p:sp>
+        <p:sp>
+          <p:nvSpPr>
+            <p:cNvPr id="125" name="TextBox 124"/>
+            <p:cNvSpPr txBox="1"/>
+            <p:nvPr/>
+          </p:nvSpPr>
+          <p:spPr>
+            <a:xfrm>
+              <a:off x="840460" y="459792"/>
+              <a:ext cx="447603" cy="184666"/>
+            </a:xfrm>
+            <a:prstGeom prst="rect">
+              <a:avLst/>
+            </a:prstGeom>
+            <a:noFill/>
+          </p:spPr>
+          <p:txBody>
+            <a:bodyPr wrap="square" rtlCol="0">
+              <a:spAutoFit/>
+            </a:bodyPr>
+            <a:lstStyle/>
+            <a:p>
+              <a:r>
+                <a:rPr lang="en-US" sz="600" smtClean="0"/>
+                <a:t>queue</a:t>
+              </a:r>
+              <a:endParaRPr lang="en-US" sz="600" dirty="0"/>
+            </a:p>
+          </p:txBody>
+        </p:sp>
+        <p:sp>
+          <p:nvSpPr>
+            <p:cNvPr id="126" name="TextBox 125"/>
+            <p:cNvSpPr txBox="1"/>
+            <p:nvPr/>
+          </p:nvSpPr>
+          <p:spPr>
+            <a:xfrm>
+              <a:off x="898008" y="371912"/>
+              <a:ext cx="447603" cy="184666"/>
+            </a:xfrm>
+            <a:prstGeom prst="rect">
+              <a:avLst/>
+            </a:prstGeom>
+            <a:noFill/>
+          </p:spPr>
+          <p:txBody>
+            <a:bodyPr wrap="square" rtlCol="0">
+              <a:spAutoFit/>
+            </a:bodyPr>
+            <a:lstStyle/>
+            <a:p>
+              <a:r>
+                <a:rPr lang="en-US" sz="600" dirty="0" smtClean="0"/>
+                <a:t>pc</a:t>
+              </a:r>
+              <a:endParaRPr lang="en-US" sz="600" dirty="0"/>
+            </a:p>
+          </p:txBody>
+        </p:sp>
+        <p:sp>
+          <p:nvSpPr>
+            <p:cNvPr id="127" name="TextBox 126"/>
+            <p:cNvSpPr txBox="1"/>
+            <p:nvPr/>
+          </p:nvSpPr>
+          <p:spPr>
+            <a:xfrm>
+              <a:off x="897148" y="540601"/>
+              <a:ext cx="447603" cy="184666"/>
+            </a:xfrm>
+            <a:prstGeom prst="rect">
+              <a:avLst/>
+            </a:prstGeom>
+            <a:noFill/>
+          </p:spPr>
+          <p:txBody>
+            <a:bodyPr wrap="square" rtlCol="0">
+              <a:spAutoFit/>
+            </a:bodyPr>
+            <a:lstStyle/>
+            <a:p>
+              <a:r>
+                <a:rPr lang="en-US" sz="600" smtClean="0"/>
+                <a:t>pc</a:t>
+              </a:r>
+              <a:endParaRPr lang="en-US" sz="600" dirty="0"/>
+            </a:p>
+          </p:txBody>
+        </p:sp>
+        <p:sp>
+          <p:nvSpPr>
+            <p:cNvPr id="128" name="TextBox 127"/>
+            <p:cNvSpPr txBox="1"/>
+            <p:nvPr/>
+          </p:nvSpPr>
+          <p:spPr>
+            <a:xfrm>
+              <a:off x="1071888" y="285128"/>
+              <a:ext cx="695325" cy="184666"/>
+            </a:xfrm>
+            <a:prstGeom prst="rect">
+              <a:avLst/>
+            </a:prstGeom>
+            <a:noFill/>
+          </p:spPr>
+          <p:txBody>
+            <a:bodyPr wrap="square" rtlCol="0">
+              <a:spAutoFit/>
+            </a:bodyPr>
+            <a:lstStyle/>
+            <a:p>
+              <a:r>
+                <a:rPr lang="en-US" sz="600" dirty="0" smtClean="0"/>
+                <a:t>[ ]</a:t>
+              </a:r>
+              <a:endParaRPr lang="en-US" sz="600" dirty="0"/>
+            </a:p>
+          </p:txBody>
+        </p:sp>
+        <p:sp>
+          <p:nvSpPr>
+            <p:cNvPr id="129" name="TextBox 128"/>
+            <p:cNvSpPr txBox="1"/>
+            <p:nvPr/>
+          </p:nvSpPr>
+          <p:spPr>
+            <a:xfrm>
+              <a:off x="1113348" y="191699"/>
+              <a:ext cx="447603" cy="184666"/>
+            </a:xfrm>
+            <a:prstGeom prst="rect">
+              <a:avLst/>
+            </a:prstGeom>
+            <a:noFill/>
+          </p:spPr>
+          <p:txBody>
+            <a:bodyPr wrap="square" rtlCol="0">
+              <a:spAutoFit/>
+            </a:bodyPr>
+            <a:lstStyle/>
+            <a:p>
+              <a:r>
+                <a:rPr lang="en-US" sz="600" b="1" dirty="0" smtClean="0"/>
+                <a:t>s</a:t>
+              </a:r>
+              <a:r>
+                <a:rPr lang="en-US" sz="600" b="1" baseline="-25000" dirty="0" smtClean="0"/>
+                <a:t>5</a:t>
+              </a:r>
+              <a:endParaRPr lang="en-US" sz="600" b="1" dirty="0"/>
+            </a:p>
+          </p:txBody>
+        </p:sp>
+        <p:sp>
+          <p:nvSpPr>
+            <p:cNvPr id="130" name="TextBox 129"/>
+            <p:cNvSpPr txBox="1"/>
+            <p:nvPr/>
+          </p:nvSpPr>
+          <p:spPr>
+            <a:xfrm>
               <a:off x="1071888" y="460149"/>
               <a:ext cx="695325" cy="184666"/>
             </a:xfrm>
@@ -3539,16 +4151,584 @@
       </p:grpSp>
       <p:grpSp>
         <p:nvGrpSpPr>
-          <p:cNvPr id="54" name="Group 53"/>
+          <p:cNvPr id="189" name="Group 188"/>
           <p:cNvGrpSpPr/>
           <p:nvPr/>
         </p:nvGrpSpPr>
         <p:grpSpPr>
           <a:xfrm>
-            <a:off x="753296" y="508473"/>
-            <a:ext cx="1002674" cy="724464"/>
-            <a:chOff x="764539" y="700172"/>
-            <a:chExt cx="1002674" cy="724464"/>
+            <a:off x="762047" y="5966538"/>
+            <a:ext cx="1002674" cy="533568"/>
+            <a:chOff x="764539" y="191699"/>
+            <a:chExt cx="1002674" cy="533568"/>
+          </a:xfrm>
+        </p:grpSpPr>
+        <p:sp>
+          <p:nvSpPr>
+            <p:cNvPr id="191" name="Rounded Rectangle 190"/>
+            <p:cNvSpPr/>
+            <p:nvPr/>
+          </p:nvSpPr>
+          <p:spPr>
+            <a:xfrm>
+              <a:off x="799343" y="236169"/>
+              <a:ext cx="877057" cy="449631"/>
+            </a:xfrm>
+            <a:prstGeom prst="roundRect">
+              <a:avLst>
+                <a:gd name="adj" fmla="val 7680"/>
+              </a:avLst>
+            </a:prstGeom>
+            <a:ln w="9525"/>
+          </p:spPr>
+          <p:style>
+            <a:lnRef idx="2">
+              <a:schemeClr val="dk1"/>
+            </a:lnRef>
+            <a:fillRef idx="1">
+              <a:schemeClr val="lt1"/>
+            </a:fillRef>
+            <a:effectRef idx="0">
+              <a:schemeClr val="dk1"/>
+            </a:effectRef>
+            <a:fontRef idx="minor">
+              <a:schemeClr val="dk1"/>
+            </a:fontRef>
+          </p:style>
+          <p:txBody>
+            <a:bodyPr rtlCol="0" anchor="ctr"/>
+            <a:lstStyle/>
+            <a:p>
+              <a:pPr algn="ctr"/>
+              <a:endParaRPr lang="en-US"/>
+            </a:p>
+          </p:txBody>
+        </p:sp>
+        <p:cxnSp>
+          <p:nvCxnSpPr>
+            <p:cNvPr id="192" name="Straight Connector 191"/>
+            <p:cNvCxnSpPr/>
+            <p:nvPr/>
+          </p:nvCxnSpPr>
+          <p:spPr>
+            <a:xfrm>
+              <a:off x="799343" y="342053"/>
+              <a:ext cx="880534" cy="0"/>
+            </a:xfrm>
+            <a:prstGeom prst="line">
+              <a:avLst/>
+            </a:prstGeom>
+          </p:spPr>
+          <p:style>
+            <a:lnRef idx="1">
+              <a:schemeClr val="dk1"/>
+            </a:lnRef>
+            <a:fillRef idx="0">
+              <a:schemeClr val="dk1"/>
+            </a:fillRef>
+            <a:effectRef idx="0">
+              <a:schemeClr val="dk1"/>
+            </a:effectRef>
+            <a:fontRef idx="minor">
+              <a:schemeClr val="tx1"/>
+            </a:fontRef>
+          </p:style>
+        </p:cxnSp>
+        <p:cxnSp>
+          <p:nvCxnSpPr>
+            <p:cNvPr id="193" name="Straight Connector 192"/>
+            <p:cNvCxnSpPr/>
+            <p:nvPr/>
+          </p:nvCxnSpPr>
+          <p:spPr>
+            <a:xfrm>
+              <a:off x="799343" y="514773"/>
+              <a:ext cx="880534" cy="0"/>
+            </a:xfrm>
+            <a:prstGeom prst="line">
+              <a:avLst/>
+            </a:prstGeom>
+          </p:spPr>
+          <p:style>
+            <a:lnRef idx="1">
+              <a:schemeClr val="dk1"/>
+            </a:lnRef>
+            <a:fillRef idx="0">
+              <a:schemeClr val="dk1"/>
+            </a:fillRef>
+            <a:effectRef idx="0">
+              <a:schemeClr val="dk1"/>
+            </a:effectRef>
+            <a:fontRef idx="minor">
+              <a:schemeClr val="tx1"/>
+            </a:fontRef>
+          </p:style>
+        </p:cxnSp>
+        <p:cxnSp>
+          <p:nvCxnSpPr>
+            <p:cNvPr id="194" name="Straight Connector 193"/>
+            <p:cNvCxnSpPr/>
+            <p:nvPr/>
+          </p:nvCxnSpPr>
+          <p:spPr>
+            <a:xfrm flipH="1" flipV="1">
+              <a:off x="914400" y="342053"/>
+              <a:ext cx="90" cy="343748"/>
+            </a:xfrm>
+            <a:prstGeom prst="line">
+              <a:avLst/>
+            </a:prstGeom>
+          </p:spPr>
+          <p:style>
+            <a:lnRef idx="1">
+              <a:schemeClr val="dk1"/>
+            </a:lnRef>
+            <a:fillRef idx="0">
+              <a:schemeClr val="dk1"/>
+            </a:fillRef>
+            <a:effectRef idx="0">
+              <a:schemeClr val="dk1"/>
+            </a:effectRef>
+            <a:fontRef idx="minor">
+              <a:schemeClr val="tx1"/>
+            </a:fontRef>
+          </p:style>
+        </p:cxnSp>
+        <p:cxnSp>
+          <p:nvCxnSpPr>
+            <p:cNvPr id="195" name="Straight Connector 194"/>
+            <p:cNvCxnSpPr/>
+            <p:nvPr/>
+          </p:nvCxnSpPr>
+          <p:spPr>
+            <a:xfrm flipH="1" flipV="1">
+              <a:off x="1141307" y="346285"/>
+              <a:ext cx="90" cy="343748"/>
+            </a:xfrm>
+            <a:prstGeom prst="line">
+              <a:avLst/>
+            </a:prstGeom>
+          </p:spPr>
+          <p:style>
+            <a:lnRef idx="1">
+              <a:schemeClr val="dk1"/>
+            </a:lnRef>
+            <a:fillRef idx="0">
+              <a:schemeClr val="dk1"/>
+            </a:fillRef>
+            <a:effectRef idx="0">
+              <a:schemeClr val="dk1"/>
+            </a:effectRef>
+            <a:fontRef idx="minor">
+              <a:schemeClr val="tx1"/>
+            </a:fontRef>
+          </p:style>
+        </p:cxnSp>
+        <p:cxnSp>
+          <p:nvCxnSpPr>
+            <p:cNvPr id="196" name="Straight Connector 195"/>
+            <p:cNvCxnSpPr/>
+            <p:nvPr/>
+          </p:nvCxnSpPr>
+          <p:spPr>
+            <a:xfrm>
+              <a:off x="914400" y="429894"/>
+              <a:ext cx="762000" cy="0"/>
+            </a:xfrm>
+            <a:prstGeom prst="line">
+              <a:avLst/>
+            </a:prstGeom>
+          </p:spPr>
+          <p:style>
+            <a:lnRef idx="1">
+              <a:schemeClr val="dk1"/>
+            </a:lnRef>
+            <a:fillRef idx="0">
+              <a:schemeClr val="dk1"/>
+            </a:fillRef>
+            <a:effectRef idx="0">
+              <a:schemeClr val="dk1"/>
+            </a:effectRef>
+            <a:fontRef idx="minor">
+              <a:schemeClr val="tx1"/>
+            </a:fontRef>
+          </p:style>
+        </p:cxnSp>
+        <p:sp>
+          <p:nvSpPr>
+            <p:cNvPr id="197" name="TextBox 196"/>
+            <p:cNvSpPr txBox="1"/>
+            <p:nvPr/>
+          </p:nvSpPr>
+          <p:spPr>
+            <a:xfrm rot="16200000">
+              <a:off x="712844" y="314937"/>
+              <a:ext cx="288056" cy="184666"/>
+            </a:xfrm>
+            <a:prstGeom prst="rect">
+              <a:avLst/>
+            </a:prstGeom>
+            <a:noFill/>
+          </p:spPr>
+          <p:txBody>
+            <a:bodyPr wrap="square" rtlCol="0">
+              <a:spAutoFit/>
+            </a:bodyPr>
+            <a:lstStyle/>
+            <a:p>
+              <a:r>
+                <a:rPr lang="en-US" sz="600" dirty="0" smtClean="0"/>
+                <a:t>r1</a:t>
+              </a:r>
+              <a:endParaRPr lang="en-US" sz="600" dirty="0"/>
+            </a:p>
+          </p:txBody>
+        </p:sp>
+        <p:sp>
+          <p:nvSpPr>
+            <p:cNvPr id="198" name="TextBox 197"/>
+            <p:cNvSpPr txBox="1"/>
+            <p:nvPr/>
+          </p:nvSpPr>
+          <p:spPr>
+            <a:xfrm rot="16200000">
+              <a:off x="714447" y="479686"/>
+              <a:ext cx="288056" cy="184666"/>
+            </a:xfrm>
+            <a:prstGeom prst="rect">
+              <a:avLst/>
+            </a:prstGeom>
+            <a:noFill/>
+          </p:spPr>
+          <p:txBody>
+            <a:bodyPr wrap="square" rtlCol="0">
+              <a:spAutoFit/>
+            </a:bodyPr>
+            <a:lstStyle/>
+            <a:p>
+              <a:r>
+                <a:rPr lang="en-US" sz="600" smtClean="0"/>
+                <a:t>r2</a:t>
+              </a:r>
+              <a:endParaRPr lang="en-US" sz="600" dirty="0"/>
+            </a:p>
+          </p:txBody>
+        </p:sp>
+        <p:cxnSp>
+          <p:nvCxnSpPr>
+            <p:cNvPr id="199" name="Straight Connector 198"/>
+            <p:cNvCxnSpPr/>
+            <p:nvPr/>
+          </p:nvCxnSpPr>
+          <p:spPr>
+            <a:xfrm>
+              <a:off x="914400" y="601344"/>
+              <a:ext cx="762000" cy="0"/>
+            </a:xfrm>
+            <a:prstGeom prst="line">
+              <a:avLst/>
+            </a:prstGeom>
+          </p:spPr>
+          <p:style>
+            <a:lnRef idx="1">
+              <a:schemeClr val="dk1"/>
+            </a:lnRef>
+            <a:fillRef idx="0">
+              <a:schemeClr val="dk1"/>
+            </a:fillRef>
+            <a:effectRef idx="0">
+              <a:schemeClr val="dk1"/>
+            </a:effectRef>
+            <a:fontRef idx="minor">
+              <a:schemeClr val="tx1"/>
+            </a:fontRef>
+          </p:style>
+        </p:cxnSp>
+        <p:sp>
+          <p:nvSpPr>
+            <p:cNvPr id="200" name="TextBox 199"/>
+            <p:cNvSpPr txBox="1"/>
+            <p:nvPr/>
+          </p:nvSpPr>
+          <p:spPr>
+            <a:xfrm>
+              <a:off x="840460" y="286716"/>
+              <a:ext cx="447603" cy="184666"/>
+            </a:xfrm>
+            <a:prstGeom prst="rect">
+              <a:avLst/>
+            </a:prstGeom>
+            <a:noFill/>
+          </p:spPr>
+          <p:txBody>
+            <a:bodyPr wrap="square" rtlCol="0">
+              <a:spAutoFit/>
+            </a:bodyPr>
+            <a:lstStyle/>
+            <a:p>
+              <a:r>
+                <a:rPr lang="en-US" sz="600" dirty="0" smtClean="0"/>
+                <a:t>queue</a:t>
+              </a:r>
+              <a:endParaRPr lang="en-US" sz="600" dirty="0"/>
+            </a:p>
+          </p:txBody>
+        </p:sp>
+        <p:sp>
+          <p:nvSpPr>
+            <p:cNvPr id="201" name="TextBox 200"/>
+            <p:cNvSpPr txBox="1"/>
+            <p:nvPr/>
+          </p:nvSpPr>
+          <p:spPr>
+            <a:xfrm>
+              <a:off x="840460" y="459792"/>
+              <a:ext cx="447603" cy="184666"/>
+            </a:xfrm>
+            <a:prstGeom prst="rect">
+              <a:avLst/>
+            </a:prstGeom>
+            <a:noFill/>
+          </p:spPr>
+          <p:txBody>
+            <a:bodyPr wrap="square" rtlCol="0">
+              <a:spAutoFit/>
+            </a:bodyPr>
+            <a:lstStyle/>
+            <a:p>
+              <a:r>
+                <a:rPr lang="en-US" sz="600" smtClean="0"/>
+                <a:t>queue</a:t>
+              </a:r>
+              <a:endParaRPr lang="en-US" sz="600" dirty="0"/>
+            </a:p>
+          </p:txBody>
+        </p:sp>
+        <p:sp>
+          <p:nvSpPr>
+            <p:cNvPr id="202" name="TextBox 201"/>
+            <p:cNvSpPr txBox="1"/>
+            <p:nvPr/>
+          </p:nvSpPr>
+          <p:spPr>
+            <a:xfrm>
+              <a:off x="898008" y="371912"/>
+              <a:ext cx="447603" cy="184666"/>
+            </a:xfrm>
+            <a:prstGeom prst="rect">
+              <a:avLst/>
+            </a:prstGeom>
+            <a:noFill/>
+          </p:spPr>
+          <p:txBody>
+            <a:bodyPr wrap="square" rtlCol="0">
+              <a:spAutoFit/>
+            </a:bodyPr>
+            <a:lstStyle/>
+            <a:p>
+              <a:r>
+                <a:rPr lang="en-US" sz="600" dirty="0" smtClean="0"/>
+                <a:t>pc</a:t>
+              </a:r>
+              <a:endParaRPr lang="en-US" sz="600" dirty="0"/>
+            </a:p>
+          </p:txBody>
+        </p:sp>
+        <p:sp>
+          <p:nvSpPr>
+            <p:cNvPr id="203" name="TextBox 202"/>
+            <p:cNvSpPr txBox="1"/>
+            <p:nvPr/>
+          </p:nvSpPr>
+          <p:spPr>
+            <a:xfrm>
+              <a:off x="897148" y="540601"/>
+              <a:ext cx="447603" cy="184666"/>
+            </a:xfrm>
+            <a:prstGeom prst="rect">
+              <a:avLst/>
+            </a:prstGeom>
+            <a:noFill/>
+          </p:spPr>
+          <p:txBody>
+            <a:bodyPr wrap="square" rtlCol="0">
+              <a:spAutoFit/>
+            </a:bodyPr>
+            <a:lstStyle/>
+            <a:p>
+              <a:r>
+                <a:rPr lang="en-US" sz="600" smtClean="0"/>
+                <a:t>pc</a:t>
+              </a:r>
+              <a:endParaRPr lang="en-US" sz="600" dirty="0"/>
+            </a:p>
+          </p:txBody>
+        </p:sp>
+        <mc:AlternateContent xmlns:mc="http://schemas.openxmlformats.org/markup-compatibility/2006" xmlns:a14="http://schemas.microsoft.com/office/drawing/2010/main">
+          <mc:Choice Requires="a14">
+            <p:sp>
+              <p:nvSpPr>
+                <p:cNvPr id="204" name="TextBox 203"/>
+                <p:cNvSpPr txBox="1"/>
+                <p:nvPr/>
+              </p:nvSpPr>
+              <p:spPr>
+                <a:xfrm>
+                  <a:off x="1071888" y="285128"/>
+                  <a:ext cx="695325" cy="184666"/>
+                </a:xfrm>
+                <a:prstGeom prst="rect">
+                  <a:avLst/>
+                </a:prstGeom>
+                <a:noFill/>
+              </p:spPr>
+              <p:txBody>
+                <a:bodyPr wrap="square" rtlCol="0">
+                  <a:spAutoFit/>
+                </a:bodyPr>
+                <a:lstStyle/>
+                <a:p>
+                  <a:r>
+                    <a:rPr lang="en-US" sz="600" dirty="0" smtClean="0"/>
+                    <a:t>[(m1(), 14, </a:t>
+                  </a:r>
+                  <a14:m>
+                    <m:oMath xmlns:m="http://schemas.openxmlformats.org/officeDocument/2006/math">
+                      <m:r>
+                        <a:rPr lang="en-US" sz="600" i="1" smtClean="0">
+                          <a:latin typeface="Cambria Math" charset="0"/>
+                          <a:ea typeface="Cambria Math" charset="0"/>
+                          <a:cs typeface="Cambria Math" charset="0"/>
+                        </a:rPr>
+                        <m:t>∞</m:t>
+                      </m:r>
+                    </m:oMath>
+                  </a14:m>
+                  <a:r>
+                    <a:rPr lang="en-US" sz="600" dirty="0" smtClean="0"/>
+                    <a:t>)]</a:t>
+                  </a:r>
+                  <a:endParaRPr lang="en-US" sz="600" dirty="0"/>
+                </a:p>
+              </p:txBody>
+            </p:sp>
+          </mc:Choice>
+          <mc:Fallback xmlns="">
+            <p:sp>
+              <p:nvSpPr>
+                <p:cNvPr id="204" name="TextBox 203"/>
+                <p:cNvSpPr txBox="1">
+                  <a:spLocks noRot="1" noChangeAspect="1" noMove="1" noResize="1" noEditPoints="1" noAdjustHandles="1" noChangeArrowheads="1" noChangeShapeType="1" noTextEdit="1"/>
+                </p:cNvSpPr>
+                <p:nvPr/>
+              </p:nvSpPr>
+              <p:spPr>
+                <a:xfrm>
+                  <a:off x="1071888" y="285128"/>
+                  <a:ext cx="695325" cy="184666"/>
+                </a:xfrm>
+                <a:prstGeom prst="rect">
+                  <a:avLst/>
+                </a:prstGeom>
+                <a:blipFill rotWithShape="0">
+                  <a:blip r:embed="rId5"/>
+                  <a:stretch>
+                    <a:fillRect b="-3333"/>
+                  </a:stretch>
+                </a:blipFill>
+              </p:spPr>
+              <p:txBody>
+                <a:bodyPr/>
+                <a:lstStyle/>
+                <a:p>
+                  <a:r>
+                    <a:rPr lang="en-US">
+                      <a:noFill/>
+                    </a:rPr>
+                    <a:t> </a:t>
+                  </a:r>
+                </a:p>
+              </p:txBody>
+            </p:sp>
+          </mc:Fallback>
+        </mc:AlternateContent>
+        <p:sp>
+          <p:nvSpPr>
+            <p:cNvPr id="205" name="TextBox 204"/>
+            <p:cNvSpPr txBox="1"/>
+            <p:nvPr/>
+          </p:nvSpPr>
+          <p:spPr>
+            <a:xfrm>
+              <a:off x="1113348" y="191699"/>
+              <a:ext cx="447603" cy="184666"/>
+            </a:xfrm>
+            <a:prstGeom prst="rect">
+              <a:avLst/>
+            </a:prstGeom>
+            <a:noFill/>
+          </p:spPr>
+          <p:txBody>
+            <a:bodyPr wrap="square" rtlCol="0">
+              <a:spAutoFit/>
+            </a:bodyPr>
+            <a:lstStyle/>
+            <a:p>
+              <a:r>
+                <a:rPr lang="en-US" sz="600" b="1" dirty="0" smtClean="0"/>
+                <a:t>s</a:t>
+              </a:r>
+              <a:r>
+                <a:rPr lang="en-US" sz="600" b="1" baseline="-25000" dirty="0" smtClean="0"/>
+                <a:t>10</a:t>
+              </a:r>
+              <a:endParaRPr lang="en-US" sz="600" b="1" dirty="0"/>
+            </a:p>
+          </p:txBody>
+        </p:sp>
+        <p:sp>
+          <p:nvSpPr>
+            <p:cNvPr id="206" name="TextBox 205"/>
+            <p:cNvSpPr txBox="1"/>
+            <p:nvPr/>
+          </p:nvSpPr>
+          <p:spPr>
+            <a:xfrm>
+              <a:off x="1071888" y="460149"/>
+              <a:ext cx="695325" cy="184666"/>
+            </a:xfrm>
+            <a:prstGeom prst="rect">
+              <a:avLst/>
+            </a:prstGeom>
+            <a:noFill/>
+          </p:spPr>
+          <p:txBody>
+            <a:bodyPr wrap="square" rtlCol="0">
+              <a:spAutoFit/>
+            </a:bodyPr>
+            <a:lstStyle/>
+            <a:p>
+              <a:r>
+                <a:rPr lang="en-US" sz="600" dirty="0" smtClean="0"/>
+                <a:t>[ ]</a:t>
+              </a:r>
+              <a:endParaRPr lang="en-US" sz="600" dirty="0"/>
+            </a:p>
+          </p:txBody>
+        </p:sp>
+      </p:grpSp>
+      <p:grpSp>
+        <p:nvGrpSpPr>
+          <p:cNvPr id="6" name="Group 5"/>
+          <p:cNvGrpSpPr/>
+          <p:nvPr/>
+        </p:nvGrpSpPr>
+        <p:grpSpPr>
+          <a:xfrm>
+            <a:off x="753296" y="655635"/>
+            <a:ext cx="1002674" cy="533568"/>
+            <a:chOff x="753296" y="655635"/>
+            <a:chExt cx="1002674" cy="533568"/>
           </a:xfrm>
         </p:grpSpPr>
         <p:grpSp>
@@ -3559,7 +4739,7 @@
           </p:nvGrpSpPr>
           <p:grpSpPr>
             <a:xfrm>
-              <a:off x="764539" y="891068"/>
+              <a:off x="753296" y="655635"/>
               <a:ext cx="1002674" cy="533568"/>
               <a:chOff x="764539" y="191699"/>
               <a:chExt cx="1002674" cy="533568"/>
@@ -4061,53 +5241,49 @@
             </p:txBody>
           </p:sp>
         </p:grpSp>
-        <p:cxnSp>
-          <p:nvCxnSpPr>
-            <p:cNvPr id="50" name="Straight Arrow Connector 49"/>
-            <p:cNvCxnSpPr/>
+        <p:sp>
+          <p:nvSpPr>
+            <p:cNvPr id="207" name="TextBox 206"/>
+            <p:cNvSpPr txBox="1"/>
             <p:nvPr/>
-          </p:nvCxnSpPr>
+          </p:nvSpPr>
           <p:spPr>
             <a:xfrm>
-              <a:off x="1242393" y="700172"/>
-              <a:ext cx="0" cy="219491"/>
+              <a:off x="1067248" y="838997"/>
+              <a:ext cx="447603" cy="184666"/>
             </a:xfrm>
-            <a:prstGeom prst="straightConnector1">
+            <a:prstGeom prst="rect">
               <a:avLst/>
             </a:prstGeom>
-            <a:ln>
-              <a:headEnd w="sm" len="med"/>
-              <a:tailEnd type="triangle" w="sm" len="sm"/>
-            </a:ln>
+            <a:noFill/>
           </p:spPr>
-          <p:style>
-            <a:lnRef idx="1">
-              <a:schemeClr val="dk1"/>
-            </a:lnRef>
-            <a:fillRef idx="0">
-              <a:schemeClr val="dk1"/>
-            </a:fillRef>
-            <a:effectRef idx="0">
-              <a:schemeClr val="dk1"/>
-            </a:effectRef>
-            <a:fontRef idx="minor">
-              <a:schemeClr val="tx1"/>
-            </a:fontRef>
-          </p:style>
-        </p:cxnSp>
+          <p:txBody>
+            <a:bodyPr wrap="square" rtlCol="0">
+              <a:spAutoFit/>
+            </a:bodyPr>
+            <a:lstStyle/>
+            <a:p>
+              <a:r>
+                <a:rPr lang="en-US" sz="600" smtClean="0"/>
+                <a:t>m1:1</a:t>
+              </a:r>
+              <a:endParaRPr lang="en-US" sz="600" dirty="0"/>
+            </a:p>
+          </p:txBody>
+        </p:sp>
       </p:grpSp>
       <p:grpSp>
         <p:nvGrpSpPr>
-          <p:cNvPr id="55" name="Group 54"/>
+          <p:cNvPr id="14" name="Group 13"/>
           <p:cNvGrpSpPr/>
           <p:nvPr/>
         </p:nvGrpSpPr>
         <p:grpSpPr>
           <a:xfrm>
-            <a:off x="753296" y="1209345"/>
-            <a:ext cx="1002674" cy="724464"/>
-            <a:chOff x="764539" y="700172"/>
-            <a:chExt cx="1002674" cy="724464"/>
+            <a:off x="753296" y="1320721"/>
+            <a:ext cx="1002674" cy="533568"/>
+            <a:chOff x="753296" y="1400241"/>
+            <a:chExt cx="1002674" cy="533568"/>
           </a:xfrm>
         </p:grpSpPr>
         <p:grpSp>
@@ -4118,7 +5294,7 @@
           </p:nvGrpSpPr>
           <p:grpSpPr>
             <a:xfrm>
-              <a:off x="764539" y="891068"/>
+              <a:off x="753296" y="1400241"/>
               <a:ext cx="1002674" cy="533568"/>
               <a:chOff x="764539" y="191699"/>
               <a:chExt cx="1002674" cy="533568"/>
@@ -4620,53 +5796,49 @@
             </p:txBody>
           </p:sp>
         </p:grpSp>
-        <p:cxnSp>
-          <p:nvCxnSpPr>
-            <p:cNvPr id="57" name="Straight Arrow Connector 56"/>
-            <p:cNvCxnSpPr/>
+        <p:sp>
+          <p:nvSpPr>
+            <p:cNvPr id="208" name="TextBox 207"/>
+            <p:cNvSpPr txBox="1"/>
             <p:nvPr/>
-          </p:nvCxnSpPr>
+          </p:nvSpPr>
           <p:spPr>
             <a:xfrm>
-              <a:off x="1242393" y="700172"/>
-              <a:ext cx="0" cy="219491"/>
+              <a:off x="1063453" y="1587150"/>
+              <a:ext cx="447603" cy="184666"/>
             </a:xfrm>
-            <a:prstGeom prst="straightConnector1">
+            <a:prstGeom prst="rect">
               <a:avLst/>
             </a:prstGeom>
-            <a:ln>
-              <a:headEnd w="sm" len="med"/>
-              <a:tailEnd type="triangle" w="sm" len="sm"/>
-            </a:ln>
+            <a:noFill/>
           </p:spPr>
-          <p:style>
-            <a:lnRef idx="1">
-              <a:schemeClr val="dk1"/>
-            </a:lnRef>
-            <a:fillRef idx="0">
-              <a:schemeClr val="dk1"/>
-            </a:fillRef>
-            <a:effectRef idx="0">
-              <a:schemeClr val="dk1"/>
-            </a:effectRef>
-            <a:fontRef idx="minor">
-              <a:schemeClr val="tx1"/>
-            </a:fontRef>
-          </p:style>
-        </p:cxnSp>
+          <p:txBody>
+            <a:bodyPr wrap="square" rtlCol="0">
+              <a:spAutoFit/>
+            </a:bodyPr>
+            <a:lstStyle/>
+            <a:p>
+              <a:r>
+                <a:rPr lang="en-US" sz="600" dirty="0" smtClean="0"/>
+                <a:t>m1:2</a:t>
+              </a:r>
+              <a:endParaRPr lang="en-US" sz="600" dirty="0"/>
+            </a:p>
+          </p:txBody>
+        </p:sp>
       </p:grpSp>
       <p:grpSp>
         <p:nvGrpSpPr>
-          <p:cNvPr id="74" name="Group 73"/>
+          <p:cNvPr id="15" name="Group 14"/>
           <p:cNvGrpSpPr/>
           <p:nvPr/>
         </p:nvGrpSpPr>
         <p:grpSpPr>
           <a:xfrm>
-            <a:off x="753296" y="1910217"/>
-            <a:ext cx="1002674" cy="724464"/>
-            <a:chOff x="764539" y="700172"/>
-            <a:chExt cx="1002674" cy="724464"/>
+            <a:off x="757632" y="1990233"/>
+            <a:ext cx="1002674" cy="533568"/>
+            <a:chOff x="753296" y="2101113"/>
+            <a:chExt cx="1002674" cy="533568"/>
           </a:xfrm>
         </p:grpSpPr>
         <p:grpSp>
@@ -4677,7 +5849,7 @@
           </p:nvGrpSpPr>
           <p:grpSpPr>
             <a:xfrm>
-              <a:off x="764539" y="891068"/>
+              <a:off x="753296" y="2101113"/>
               <a:ext cx="1002674" cy="533568"/>
               <a:chOff x="764539" y="191699"/>
               <a:chExt cx="1002674" cy="533568"/>
@@ -5237,53 +6409,49 @@
             </mc:Fallback>
           </mc:AlternateContent>
         </p:grpSp>
-        <p:cxnSp>
-          <p:nvCxnSpPr>
-            <p:cNvPr id="76" name="Straight Arrow Connector 75"/>
-            <p:cNvCxnSpPr/>
+        <p:sp>
+          <p:nvSpPr>
+            <p:cNvPr id="209" name="TextBox 208"/>
+            <p:cNvSpPr txBox="1"/>
             <p:nvPr/>
-          </p:nvCxnSpPr>
+          </p:nvSpPr>
           <p:spPr>
             <a:xfrm>
-              <a:off x="1242393" y="700172"/>
-              <a:ext cx="0" cy="219491"/>
+              <a:off x="1067248" y="2287895"/>
+              <a:ext cx="447603" cy="184666"/>
             </a:xfrm>
-            <a:prstGeom prst="straightConnector1">
+            <a:prstGeom prst="rect">
               <a:avLst/>
             </a:prstGeom>
-            <a:ln>
-              <a:headEnd w="sm" len="med"/>
-              <a:tailEnd type="triangle" w="sm" len="sm"/>
-            </a:ln>
+            <a:noFill/>
           </p:spPr>
-          <p:style>
-            <a:lnRef idx="1">
-              <a:schemeClr val="dk1"/>
-            </a:lnRef>
-            <a:fillRef idx="0">
-              <a:schemeClr val="dk1"/>
-            </a:fillRef>
-            <a:effectRef idx="0">
-              <a:schemeClr val="dk1"/>
-            </a:effectRef>
-            <a:fontRef idx="minor">
-              <a:schemeClr val="tx1"/>
-            </a:fontRef>
-          </p:style>
-        </p:cxnSp>
+          <p:txBody>
+            <a:bodyPr wrap="square" rtlCol="0">
+              <a:spAutoFit/>
+            </a:bodyPr>
+            <a:lstStyle/>
+            <a:p>
+              <a:r>
+                <a:rPr lang="en-US" sz="600" dirty="0" smtClean="0"/>
+                <a:t>m1:3</a:t>
+              </a:r>
+              <a:endParaRPr lang="en-US" sz="600" dirty="0"/>
+            </a:p>
+          </p:txBody>
+        </p:sp>
       </p:grpSp>
       <p:grpSp>
         <p:nvGrpSpPr>
-          <p:cNvPr id="93" name="Group 92"/>
+          <p:cNvPr id="18" name="Group 17"/>
           <p:cNvGrpSpPr/>
           <p:nvPr/>
         </p:nvGrpSpPr>
         <p:grpSpPr>
           <a:xfrm>
-            <a:off x="753296" y="2611089"/>
-            <a:ext cx="1002674" cy="724464"/>
-            <a:chOff x="764539" y="700172"/>
-            <a:chExt cx="1002674" cy="724464"/>
+            <a:off x="752689" y="2662531"/>
+            <a:ext cx="1002674" cy="533568"/>
+            <a:chOff x="753296" y="2801985"/>
+            <a:chExt cx="1002674" cy="533568"/>
           </a:xfrm>
         </p:grpSpPr>
         <p:grpSp>
@@ -5294,7 +6462,7 @@
           </p:nvGrpSpPr>
           <p:grpSpPr>
             <a:xfrm>
-              <a:off x="764539" y="891068"/>
+              <a:off x="753296" y="2801985"/>
               <a:ext cx="1002674" cy="533568"/>
               <a:chOff x="764539" y="191699"/>
               <a:chExt cx="1002674" cy="533568"/>
@@ -5796,612 +6964,79 @@
             </p:txBody>
           </p:sp>
         </p:grpSp>
-        <p:cxnSp>
-          <p:nvCxnSpPr>
-            <p:cNvPr id="95" name="Straight Arrow Connector 94"/>
-            <p:cNvCxnSpPr/>
+        <p:sp>
+          <p:nvSpPr>
+            <p:cNvPr id="210" name="TextBox 209"/>
+            <p:cNvSpPr txBox="1"/>
             <p:nvPr/>
-          </p:nvCxnSpPr>
+          </p:nvSpPr>
           <p:spPr>
             <a:xfrm>
-              <a:off x="1242393" y="700172"/>
-              <a:ext cx="0" cy="219491"/>
+              <a:off x="1067153" y="2987559"/>
+              <a:ext cx="447603" cy="184666"/>
             </a:xfrm>
-            <a:prstGeom prst="straightConnector1">
+            <a:prstGeom prst="rect">
               <a:avLst/>
             </a:prstGeom>
-            <a:ln>
-              <a:headEnd w="sm" len="med"/>
-              <a:tailEnd type="triangle" w="sm" len="sm"/>
-            </a:ln>
+            <a:noFill/>
           </p:spPr>
-          <p:style>
-            <a:lnRef idx="1">
-              <a:schemeClr val="dk1"/>
-            </a:lnRef>
-            <a:fillRef idx="0">
-              <a:schemeClr val="dk1"/>
-            </a:fillRef>
-            <a:effectRef idx="0">
-              <a:schemeClr val="dk1"/>
-            </a:effectRef>
-            <a:fontRef idx="minor">
-              <a:schemeClr val="tx1"/>
-            </a:fontRef>
-          </p:style>
-        </p:cxnSp>
+          <p:txBody>
+            <a:bodyPr wrap="square" rtlCol="0">
+              <a:spAutoFit/>
+            </a:bodyPr>
+            <a:lstStyle/>
+            <a:p>
+              <a:r>
+                <a:rPr lang="en-US" sz="600" smtClean="0"/>
+                <a:t>m1:3</a:t>
+              </a:r>
+              <a:endParaRPr lang="en-US" sz="600" dirty="0"/>
+            </a:p>
+          </p:txBody>
+        </p:sp>
       </p:grpSp>
+      <p:sp>
+        <p:nvSpPr>
+          <p:cNvPr id="211" name="TextBox 210"/>
+          <p:cNvSpPr txBox="1"/>
+          <p:nvPr/>
+        </p:nvSpPr>
+        <p:spPr>
+          <a:xfrm>
+            <a:off x="1067105" y="3686778"/>
+            <a:ext cx="447603" cy="184666"/>
+          </a:xfrm>
+          <a:prstGeom prst="rect">
+            <a:avLst/>
+          </a:prstGeom>
+          <a:noFill/>
+        </p:spPr>
+        <p:txBody>
+          <a:bodyPr wrap="square" rtlCol="0">
+            <a:spAutoFit/>
+          </a:bodyPr>
+          <a:lstStyle/>
+          <a:p>
+            <a:r>
+              <a:rPr lang="en-US" sz="600" dirty="0" smtClean="0"/>
+              <a:t>m1:4</a:t>
+            </a:r>
+            <a:endParaRPr lang="en-US" sz="600" dirty="0"/>
+          </a:p>
+        </p:txBody>
+      </p:sp>
       <p:grpSp>
         <p:nvGrpSpPr>
-          <p:cNvPr id="112" name="Group 111"/>
+          <p:cNvPr id="52" name="Group 51"/>
           <p:cNvGrpSpPr/>
           <p:nvPr/>
         </p:nvGrpSpPr>
         <p:grpSpPr>
           <a:xfrm>
-            <a:off x="753296" y="3311961"/>
-            <a:ext cx="1002674" cy="724464"/>
-            <a:chOff x="764539" y="700172"/>
-            <a:chExt cx="1002674" cy="724464"/>
-          </a:xfrm>
-        </p:grpSpPr>
-        <p:grpSp>
-          <p:nvGrpSpPr>
-            <p:cNvPr id="113" name="Group 112"/>
-            <p:cNvGrpSpPr/>
-            <p:nvPr/>
-          </p:nvGrpSpPr>
-          <p:grpSpPr>
-            <a:xfrm>
-              <a:off x="764539" y="891068"/>
-              <a:ext cx="1002674" cy="533568"/>
-              <a:chOff x="764539" y="191699"/>
-              <a:chExt cx="1002674" cy="533568"/>
-            </a:xfrm>
-          </p:grpSpPr>
-          <p:sp>
-            <p:nvSpPr>
-              <p:cNvPr id="115" name="Rounded Rectangle 114"/>
-              <p:cNvSpPr/>
-              <p:nvPr/>
-            </p:nvSpPr>
-            <p:spPr>
-              <a:xfrm>
-                <a:off x="799343" y="236169"/>
-                <a:ext cx="877057" cy="449631"/>
-              </a:xfrm>
-              <a:prstGeom prst="roundRect">
-                <a:avLst>
-                  <a:gd name="adj" fmla="val 7680"/>
-                </a:avLst>
-              </a:prstGeom>
-              <a:ln w="9525"/>
-            </p:spPr>
-            <p:style>
-              <a:lnRef idx="2">
-                <a:schemeClr val="dk1"/>
-              </a:lnRef>
-              <a:fillRef idx="1">
-                <a:schemeClr val="lt1"/>
-              </a:fillRef>
-              <a:effectRef idx="0">
-                <a:schemeClr val="dk1"/>
-              </a:effectRef>
-              <a:fontRef idx="minor">
-                <a:schemeClr val="dk1"/>
-              </a:fontRef>
-            </p:style>
-            <p:txBody>
-              <a:bodyPr rtlCol="0" anchor="ctr"/>
-              <a:lstStyle/>
-              <a:p>
-                <a:pPr algn="ctr"/>
-                <a:endParaRPr lang="en-US"/>
-              </a:p>
-            </p:txBody>
-          </p:sp>
-          <p:cxnSp>
-            <p:nvCxnSpPr>
-              <p:cNvPr id="116" name="Straight Connector 115"/>
-              <p:cNvCxnSpPr/>
-              <p:nvPr/>
-            </p:nvCxnSpPr>
-            <p:spPr>
-              <a:xfrm>
-                <a:off x="799343" y="342053"/>
-                <a:ext cx="880534" cy="0"/>
-              </a:xfrm>
-              <a:prstGeom prst="line">
-                <a:avLst/>
-              </a:prstGeom>
-            </p:spPr>
-            <p:style>
-              <a:lnRef idx="1">
-                <a:schemeClr val="dk1"/>
-              </a:lnRef>
-              <a:fillRef idx="0">
-                <a:schemeClr val="dk1"/>
-              </a:fillRef>
-              <a:effectRef idx="0">
-                <a:schemeClr val="dk1"/>
-              </a:effectRef>
-              <a:fontRef idx="minor">
-                <a:schemeClr val="tx1"/>
-              </a:fontRef>
-            </p:style>
-          </p:cxnSp>
-          <p:cxnSp>
-            <p:nvCxnSpPr>
-              <p:cNvPr id="117" name="Straight Connector 116"/>
-              <p:cNvCxnSpPr/>
-              <p:nvPr/>
-            </p:nvCxnSpPr>
-            <p:spPr>
-              <a:xfrm>
-                <a:off x="799343" y="514773"/>
-                <a:ext cx="880534" cy="0"/>
-              </a:xfrm>
-              <a:prstGeom prst="line">
-                <a:avLst/>
-              </a:prstGeom>
-            </p:spPr>
-            <p:style>
-              <a:lnRef idx="1">
-                <a:schemeClr val="dk1"/>
-              </a:lnRef>
-              <a:fillRef idx="0">
-                <a:schemeClr val="dk1"/>
-              </a:fillRef>
-              <a:effectRef idx="0">
-                <a:schemeClr val="dk1"/>
-              </a:effectRef>
-              <a:fontRef idx="minor">
-                <a:schemeClr val="tx1"/>
-              </a:fontRef>
-            </p:style>
-          </p:cxnSp>
-          <p:cxnSp>
-            <p:nvCxnSpPr>
-              <p:cNvPr id="118" name="Straight Connector 117"/>
-              <p:cNvCxnSpPr/>
-              <p:nvPr/>
-            </p:nvCxnSpPr>
-            <p:spPr>
-              <a:xfrm flipH="1" flipV="1">
-                <a:off x="914400" y="342053"/>
-                <a:ext cx="90" cy="343748"/>
-              </a:xfrm>
-              <a:prstGeom prst="line">
-                <a:avLst/>
-              </a:prstGeom>
-            </p:spPr>
-            <p:style>
-              <a:lnRef idx="1">
-                <a:schemeClr val="dk1"/>
-              </a:lnRef>
-              <a:fillRef idx="0">
-                <a:schemeClr val="dk1"/>
-              </a:fillRef>
-              <a:effectRef idx="0">
-                <a:schemeClr val="dk1"/>
-              </a:effectRef>
-              <a:fontRef idx="minor">
-                <a:schemeClr val="tx1"/>
-              </a:fontRef>
-            </p:style>
-          </p:cxnSp>
-          <p:cxnSp>
-            <p:nvCxnSpPr>
-              <p:cNvPr id="119" name="Straight Connector 118"/>
-              <p:cNvCxnSpPr/>
-              <p:nvPr/>
-            </p:nvCxnSpPr>
-            <p:spPr>
-              <a:xfrm flipH="1" flipV="1">
-                <a:off x="1141307" y="346285"/>
-                <a:ext cx="90" cy="343748"/>
-              </a:xfrm>
-              <a:prstGeom prst="line">
-                <a:avLst/>
-              </a:prstGeom>
-            </p:spPr>
-            <p:style>
-              <a:lnRef idx="1">
-                <a:schemeClr val="dk1"/>
-              </a:lnRef>
-              <a:fillRef idx="0">
-                <a:schemeClr val="dk1"/>
-              </a:fillRef>
-              <a:effectRef idx="0">
-                <a:schemeClr val="dk1"/>
-              </a:effectRef>
-              <a:fontRef idx="minor">
-                <a:schemeClr val="tx1"/>
-              </a:fontRef>
-            </p:style>
-          </p:cxnSp>
-          <p:cxnSp>
-            <p:nvCxnSpPr>
-              <p:cNvPr id="120" name="Straight Connector 119"/>
-              <p:cNvCxnSpPr/>
-              <p:nvPr/>
-            </p:nvCxnSpPr>
-            <p:spPr>
-              <a:xfrm>
-                <a:off x="914400" y="429894"/>
-                <a:ext cx="762000" cy="0"/>
-              </a:xfrm>
-              <a:prstGeom prst="line">
-                <a:avLst/>
-              </a:prstGeom>
-            </p:spPr>
-            <p:style>
-              <a:lnRef idx="1">
-                <a:schemeClr val="dk1"/>
-              </a:lnRef>
-              <a:fillRef idx="0">
-                <a:schemeClr val="dk1"/>
-              </a:fillRef>
-              <a:effectRef idx="0">
-                <a:schemeClr val="dk1"/>
-              </a:effectRef>
-              <a:fontRef idx="minor">
-                <a:schemeClr val="tx1"/>
-              </a:fontRef>
-            </p:style>
-          </p:cxnSp>
-          <p:sp>
-            <p:nvSpPr>
-              <p:cNvPr id="121" name="TextBox 120"/>
-              <p:cNvSpPr txBox="1"/>
-              <p:nvPr/>
-            </p:nvSpPr>
-            <p:spPr>
-              <a:xfrm rot="16200000">
-                <a:off x="712844" y="314937"/>
-                <a:ext cx="288056" cy="184666"/>
-              </a:xfrm>
-              <a:prstGeom prst="rect">
-                <a:avLst/>
-              </a:prstGeom>
-              <a:noFill/>
-            </p:spPr>
-            <p:txBody>
-              <a:bodyPr wrap="square" rtlCol="0">
-                <a:spAutoFit/>
-              </a:bodyPr>
-              <a:lstStyle/>
-              <a:p>
-                <a:r>
-                  <a:rPr lang="en-US" sz="600" dirty="0" smtClean="0"/>
-                  <a:t>r1</a:t>
-                </a:r>
-                <a:endParaRPr lang="en-US" sz="600" dirty="0"/>
-              </a:p>
-            </p:txBody>
-          </p:sp>
-          <p:sp>
-            <p:nvSpPr>
-              <p:cNvPr id="122" name="TextBox 121"/>
-              <p:cNvSpPr txBox="1"/>
-              <p:nvPr/>
-            </p:nvSpPr>
-            <p:spPr>
-              <a:xfrm rot="16200000">
-                <a:off x="714447" y="479686"/>
-                <a:ext cx="288056" cy="184666"/>
-              </a:xfrm>
-              <a:prstGeom prst="rect">
-                <a:avLst/>
-              </a:prstGeom>
-              <a:noFill/>
-            </p:spPr>
-            <p:txBody>
-              <a:bodyPr wrap="square" rtlCol="0">
-                <a:spAutoFit/>
-              </a:bodyPr>
-              <a:lstStyle/>
-              <a:p>
-                <a:r>
-                  <a:rPr lang="en-US" sz="600" smtClean="0"/>
-                  <a:t>r2</a:t>
-                </a:r>
-                <a:endParaRPr lang="en-US" sz="600" dirty="0"/>
-              </a:p>
-            </p:txBody>
-          </p:sp>
-          <p:cxnSp>
-            <p:nvCxnSpPr>
-              <p:cNvPr id="123" name="Straight Connector 122"/>
-              <p:cNvCxnSpPr/>
-              <p:nvPr/>
-            </p:nvCxnSpPr>
-            <p:spPr>
-              <a:xfrm>
-                <a:off x="914400" y="601344"/>
-                <a:ext cx="762000" cy="0"/>
-              </a:xfrm>
-              <a:prstGeom prst="line">
-                <a:avLst/>
-              </a:prstGeom>
-            </p:spPr>
-            <p:style>
-              <a:lnRef idx="1">
-                <a:schemeClr val="dk1"/>
-              </a:lnRef>
-              <a:fillRef idx="0">
-                <a:schemeClr val="dk1"/>
-              </a:fillRef>
-              <a:effectRef idx="0">
-                <a:schemeClr val="dk1"/>
-              </a:effectRef>
-              <a:fontRef idx="minor">
-                <a:schemeClr val="tx1"/>
-              </a:fontRef>
-            </p:style>
-          </p:cxnSp>
-          <p:sp>
-            <p:nvSpPr>
-              <p:cNvPr id="124" name="TextBox 123"/>
-              <p:cNvSpPr txBox="1"/>
-              <p:nvPr/>
-            </p:nvSpPr>
-            <p:spPr>
-              <a:xfrm>
-                <a:off x="840460" y="286716"/>
-                <a:ext cx="447603" cy="184666"/>
-              </a:xfrm>
-              <a:prstGeom prst="rect">
-                <a:avLst/>
-              </a:prstGeom>
-              <a:noFill/>
-            </p:spPr>
-            <p:txBody>
-              <a:bodyPr wrap="square" rtlCol="0">
-                <a:spAutoFit/>
-              </a:bodyPr>
-              <a:lstStyle/>
-              <a:p>
-                <a:r>
-                  <a:rPr lang="en-US" sz="600" dirty="0" smtClean="0"/>
-                  <a:t>queue</a:t>
-                </a:r>
-                <a:endParaRPr lang="en-US" sz="600" dirty="0"/>
-              </a:p>
-            </p:txBody>
-          </p:sp>
-          <p:sp>
-            <p:nvSpPr>
-              <p:cNvPr id="125" name="TextBox 124"/>
-              <p:cNvSpPr txBox="1"/>
-              <p:nvPr/>
-            </p:nvSpPr>
-            <p:spPr>
-              <a:xfrm>
-                <a:off x="840460" y="459792"/>
-                <a:ext cx="447603" cy="184666"/>
-              </a:xfrm>
-              <a:prstGeom prst="rect">
-                <a:avLst/>
-              </a:prstGeom>
-              <a:noFill/>
-            </p:spPr>
-            <p:txBody>
-              <a:bodyPr wrap="square" rtlCol="0">
-                <a:spAutoFit/>
-              </a:bodyPr>
-              <a:lstStyle/>
-              <a:p>
-                <a:r>
-                  <a:rPr lang="en-US" sz="600" smtClean="0"/>
-                  <a:t>queue</a:t>
-                </a:r>
-                <a:endParaRPr lang="en-US" sz="600" dirty="0"/>
-              </a:p>
-            </p:txBody>
-          </p:sp>
-          <p:sp>
-            <p:nvSpPr>
-              <p:cNvPr id="126" name="TextBox 125"/>
-              <p:cNvSpPr txBox="1"/>
-              <p:nvPr/>
-            </p:nvSpPr>
-            <p:spPr>
-              <a:xfrm>
-                <a:off x="898008" y="371912"/>
-                <a:ext cx="447603" cy="184666"/>
-              </a:xfrm>
-              <a:prstGeom prst="rect">
-                <a:avLst/>
-              </a:prstGeom>
-              <a:noFill/>
-            </p:spPr>
-            <p:txBody>
-              <a:bodyPr wrap="square" rtlCol="0">
-                <a:spAutoFit/>
-              </a:bodyPr>
-              <a:lstStyle/>
-              <a:p>
-                <a:r>
-                  <a:rPr lang="en-US" sz="600" dirty="0" smtClean="0"/>
-                  <a:t>pc</a:t>
-                </a:r>
-                <a:endParaRPr lang="en-US" sz="600" dirty="0"/>
-              </a:p>
-            </p:txBody>
-          </p:sp>
-          <p:sp>
-            <p:nvSpPr>
-              <p:cNvPr id="127" name="TextBox 126"/>
-              <p:cNvSpPr txBox="1"/>
-              <p:nvPr/>
-            </p:nvSpPr>
-            <p:spPr>
-              <a:xfrm>
-                <a:off x="897148" y="540601"/>
-                <a:ext cx="447603" cy="184666"/>
-              </a:xfrm>
-              <a:prstGeom prst="rect">
-                <a:avLst/>
-              </a:prstGeom>
-              <a:noFill/>
-            </p:spPr>
-            <p:txBody>
-              <a:bodyPr wrap="square" rtlCol="0">
-                <a:spAutoFit/>
-              </a:bodyPr>
-              <a:lstStyle/>
-              <a:p>
-                <a:r>
-                  <a:rPr lang="en-US" sz="600" smtClean="0"/>
-                  <a:t>pc</a:t>
-                </a:r>
-                <a:endParaRPr lang="en-US" sz="600" dirty="0"/>
-              </a:p>
-            </p:txBody>
-          </p:sp>
-          <p:sp>
-            <p:nvSpPr>
-              <p:cNvPr id="128" name="TextBox 127"/>
-              <p:cNvSpPr txBox="1"/>
-              <p:nvPr/>
-            </p:nvSpPr>
-            <p:spPr>
-              <a:xfrm>
-                <a:off x="1071888" y="285128"/>
-                <a:ext cx="695325" cy="184666"/>
-              </a:xfrm>
-              <a:prstGeom prst="rect">
-                <a:avLst/>
-              </a:prstGeom>
-              <a:noFill/>
-            </p:spPr>
-            <p:txBody>
-              <a:bodyPr wrap="square" rtlCol="0">
-                <a:spAutoFit/>
-              </a:bodyPr>
-              <a:lstStyle/>
-              <a:p>
-                <a:r>
-                  <a:rPr lang="en-US" sz="600" dirty="0" smtClean="0"/>
-                  <a:t>[ ]</a:t>
-                </a:r>
-                <a:endParaRPr lang="en-US" sz="600" dirty="0"/>
-              </a:p>
-            </p:txBody>
-          </p:sp>
-          <p:sp>
-            <p:nvSpPr>
-              <p:cNvPr id="129" name="TextBox 128"/>
-              <p:cNvSpPr txBox="1"/>
-              <p:nvPr/>
-            </p:nvSpPr>
-            <p:spPr>
-              <a:xfrm>
-                <a:off x="1113348" y="191699"/>
-                <a:ext cx="447603" cy="184666"/>
-              </a:xfrm>
-              <a:prstGeom prst="rect">
-                <a:avLst/>
-              </a:prstGeom>
-              <a:noFill/>
-            </p:spPr>
-            <p:txBody>
-              <a:bodyPr wrap="square" rtlCol="0">
-                <a:spAutoFit/>
-              </a:bodyPr>
-              <a:lstStyle/>
-              <a:p>
-                <a:r>
-                  <a:rPr lang="en-US" sz="600" b="1" dirty="0" smtClean="0"/>
-                  <a:t>s</a:t>
-                </a:r>
-                <a:r>
-                  <a:rPr lang="en-US" sz="600" b="1" baseline="-25000" dirty="0" smtClean="0"/>
-                  <a:t>5</a:t>
-                </a:r>
-                <a:endParaRPr lang="en-US" sz="600" b="1" dirty="0"/>
-              </a:p>
-            </p:txBody>
-          </p:sp>
-          <p:sp>
-            <p:nvSpPr>
-              <p:cNvPr id="130" name="TextBox 129"/>
-              <p:cNvSpPr txBox="1"/>
-              <p:nvPr/>
-            </p:nvSpPr>
-            <p:spPr>
-              <a:xfrm>
-                <a:off x="1071888" y="460149"/>
-                <a:ext cx="695325" cy="184666"/>
-              </a:xfrm>
-              <a:prstGeom prst="rect">
-                <a:avLst/>
-              </a:prstGeom>
-              <a:noFill/>
-            </p:spPr>
-            <p:txBody>
-              <a:bodyPr wrap="square" rtlCol="0">
-                <a:spAutoFit/>
-              </a:bodyPr>
-              <a:lstStyle/>
-              <a:p>
-                <a:r>
-                  <a:rPr lang="en-US" sz="600" dirty="0" smtClean="0"/>
-                  <a:t>[ ]</a:t>
-                </a:r>
-                <a:endParaRPr lang="en-US" sz="600" dirty="0"/>
-              </a:p>
-            </p:txBody>
-          </p:sp>
-        </p:grpSp>
-        <p:cxnSp>
-          <p:nvCxnSpPr>
-            <p:cNvPr id="114" name="Straight Arrow Connector 113"/>
-            <p:cNvCxnSpPr/>
-            <p:nvPr/>
-          </p:nvCxnSpPr>
-          <p:spPr>
-            <a:xfrm>
-              <a:off x="1242393" y="700172"/>
-              <a:ext cx="0" cy="219491"/>
-            </a:xfrm>
-            <a:prstGeom prst="straightConnector1">
-              <a:avLst/>
-            </a:prstGeom>
-            <a:ln>
-              <a:headEnd w="sm" len="med"/>
-              <a:tailEnd type="triangle" w="sm" len="sm"/>
-            </a:ln>
-          </p:spPr>
-          <p:style>
-            <a:lnRef idx="1">
-              <a:schemeClr val="dk1"/>
-            </a:lnRef>
-            <a:fillRef idx="0">
-              <a:schemeClr val="dk1"/>
-            </a:fillRef>
-            <a:effectRef idx="0">
-              <a:schemeClr val="dk1"/>
-            </a:effectRef>
-            <a:fontRef idx="minor">
-              <a:schemeClr val="tx1"/>
-            </a:fontRef>
-          </p:style>
-        </p:cxnSp>
-      </p:grpSp>
-      <p:grpSp>
-        <p:nvGrpSpPr>
-          <p:cNvPr id="131" name="Group 130"/>
-          <p:cNvGrpSpPr/>
-          <p:nvPr/>
-        </p:nvGrpSpPr>
-        <p:grpSpPr>
-          <a:xfrm>
-            <a:off x="753296" y="4011627"/>
-            <a:ext cx="1002674" cy="724464"/>
-            <a:chOff x="764539" y="700172"/>
-            <a:chExt cx="1002674" cy="724464"/>
+            <a:off x="752689" y="3997965"/>
+            <a:ext cx="1002674" cy="533568"/>
+            <a:chOff x="753296" y="4202523"/>
+            <a:chExt cx="1002674" cy="533568"/>
           </a:xfrm>
         </p:grpSpPr>
         <p:grpSp>
@@ -6412,7 +7047,7 @@
           </p:nvGrpSpPr>
           <p:grpSpPr>
             <a:xfrm>
-              <a:off x="764539" y="891068"/>
+              <a:off x="753296" y="4202523"/>
               <a:ext cx="1002674" cy="533568"/>
               <a:chOff x="764539" y="191699"/>
               <a:chExt cx="1002674" cy="533568"/>
@@ -6972,50 +7607,46 @@
             </mc:Fallback>
           </mc:AlternateContent>
         </p:grpSp>
-        <p:cxnSp>
-          <p:nvCxnSpPr>
-            <p:cNvPr id="133" name="Straight Arrow Connector 132"/>
-            <p:cNvCxnSpPr/>
+        <p:sp>
+          <p:nvSpPr>
+            <p:cNvPr id="212" name="TextBox 211"/>
+            <p:cNvSpPr txBox="1"/>
             <p:nvPr/>
-          </p:nvCxnSpPr>
+          </p:nvSpPr>
           <p:spPr>
             <a:xfrm>
-              <a:off x="1242393" y="700172"/>
-              <a:ext cx="0" cy="219491"/>
+              <a:off x="1068397" y="4387652"/>
+              <a:ext cx="447603" cy="184666"/>
             </a:xfrm>
-            <a:prstGeom prst="straightConnector1">
+            <a:prstGeom prst="rect">
               <a:avLst/>
             </a:prstGeom>
-            <a:ln>
-              <a:headEnd w="sm" len="med"/>
-              <a:tailEnd type="triangle" w="sm" len="sm"/>
-            </a:ln>
+            <a:noFill/>
           </p:spPr>
-          <p:style>
-            <a:lnRef idx="1">
-              <a:schemeClr val="dk1"/>
-            </a:lnRef>
-            <a:fillRef idx="0">
-              <a:schemeClr val="dk1"/>
-            </a:fillRef>
-            <a:effectRef idx="0">
-              <a:schemeClr val="dk1"/>
-            </a:effectRef>
-            <a:fontRef idx="minor">
-              <a:schemeClr val="tx1"/>
-            </a:fontRef>
-          </p:style>
-        </p:cxnSp>
+          <p:txBody>
+            <a:bodyPr wrap="square" rtlCol="0">
+              <a:spAutoFit/>
+            </a:bodyPr>
+            <a:lstStyle/>
+            <a:p>
+              <a:r>
+                <a:rPr lang="en-US" sz="600" dirty="0" smtClean="0"/>
+                <a:t>m1:5</a:t>
+              </a:r>
+              <a:endParaRPr lang="en-US" sz="600" dirty="0"/>
+            </a:p>
+          </p:txBody>
+        </p:sp>
       </p:grpSp>
       <p:grpSp>
         <p:nvGrpSpPr>
-          <p:cNvPr id="151" name="Group 150"/>
+          <p:cNvPr id="214" name="Group 213"/>
           <p:cNvGrpSpPr/>
           <p:nvPr/>
         </p:nvGrpSpPr>
         <p:grpSpPr>
           <a:xfrm>
-            <a:off x="237902" y="4907012"/>
+            <a:off x="1295980" y="4645434"/>
             <a:ext cx="1002674" cy="533568"/>
             <a:chOff x="764539" y="191699"/>
             <a:chExt cx="1002674" cy="533568"/>
@@ -7023,7 +7654,7 @@
         </p:grpSpPr>
         <p:sp>
           <p:nvSpPr>
-            <p:cNvPr id="153" name="Rounded Rectangle 152"/>
+            <p:cNvPr id="216" name="Rounded Rectangle 215"/>
             <p:cNvSpPr/>
             <p:nvPr/>
           </p:nvSpPr>
@@ -7064,7 +7695,7 @@
         </p:sp>
         <p:cxnSp>
           <p:nvCxnSpPr>
-            <p:cNvPr id="154" name="Straight Connector 153"/>
+            <p:cNvPr id="217" name="Straight Connector 216"/>
             <p:cNvCxnSpPr/>
             <p:nvPr/>
           </p:nvCxnSpPr>
@@ -7094,7 +7725,7 @@
         </p:cxnSp>
         <p:cxnSp>
           <p:nvCxnSpPr>
-            <p:cNvPr id="155" name="Straight Connector 154"/>
+            <p:cNvPr id="218" name="Straight Connector 217"/>
             <p:cNvCxnSpPr/>
             <p:nvPr/>
           </p:nvCxnSpPr>
@@ -7124,7 +7755,7 @@
         </p:cxnSp>
         <p:cxnSp>
           <p:nvCxnSpPr>
-            <p:cNvPr id="156" name="Straight Connector 155"/>
+            <p:cNvPr id="219" name="Straight Connector 218"/>
             <p:cNvCxnSpPr/>
             <p:nvPr/>
           </p:nvCxnSpPr>
@@ -7154,7 +7785,7 @@
         </p:cxnSp>
         <p:cxnSp>
           <p:nvCxnSpPr>
-            <p:cNvPr id="157" name="Straight Connector 156"/>
+            <p:cNvPr id="220" name="Straight Connector 219"/>
             <p:cNvCxnSpPr/>
             <p:nvPr/>
           </p:nvCxnSpPr>
@@ -7184,7 +7815,7 @@
         </p:cxnSp>
         <p:cxnSp>
           <p:nvCxnSpPr>
-            <p:cNvPr id="158" name="Straight Connector 157"/>
+            <p:cNvPr id="221" name="Straight Connector 220"/>
             <p:cNvCxnSpPr/>
             <p:nvPr/>
           </p:nvCxnSpPr>
@@ -7214,7 +7845,7 @@
         </p:cxnSp>
         <p:sp>
           <p:nvSpPr>
-            <p:cNvPr id="159" name="TextBox 158"/>
+            <p:cNvPr id="222" name="TextBox 221"/>
             <p:cNvSpPr txBox="1"/>
             <p:nvPr/>
           </p:nvSpPr>
@@ -7244,7 +7875,7 @@
         </p:sp>
         <p:sp>
           <p:nvSpPr>
-            <p:cNvPr id="160" name="TextBox 159"/>
+            <p:cNvPr id="223" name="TextBox 222"/>
             <p:cNvSpPr txBox="1"/>
             <p:nvPr/>
           </p:nvSpPr>
@@ -7274,7 +7905,7 @@
         </p:sp>
         <p:cxnSp>
           <p:nvCxnSpPr>
-            <p:cNvPr id="161" name="Straight Connector 160"/>
+            <p:cNvPr id="224" name="Straight Connector 223"/>
             <p:cNvCxnSpPr/>
             <p:nvPr/>
           </p:nvCxnSpPr>
@@ -7304,7 +7935,7 @@
         </p:cxnSp>
         <p:sp>
           <p:nvSpPr>
-            <p:cNvPr id="162" name="TextBox 161"/>
+            <p:cNvPr id="225" name="TextBox 224"/>
             <p:cNvSpPr txBox="1"/>
             <p:nvPr/>
           </p:nvSpPr>
@@ -7334,7 +7965,7 @@
         </p:sp>
         <p:sp>
           <p:nvSpPr>
-            <p:cNvPr id="163" name="TextBox 162"/>
+            <p:cNvPr id="226" name="TextBox 225"/>
             <p:cNvSpPr txBox="1"/>
             <p:nvPr/>
           </p:nvSpPr>
@@ -7364,7 +7995,7 @@
         </p:sp>
         <p:sp>
           <p:nvSpPr>
-            <p:cNvPr id="164" name="TextBox 163"/>
+            <p:cNvPr id="227" name="TextBox 226"/>
             <p:cNvSpPr txBox="1"/>
             <p:nvPr/>
           </p:nvSpPr>
@@ -7394,517 +8025,7 @@
         </p:sp>
         <p:sp>
           <p:nvSpPr>
-            <p:cNvPr id="165" name="TextBox 164"/>
-            <p:cNvSpPr txBox="1"/>
-            <p:nvPr/>
-          </p:nvSpPr>
-          <p:spPr>
-            <a:xfrm>
-              <a:off x="897148" y="540601"/>
-              <a:ext cx="447603" cy="184666"/>
-            </a:xfrm>
-            <a:prstGeom prst="rect">
-              <a:avLst/>
-            </a:prstGeom>
-            <a:noFill/>
-          </p:spPr>
-          <p:txBody>
-            <a:bodyPr wrap="square" rtlCol="0">
-              <a:spAutoFit/>
-            </a:bodyPr>
-            <a:lstStyle/>
-            <a:p>
-              <a:r>
-                <a:rPr lang="en-US" sz="600" smtClean="0"/>
-                <a:t>pc</a:t>
-              </a:r>
-              <a:endParaRPr lang="en-US" sz="600" dirty="0"/>
-            </a:p>
-          </p:txBody>
-        </p:sp>
-        <p:sp>
-          <p:nvSpPr>
-            <p:cNvPr id="166" name="TextBox 165"/>
-            <p:cNvSpPr txBox="1"/>
-            <p:nvPr/>
-          </p:nvSpPr>
-          <p:spPr>
-            <a:xfrm>
-              <a:off x="1071888" y="285128"/>
-              <a:ext cx="695325" cy="184666"/>
-            </a:xfrm>
-            <a:prstGeom prst="rect">
-              <a:avLst/>
-            </a:prstGeom>
-            <a:noFill/>
-          </p:spPr>
-          <p:txBody>
-            <a:bodyPr wrap="square" rtlCol="0">
-              <a:spAutoFit/>
-            </a:bodyPr>
-            <a:lstStyle/>
-            <a:p>
-              <a:r>
-                <a:rPr lang="en-US" sz="600" dirty="0" smtClean="0"/>
-                <a:t>[ ]</a:t>
-              </a:r>
-              <a:endParaRPr lang="en-US" sz="600" dirty="0"/>
-            </a:p>
-          </p:txBody>
-        </p:sp>
-        <p:sp>
-          <p:nvSpPr>
-            <p:cNvPr id="167" name="TextBox 166"/>
-            <p:cNvSpPr txBox="1"/>
-            <p:nvPr/>
-          </p:nvSpPr>
-          <p:spPr>
-            <a:xfrm>
-              <a:off x="1113348" y="191699"/>
-              <a:ext cx="447603" cy="184666"/>
-            </a:xfrm>
-            <a:prstGeom prst="rect">
-              <a:avLst/>
-            </a:prstGeom>
-            <a:noFill/>
-          </p:spPr>
-          <p:txBody>
-            <a:bodyPr wrap="square" rtlCol="0">
-              <a:spAutoFit/>
-            </a:bodyPr>
-            <a:lstStyle/>
-            <a:p>
-              <a:r>
-                <a:rPr lang="en-US" sz="600" b="1" dirty="0" smtClean="0"/>
-                <a:t>s</a:t>
-              </a:r>
-              <a:r>
-                <a:rPr lang="en-US" sz="600" b="1" baseline="-25000" dirty="0" smtClean="0"/>
-                <a:t>7</a:t>
-              </a:r>
-              <a:endParaRPr lang="en-US" sz="600" b="1" dirty="0"/>
-            </a:p>
-          </p:txBody>
-        </p:sp>
-        <p:sp>
-          <p:nvSpPr>
-            <p:cNvPr id="168" name="TextBox 167"/>
-            <p:cNvSpPr txBox="1"/>
-            <p:nvPr/>
-          </p:nvSpPr>
-          <p:spPr>
-            <a:xfrm>
-              <a:off x="1071888" y="460149"/>
-              <a:ext cx="695325" cy="184666"/>
-            </a:xfrm>
-            <a:prstGeom prst="rect">
-              <a:avLst/>
-            </a:prstGeom>
-            <a:noFill/>
-          </p:spPr>
-          <p:txBody>
-            <a:bodyPr wrap="square" rtlCol="0">
-              <a:spAutoFit/>
-            </a:bodyPr>
-            <a:lstStyle/>
-            <a:p>
-              <a:r>
-                <a:rPr lang="en-US" sz="600" dirty="0" smtClean="0"/>
-                <a:t>[ ]</a:t>
-              </a:r>
-              <a:endParaRPr lang="en-US" sz="600" dirty="0"/>
-            </a:p>
-          </p:txBody>
-        </p:sp>
-      </p:grpSp>
-      <p:grpSp>
-        <p:nvGrpSpPr>
-          <p:cNvPr id="189" name="Group 188"/>
-          <p:cNvGrpSpPr/>
-          <p:nvPr/>
-        </p:nvGrpSpPr>
-        <p:grpSpPr>
-          <a:xfrm>
-            <a:off x="753295" y="6306743"/>
-            <a:ext cx="1002674" cy="533568"/>
-            <a:chOff x="764539" y="191699"/>
-            <a:chExt cx="1002674" cy="533568"/>
-          </a:xfrm>
-        </p:grpSpPr>
-        <p:sp>
-          <p:nvSpPr>
-            <p:cNvPr id="191" name="Rounded Rectangle 190"/>
-            <p:cNvSpPr/>
-            <p:nvPr/>
-          </p:nvSpPr>
-          <p:spPr>
-            <a:xfrm>
-              <a:off x="799343" y="236169"/>
-              <a:ext cx="877057" cy="449631"/>
-            </a:xfrm>
-            <a:prstGeom prst="roundRect">
-              <a:avLst>
-                <a:gd name="adj" fmla="val 7680"/>
-              </a:avLst>
-            </a:prstGeom>
-            <a:ln w="9525"/>
-          </p:spPr>
-          <p:style>
-            <a:lnRef idx="2">
-              <a:schemeClr val="dk1"/>
-            </a:lnRef>
-            <a:fillRef idx="1">
-              <a:schemeClr val="lt1"/>
-            </a:fillRef>
-            <a:effectRef idx="0">
-              <a:schemeClr val="dk1"/>
-            </a:effectRef>
-            <a:fontRef idx="minor">
-              <a:schemeClr val="dk1"/>
-            </a:fontRef>
-          </p:style>
-          <p:txBody>
-            <a:bodyPr rtlCol="0" anchor="ctr"/>
-            <a:lstStyle/>
-            <a:p>
-              <a:pPr algn="ctr"/>
-              <a:endParaRPr lang="en-US"/>
-            </a:p>
-          </p:txBody>
-        </p:sp>
-        <p:cxnSp>
-          <p:nvCxnSpPr>
-            <p:cNvPr id="192" name="Straight Connector 191"/>
-            <p:cNvCxnSpPr/>
-            <p:nvPr/>
-          </p:nvCxnSpPr>
-          <p:spPr>
-            <a:xfrm>
-              <a:off x="799343" y="342053"/>
-              <a:ext cx="880534" cy="0"/>
-            </a:xfrm>
-            <a:prstGeom prst="line">
-              <a:avLst/>
-            </a:prstGeom>
-          </p:spPr>
-          <p:style>
-            <a:lnRef idx="1">
-              <a:schemeClr val="dk1"/>
-            </a:lnRef>
-            <a:fillRef idx="0">
-              <a:schemeClr val="dk1"/>
-            </a:fillRef>
-            <a:effectRef idx="0">
-              <a:schemeClr val="dk1"/>
-            </a:effectRef>
-            <a:fontRef idx="minor">
-              <a:schemeClr val="tx1"/>
-            </a:fontRef>
-          </p:style>
-        </p:cxnSp>
-        <p:cxnSp>
-          <p:nvCxnSpPr>
-            <p:cNvPr id="193" name="Straight Connector 192"/>
-            <p:cNvCxnSpPr/>
-            <p:nvPr/>
-          </p:nvCxnSpPr>
-          <p:spPr>
-            <a:xfrm>
-              <a:off x="799343" y="514773"/>
-              <a:ext cx="880534" cy="0"/>
-            </a:xfrm>
-            <a:prstGeom prst="line">
-              <a:avLst/>
-            </a:prstGeom>
-          </p:spPr>
-          <p:style>
-            <a:lnRef idx="1">
-              <a:schemeClr val="dk1"/>
-            </a:lnRef>
-            <a:fillRef idx="0">
-              <a:schemeClr val="dk1"/>
-            </a:fillRef>
-            <a:effectRef idx="0">
-              <a:schemeClr val="dk1"/>
-            </a:effectRef>
-            <a:fontRef idx="minor">
-              <a:schemeClr val="tx1"/>
-            </a:fontRef>
-          </p:style>
-        </p:cxnSp>
-        <p:cxnSp>
-          <p:nvCxnSpPr>
-            <p:cNvPr id="194" name="Straight Connector 193"/>
-            <p:cNvCxnSpPr/>
-            <p:nvPr/>
-          </p:nvCxnSpPr>
-          <p:spPr>
-            <a:xfrm flipH="1" flipV="1">
-              <a:off x="914400" y="342053"/>
-              <a:ext cx="90" cy="343748"/>
-            </a:xfrm>
-            <a:prstGeom prst="line">
-              <a:avLst/>
-            </a:prstGeom>
-          </p:spPr>
-          <p:style>
-            <a:lnRef idx="1">
-              <a:schemeClr val="dk1"/>
-            </a:lnRef>
-            <a:fillRef idx="0">
-              <a:schemeClr val="dk1"/>
-            </a:fillRef>
-            <a:effectRef idx="0">
-              <a:schemeClr val="dk1"/>
-            </a:effectRef>
-            <a:fontRef idx="minor">
-              <a:schemeClr val="tx1"/>
-            </a:fontRef>
-          </p:style>
-        </p:cxnSp>
-        <p:cxnSp>
-          <p:nvCxnSpPr>
-            <p:cNvPr id="195" name="Straight Connector 194"/>
-            <p:cNvCxnSpPr/>
-            <p:nvPr/>
-          </p:nvCxnSpPr>
-          <p:spPr>
-            <a:xfrm flipH="1" flipV="1">
-              <a:off x="1141307" y="346285"/>
-              <a:ext cx="90" cy="343748"/>
-            </a:xfrm>
-            <a:prstGeom prst="line">
-              <a:avLst/>
-            </a:prstGeom>
-          </p:spPr>
-          <p:style>
-            <a:lnRef idx="1">
-              <a:schemeClr val="dk1"/>
-            </a:lnRef>
-            <a:fillRef idx="0">
-              <a:schemeClr val="dk1"/>
-            </a:fillRef>
-            <a:effectRef idx="0">
-              <a:schemeClr val="dk1"/>
-            </a:effectRef>
-            <a:fontRef idx="minor">
-              <a:schemeClr val="tx1"/>
-            </a:fontRef>
-          </p:style>
-        </p:cxnSp>
-        <p:cxnSp>
-          <p:nvCxnSpPr>
-            <p:cNvPr id="196" name="Straight Connector 195"/>
-            <p:cNvCxnSpPr/>
-            <p:nvPr/>
-          </p:nvCxnSpPr>
-          <p:spPr>
-            <a:xfrm>
-              <a:off x="914400" y="429894"/>
-              <a:ext cx="762000" cy="0"/>
-            </a:xfrm>
-            <a:prstGeom prst="line">
-              <a:avLst/>
-            </a:prstGeom>
-          </p:spPr>
-          <p:style>
-            <a:lnRef idx="1">
-              <a:schemeClr val="dk1"/>
-            </a:lnRef>
-            <a:fillRef idx="0">
-              <a:schemeClr val="dk1"/>
-            </a:fillRef>
-            <a:effectRef idx="0">
-              <a:schemeClr val="dk1"/>
-            </a:effectRef>
-            <a:fontRef idx="minor">
-              <a:schemeClr val="tx1"/>
-            </a:fontRef>
-          </p:style>
-        </p:cxnSp>
-        <p:sp>
-          <p:nvSpPr>
-            <p:cNvPr id="197" name="TextBox 196"/>
-            <p:cNvSpPr txBox="1"/>
-            <p:nvPr/>
-          </p:nvSpPr>
-          <p:spPr>
-            <a:xfrm rot="16200000">
-              <a:off x="712844" y="314937"/>
-              <a:ext cx="288056" cy="184666"/>
-            </a:xfrm>
-            <a:prstGeom prst="rect">
-              <a:avLst/>
-            </a:prstGeom>
-            <a:noFill/>
-          </p:spPr>
-          <p:txBody>
-            <a:bodyPr wrap="square" rtlCol="0">
-              <a:spAutoFit/>
-            </a:bodyPr>
-            <a:lstStyle/>
-            <a:p>
-              <a:r>
-                <a:rPr lang="en-US" sz="600" dirty="0" smtClean="0"/>
-                <a:t>r1</a:t>
-              </a:r>
-              <a:endParaRPr lang="en-US" sz="600" dirty="0"/>
-            </a:p>
-          </p:txBody>
-        </p:sp>
-        <p:sp>
-          <p:nvSpPr>
-            <p:cNvPr id="198" name="TextBox 197"/>
-            <p:cNvSpPr txBox="1"/>
-            <p:nvPr/>
-          </p:nvSpPr>
-          <p:spPr>
-            <a:xfrm rot="16200000">
-              <a:off x="714447" y="479686"/>
-              <a:ext cx="288056" cy="184666"/>
-            </a:xfrm>
-            <a:prstGeom prst="rect">
-              <a:avLst/>
-            </a:prstGeom>
-            <a:noFill/>
-          </p:spPr>
-          <p:txBody>
-            <a:bodyPr wrap="square" rtlCol="0">
-              <a:spAutoFit/>
-            </a:bodyPr>
-            <a:lstStyle/>
-            <a:p>
-              <a:r>
-                <a:rPr lang="en-US" sz="600" smtClean="0"/>
-                <a:t>r2</a:t>
-              </a:r>
-              <a:endParaRPr lang="en-US" sz="600" dirty="0"/>
-            </a:p>
-          </p:txBody>
-        </p:sp>
-        <p:cxnSp>
-          <p:nvCxnSpPr>
-            <p:cNvPr id="199" name="Straight Connector 198"/>
-            <p:cNvCxnSpPr/>
-            <p:nvPr/>
-          </p:nvCxnSpPr>
-          <p:spPr>
-            <a:xfrm>
-              <a:off x="914400" y="601344"/>
-              <a:ext cx="762000" cy="0"/>
-            </a:xfrm>
-            <a:prstGeom prst="line">
-              <a:avLst/>
-            </a:prstGeom>
-          </p:spPr>
-          <p:style>
-            <a:lnRef idx="1">
-              <a:schemeClr val="dk1"/>
-            </a:lnRef>
-            <a:fillRef idx="0">
-              <a:schemeClr val="dk1"/>
-            </a:fillRef>
-            <a:effectRef idx="0">
-              <a:schemeClr val="dk1"/>
-            </a:effectRef>
-            <a:fontRef idx="minor">
-              <a:schemeClr val="tx1"/>
-            </a:fontRef>
-          </p:style>
-        </p:cxnSp>
-        <p:sp>
-          <p:nvSpPr>
-            <p:cNvPr id="200" name="TextBox 199"/>
-            <p:cNvSpPr txBox="1"/>
-            <p:nvPr/>
-          </p:nvSpPr>
-          <p:spPr>
-            <a:xfrm>
-              <a:off x="840460" y="286716"/>
-              <a:ext cx="447603" cy="184666"/>
-            </a:xfrm>
-            <a:prstGeom prst="rect">
-              <a:avLst/>
-            </a:prstGeom>
-            <a:noFill/>
-          </p:spPr>
-          <p:txBody>
-            <a:bodyPr wrap="square" rtlCol="0">
-              <a:spAutoFit/>
-            </a:bodyPr>
-            <a:lstStyle/>
-            <a:p>
-              <a:r>
-                <a:rPr lang="en-US" sz="600" dirty="0" smtClean="0"/>
-                <a:t>queue</a:t>
-              </a:r>
-              <a:endParaRPr lang="en-US" sz="600" dirty="0"/>
-            </a:p>
-          </p:txBody>
-        </p:sp>
-        <p:sp>
-          <p:nvSpPr>
-            <p:cNvPr id="201" name="TextBox 200"/>
-            <p:cNvSpPr txBox="1"/>
-            <p:nvPr/>
-          </p:nvSpPr>
-          <p:spPr>
-            <a:xfrm>
-              <a:off x="840460" y="459792"/>
-              <a:ext cx="447603" cy="184666"/>
-            </a:xfrm>
-            <a:prstGeom prst="rect">
-              <a:avLst/>
-            </a:prstGeom>
-            <a:noFill/>
-          </p:spPr>
-          <p:txBody>
-            <a:bodyPr wrap="square" rtlCol="0">
-              <a:spAutoFit/>
-            </a:bodyPr>
-            <a:lstStyle/>
-            <a:p>
-              <a:r>
-                <a:rPr lang="en-US" sz="600" smtClean="0"/>
-                <a:t>queue</a:t>
-              </a:r>
-              <a:endParaRPr lang="en-US" sz="600" dirty="0"/>
-            </a:p>
-          </p:txBody>
-        </p:sp>
-        <p:sp>
-          <p:nvSpPr>
-            <p:cNvPr id="202" name="TextBox 201"/>
-            <p:cNvSpPr txBox="1"/>
-            <p:nvPr/>
-          </p:nvSpPr>
-          <p:spPr>
-            <a:xfrm>
-              <a:off x="898008" y="371912"/>
-              <a:ext cx="447603" cy="184666"/>
-            </a:xfrm>
-            <a:prstGeom prst="rect">
-              <a:avLst/>
-            </a:prstGeom>
-            <a:noFill/>
-          </p:spPr>
-          <p:txBody>
-            <a:bodyPr wrap="square" rtlCol="0">
-              <a:spAutoFit/>
-            </a:bodyPr>
-            <a:lstStyle/>
-            <a:p>
-              <a:r>
-                <a:rPr lang="en-US" sz="600" dirty="0" smtClean="0"/>
-                <a:t>pc</a:t>
-              </a:r>
-              <a:endParaRPr lang="en-US" sz="600" dirty="0"/>
-            </a:p>
-          </p:txBody>
-        </p:sp>
-        <p:sp>
-          <p:nvSpPr>
-            <p:cNvPr id="203" name="TextBox 202"/>
+            <p:cNvPr id="228" name="TextBox 227"/>
             <p:cNvSpPr txBox="1"/>
             <p:nvPr/>
           </p:nvSpPr>
@@ -7936,7 +8057,7 @@
           <mc:Choice Requires="a14">
             <p:sp>
               <p:nvSpPr>
-                <p:cNvPr id="204" name="TextBox 203"/>
+                <p:cNvPr id="229" name="TextBox 228"/>
                 <p:cNvSpPr txBox="1"/>
                 <p:nvPr/>
               </p:nvSpPr>
@@ -7984,7 +8105,7 @@
           <mc:Fallback xmlns="">
             <p:sp>
               <p:nvSpPr>
-                <p:cNvPr id="204" name="TextBox 203"/>
+                <p:cNvPr id="229" name="TextBox 228"/>
                 <p:cNvSpPr txBox="1">
                   <a:spLocks noRot="1" noChangeAspect="1" noMove="1" noResize="1" noEditPoints="1" noAdjustHandles="1" noChangeArrowheads="1" noChangeShapeType="1" noTextEdit="1"/>
                 </p:cNvSpPr>
@@ -7999,9 +8120,9 @@
                   <a:avLst/>
                 </a:prstGeom>
                 <a:blipFill rotWithShape="0">
-                  <a:blip r:embed="rId5"/>
+                  <a:blip r:embed="rId6"/>
                   <a:stretch>
-                    <a:fillRect b="-3333"/>
+                    <a:fillRect/>
                   </a:stretch>
                 </a:blipFill>
               </p:spPr>
@@ -8022,7 +8143,7 @@
         </mc:AlternateContent>
         <p:sp>
           <p:nvSpPr>
-            <p:cNvPr id="205" name="TextBox 204"/>
+            <p:cNvPr id="230" name="TextBox 229"/>
             <p:cNvSpPr txBox="1"/>
             <p:nvPr/>
           </p:nvSpPr>
@@ -8047,247 +8168,159 @@
                 <a:t>s</a:t>
               </a:r>
               <a:r>
-                <a:rPr lang="en-US" sz="600" b="1" baseline="-25000" dirty="0" smtClean="0"/>
-                <a:t>10</a:t>
+                <a:rPr lang="en-US" sz="600" b="1" baseline="-25000" dirty="0"/>
+                <a:t>8</a:t>
               </a:r>
               <a:endParaRPr lang="en-US" sz="600" b="1" dirty="0"/>
             </a:p>
           </p:txBody>
         </p:sp>
-        <p:sp>
-          <p:nvSpPr>
-            <p:cNvPr id="206" name="TextBox 205"/>
-            <p:cNvSpPr txBox="1"/>
-            <p:nvPr/>
-          </p:nvSpPr>
-          <p:spPr>
-            <a:xfrm>
-              <a:off x="1071888" y="460149"/>
-              <a:ext cx="695325" cy="184666"/>
-            </a:xfrm>
-            <a:prstGeom prst="rect">
-              <a:avLst/>
-            </a:prstGeom>
-            <a:noFill/>
-          </p:spPr>
-          <p:txBody>
-            <a:bodyPr wrap="square" rtlCol="0">
-              <a:spAutoFit/>
-            </a:bodyPr>
-            <a:lstStyle/>
-            <a:p>
-              <a:r>
-                <a:rPr lang="en-US" sz="600" dirty="0" smtClean="0"/>
-                <a:t>[ ]</a:t>
-              </a:r>
-              <a:endParaRPr lang="en-US" sz="600" dirty="0"/>
-            </a:p>
-          </p:txBody>
-        </p:sp>
+        <mc:AlternateContent xmlns:mc="http://schemas.openxmlformats.org/markup-compatibility/2006" xmlns:a14="http://schemas.microsoft.com/office/drawing/2010/main">
+          <mc:Choice Requires="a14">
+            <p:sp>
+              <p:nvSpPr>
+                <p:cNvPr id="231" name="TextBox 230"/>
+                <p:cNvSpPr txBox="1"/>
+                <p:nvPr/>
+              </p:nvSpPr>
+              <p:spPr>
+                <a:xfrm>
+                  <a:off x="1071888" y="460149"/>
+                  <a:ext cx="695325" cy="184666"/>
+                </a:xfrm>
+                <a:prstGeom prst="rect">
+                  <a:avLst/>
+                </a:prstGeom>
+                <a:noFill/>
+              </p:spPr>
+              <p:txBody>
+                <a:bodyPr wrap="square" rtlCol="0">
+                  <a:spAutoFit/>
+                </a:bodyPr>
+                <a:lstStyle/>
+                <a:p>
+                  <a:r>
+                    <a:rPr lang="en-US" sz="600" dirty="0" smtClean="0"/>
+                    <a:t>[(m3(), 4, </a:t>
+                  </a:r>
+                  <a14:m>
+                    <m:oMath xmlns:m="http://schemas.openxmlformats.org/officeDocument/2006/math">
+                      <m:r>
+                        <a:rPr lang="en-US" sz="600" i="1" smtClean="0">
+                          <a:latin typeface="Cambria Math" charset="0"/>
+                          <a:ea typeface="Cambria Math" charset="0"/>
+                          <a:cs typeface="Cambria Math" charset="0"/>
+                        </a:rPr>
+                        <m:t>∞</m:t>
+                      </m:r>
+                    </m:oMath>
+                  </a14:m>
+                  <a:r>
+                    <a:rPr lang="en-US" sz="600" dirty="0" smtClean="0"/>
+                    <a:t>)]</a:t>
+                  </a:r>
+                  <a:endParaRPr lang="en-US" sz="600" dirty="0"/>
+                </a:p>
+              </p:txBody>
+            </p:sp>
+          </mc:Choice>
+          <mc:Fallback xmlns="">
+            <p:sp>
+              <p:nvSpPr>
+                <p:cNvPr id="231" name="TextBox 230"/>
+                <p:cNvSpPr txBox="1">
+                  <a:spLocks noRot="1" noChangeAspect="1" noMove="1" noResize="1" noEditPoints="1" noAdjustHandles="1" noChangeArrowheads="1" noChangeShapeType="1" noTextEdit="1"/>
+                </p:cNvSpPr>
+                <p:nvPr/>
+              </p:nvSpPr>
+              <p:spPr>
+                <a:xfrm>
+                  <a:off x="1071888" y="460149"/>
+                  <a:ext cx="695325" cy="184666"/>
+                </a:xfrm>
+                <a:prstGeom prst="rect">
+                  <a:avLst/>
+                </a:prstGeom>
+                <a:blipFill rotWithShape="0">
+                  <a:blip r:embed="rId7"/>
+                  <a:stretch>
+                    <a:fillRect b="-3333"/>
+                  </a:stretch>
+                </a:blipFill>
+              </p:spPr>
+              <p:txBody>
+                <a:bodyPr/>
+                <a:lstStyle/>
+                <a:p>
+                  <a:r>
+                    <a:rPr lang="en-US">
+                      <a:noFill/>
+                    </a:rPr>
+                    <a:t> </a:t>
+                  </a:r>
+                </a:p>
+              </p:txBody>
+            </p:sp>
+          </mc:Fallback>
+        </mc:AlternateContent>
       </p:grpSp>
-      <p:sp>
-        <p:nvSpPr>
-          <p:cNvPr id="207" name="TextBox 206"/>
-          <p:cNvSpPr txBox="1"/>
+      <p:cxnSp>
+        <p:nvCxnSpPr>
+          <p:cNvPr id="215" name="Straight Arrow Connector 214"/>
+          <p:cNvCxnSpPr/>
           <p:nvPr/>
-        </p:nvSpPr>
+        </p:nvCxnSpPr>
         <p:spPr>
           <a:xfrm>
-            <a:off x="1067248" y="886709"/>
-            <a:ext cx="447603" cy="184666"/>
+            <a:off x="1428589" y="4494260"/>
+            <a:ext cx="147361" cy="200400"/>
           </a:xfrm>
-          <a:prstGeom prst="rect">
+          <a:prstGeom prst="straightConnector1">
             <a:avLst/>
           </a:prstGeom>
-          <a:noFill/>
+          <a:ln>
+            <a:headEnd w="sm" len="med"/>
+            <a:tailEnd type="triangle" w="sm" len="sm"/>
+          </a:ln>
         </p:spPr>
-        <p:txBody>
-          <a:bodyPr wrap="square" rtlCol="0">
-            <a:spAutoFit/>
-          </a:bodyPr>
-          <a:lstStyle/>
-          <a:p>
-            <a:r>
-              <a:rPr lang="en-US" sz="600" smtClean="0"/>
-              <a:t>m1:1</a:t>
-            </a:r>
-            <a:endParaRPr lang="en-US" sz="600" dirty="0"/>
-          </a:p>
-        </p:txBody>
-      </p:sp>
-      <p:sp>
-        <p:nvSpPr>
-          <p:cNvPr id="208" name="TextBox 207"/>
-          <p:cNvSpPr txBox="1"/>
-          <p:nvPr/>
-        </p:nvSpPr>
-        <p:spPr>
-          <a:xfrm>
-            <a:off x="1063453" y="1587150"/>
-            <a:ext cx="447603" cy="184666"/>
-          </a:xfrm>
-          <a:prstGeom prst="rect">
-            <a:avLst/>
-          </a:prstGeom>
-          <a:noFill/>
-        </p:spPr>
-        <p:txBody>
-          <a:bodyPr wrap="square" rtlCol="0">
-            <a:spAutoFit/>
-          </a:bodyPr>
-          <a:lstStyle/>
-          <a:p>
-            <a:r>
-              <a:rPr lang="en-US" sz="600" dirty="0" smtClean="0"/>
-              <a:t>m1:2</a:t>
-            </a:r>
-            <a:endParaRPr lang="en-US" sz="600" dirty="0"/>
-          </a:p>
-        </p:txBody>
-      </p:sp>
-      <p:sp>
-        <p:nvSpPr>
-          <p:cNvPr id="209" name="TextBox 208"/>
-          <p:cNvSpPr txBox="1"/>
-          <p:nvPr/>
-        </p:nvSpPr>
-        <p:spPr>
-          <a:xfrm>
-            <a:off x="1067248" y="2287895"/>
-            <a:ext cx="447603" cy="184666"/>
-          </a:xfrm>
-          <a:prstGeom prst="rect">
-            <a:avLst/>
-          </a:prstGeom>
-          <a:noFill/>
-        </p:spPr>
-        <p:txBody>
-          <a:bodyPr wrap="square" rtlCol="0">
-            <a:spAutoFit/>
-          </a:bodyPr>
-          <a:lstStyle/>
-          <a:p>
-            <a:r>
-              <a:rPr lang="en-US" sz="600" dirty="0" smtClean="0"/>
-              <a:t>m1:3</a:t>
-            </a:r>
-            <a:endParaRPr lang="en-US" sz="600" dirty="0"/>
-          </a:p>
-        </p:txBody>
-      </p:sp>
-      <p:sp>
-        <p:nvSpPr>
-          <p:cNvPr id="210" name="TextBox 209"/>
-          <p:cNvSpPr txBox="1"/>
-          <p:nvPr/>
-        </p:nvSpPr>
-        <p:spPr>
-          <a:xfrm>
-            <a:off x="1067153" y="2987559"/>
-            <a:ext cx="447603" cy="184666"/>
-          </a:xfrm>
-          <a:prstGeom prst="rect">
-            <a:avLst/>
-          </a:prstGeom>
-          <a:noFill/>
-        </p:spPr>
-        <p:txBody>
-          <a:bodyPr wrap="square" rtlCol="0">
-            <a:spAutoFit/>
-          </a:bodyPr>
-          <a:lstStyle/>
-          <a:p>
-            <a:r>
-              <a:rPr lang="en-US" sz="600" smtClean="0"/>
-              <a:t>m1:3</a:t>
-            </a:r>
-            <a:endParaRPr lang="en-US" sz="600" dirty="0"/>
-          </a:p>
-        </p:txBody>
-      </p:sp>
-      <p:sp>
-        <p:nvSpPr>
-          <p:cNvPr id="211" name="TextBox 210"/>
-          <p:cNvSpPr txBox="1"/>
-          <p:nvPr/>
-        </p:nvSpPr>
-        <p:spPr>
-          <a:xfrm>
-            <a:off x="1067105" y="3686778"/>
-            <a:ext cx="447603" cy="184666"/>
-          </a:xfrm>
-          <a:prstGeom prst="rect">
-            <a:avLst/>
-          </a:prstGeom>
-          <a:noFill/>
-        </p:spPr>
-        <p:txBody>
-          <a:bodyPr wrap="square" rtlCol="0">
-            <a:spAutoFit/>
-          </a:bodyPr>
-          <a:lstStyle/>
-          <a:p>
-            <a:r>
-              <a:rPr lang="en-US" sz="600" dirty="0" smtClean="0"/>
-              <a:t>m1:4</a:t>
-            </a:r>
-            <a:endParaRPr lang="en-US" sz="600" dirty="0"/>
-          </a:p>
-        </p:txBody>
-      </p:sp>
-      <p:sp>
-        <p:nvSpPr>
-          <p:cNvPr id="212" name="TextBox 211"/>
-          <p:cNvSpPr txBox="1"/>
-          <p:nvPr/>
-        </p:nvSpPr>
-        <p:spPr>
-          <a:xfrm>
-            <a:off x="1068397" y="4387652"/>
-            <a:ext cx="447603" cy="184666"/>
-          </a:xfrm>
-          <a:prstGeom prst="rect">
-            <a:avLst/>
-          </a:prstGeom>
-          <a:noFill/>
-        </p:spPr>
-        <p:txBody>
-          <a:bodyPr wrap="square" rtlCol="0">
-            <a:spAutoFit/>
-          </a:bodyPr>
-          <a:lstStyle/>
-          <a:p>
-            <a:r>
-              <a:rPr lang="en-US" sz="600" dirty="0" smtClean="0"/>
-              <a:t>m1:5</a:t>
-            </a:r>
-            <a:endParaRPr lang="en-US" sz="600" dirty="0"/>
-          </a:p>
-        </p:txBody>
-      </p:sp>
+        <p:style>
+          <a:lnRef idx="1">
+            <a:schemeClr val="dk1"/>
+          </a:lnRef>
+          <a:fillRef idx="0">
+            <a:schemeClr val="dk1"/>
+          </a:fillRef>
+          <a:effectRef idx="0">
+            <a:schemeClr val="dk1"/>
+          </a:effectRef>
+          <a:fontRef idx="minor">
+            <a:schemeClr val="tx1"/>
+          </a:fontRef>
+        </p:style>
+      </p:cxnSp>
       <p:grpSp>
         <p:nvGrpSpPr>
-          <p:cNvPr id="213" name="Group 212"/>
+          <p:cNvPr id="53" name="Group 52"/>
           <p:cNvGrpSpPr/>
           <p:nvPr/>
         </p:nvGrpSpPr>
         <p:grpSpPr>
           <a:xfrm>
-            <a:off x="1290906" y="4712368"/>
-            <a:ext cx="1002674" cy="728478"/>
-            <a:chOff x="764539" y="696158"/>
-            <a:chExt cx="1002674" cy="728478"/>
+            <a:off x="215144" y="4645168"/>
+            <a:ext cx="1002674" cy="533568"/>
+            <a:chOff x="237902" y="4907012"/>
+            <a:chExt cx="1002674" cy="533568"/>
           </a:xfrm>
         </p:grpSpPr>
         <p:grpSp>
           <p:nvGrpSpPr>
-            <p:cNvPr id="214" name="Group 213"/>
+            <p:cNvPr id="151" name="Group 150"/>
             <p:cNvGrpSpPr/>
             <p:nvPr/>
           </p:nvGrpSpPr>
           <p:grpSpPr>
             <a:xfrm>
-              <a:off x="764539" y="891068"/>
+              <a:off x="237902" y="4907012"/>
               <a:ext cx="1002674" cy="533568"/>
               <a:chOff x="764539" y="191699"/>
               <a:chExt cx="1002674" cy="533568"/>
@@ -8295,7 +8328,7 @@
           </p:grpSpPr>
           <p:sp>
             <p:nvSpPr>
-              <p:cNvPr id="216" name="Rounded Rectangle 215"/>
+              <p:cNvPr id="153" name="Rounded Rectangle 152"/>
               <p:cNvSpPr/>
               <p:nvPr/>
             </p:nvSpPr>
@@ -8336,7 +8369,7 @@
           </p:sp>
           <p:cxnSp>
             <p:nvCxnSpPr>
-              <p:cNvPr id="217" name="Straight Connector 216"/>
+              <p:cNvPr id="154" name="Straight Connector 153"/>
               <p:cNvCxnSpPr/>
               <p:nvPr/>
             </p:nvCxnSpPr>
@@ -8366,7 +8399,7 @@
           </p:cxnSp>
           <p:cxnSp>
             <p:nvCxnSpPr>
-              <p:cNvPr id="218" name="Straight Connector 217"/>
+              <p:cNvPr id="155" name="Straight Connector 154"/>
               <p:cNvCxnSpPr/>
               <p:nvPr/>
             </p:nvCxnSpPr>
@@ -8396,7 +8429,7 @@
           </p:cxnSp>
           <p:cxnSp>
             <p:nvCxnSpPr>
-              <p:cNvPr id="219" name="Straight Connector 218"/>
+              <p:cNvPr id="156" name="Straight Connector 155"/>
               <p:cNvCxnSpPr/>
               <p:nvPr/>
             </p:nvCxnSpPr>
@@ -8426,7 +8459,7 @@
           </p:cxnSp>
           <p:cxnSp>
             <p:nvCxnSpPr>
-              <p:cNvPr id="220" name="Straight Connector 219"/>
+              <p:cNvPr id="157" name="Straight Connector 156"/>
               <p:cNvCxnSpPr/>
               <p:nvPr/>
             </p:nvCxnSpPr>
@@ -8456,7 +8489,7 @@
           </p:cxnSp>
           <p:cxnSp>
             <p:nvCxnSpPr>
-              <p:cNvPr id="221" name="Straight Connector 220"/>
+              <p:cNvPr id="158" name="Straight Connector 157"/>
               <p:cNvCxnSpPr/>
               <p:nvPr/>
             </p:nvCxnSpPr>
@@ -8486,7 +8519,7 @@
           </p:cxnSp>
           <p:sp>
             <p:nvSpPr>
-              <p:cNvPr id="222" name="TextBox 221"/>
+              <p:cNvPr id="159" name="TextBox 158"/>
               <p:cNvSpPr txBox="1"/>
               <p:nvPr/>
             </p:nvSpPr>
@@ -8516,7 +8549,7 @@
           </p:sp>
           <p:sp>
             <p:nvSpPr>
-              <p:cNvPr id="223" name="TextBox 222"/>
+              <p:cNvPr id="160" name="TextBox 159"/>
               <p:cNvSpPr txBox="1"/>
               <p:nvPr/>
             </p:nvSpPr>
@@ -8546,7 +8579,7 @@
           </p:sp>
           <p:cxnSp>
             <p:nvCxnSpPr>
-              <p:cNvPr id="224" name="Straight Connector 223"/>
+              <p:cNvPr id="161" name="Straight Connector 160"/>
               <p:cNvCxnSpPr/>
               <p:nvPr/>
             </p:nvCxnSpPr>
@@ -8576,7 +8609,7 @@
           </p:cxnSp>
           <p:sp>
             <p:nvSpPr>
-              <p:cNvPr id="225" name="TextBox 224"/>
+              <p:cNvPr id="162" name="TextBox 161"/>
               <p:cNvSpPr txBox="1"/>
               <p:nvPr/>
             </p:nvSpPr>
@@ -8606,7 +8639,7 @@
           </p:sp>
           <p:sp>
             <p:nvSpPr>
-              <p:cNvPr id="226" name="TextBox 225"/>
+              <p:cNvPr id="163" name="TextBox 162"/>
               <p:cNvSpPr txBox="1"/>
               <p:nvPr/>
             </p:nvSpPr>
@@ -8636,7 +8669,7 @@
           </p:sp>
           <p:sp>
             <p:nvSpPr>
-              <p:cNvPr id="227" name="TextBox 226"/>
+              <p:cNvPr id="164" name="TextBox 163"/>
               <p:cNvSpPr txBox="1"/>
               <p:nvPr/>
             </p:nvSpPr>
@@ -8666,7 +8699,7 @@
           </p:sp>
           <p:sp>
             <p:nvSpPr>
-              <p:cNvPr id="228" name="TextBox 227"/>
+              <p:cNvPr id="165" name="TextBox 164"/>
               <p:cNvSpPr txBox="1"/>
               <p:nvPr/>
             </p:nvSpPr>
@@ -8694,97 +8727,39 @@
               </a:p>
             </p:txBody>
           </p:sp>
-          <mc:AlternateContent xmlns:mc="http://schemas.openxmlformats.org/markup-compatibility/2006" xmlns:a14="http://schemas.microsoft.com/office/drawing/2010/main">
-            <mc:Choice Requires="a14">
-              <p:sp>
-                <p:nvSpPr>
-                  <p:cNvPr id="229" name="TextBox 228"/>
-                  <p:cNvSpPr txBox="1"/>
-                  <p:nvPr/>
-                </p:nvSpPr>
-                <p:spPr>
-                  <a:xfrm>
-                    <a:off x="1071888" y="285128"/>
-                    <a:ext cx="695325" cy="184666"/>
-                  </a:xfrm>
-                  <a:prstGeom prst="rect">
-                    <a:avLst/>
-                  </a:prstGeom>
-                  <a:noFill/>
-                </p:spPr>
-                <p:txBody>
-                  <a:bodyPr wrap="square" rtlCol="0">
-                    <a:spAutoFit/>
-                  </a:bodyPr>
-                  <a:lstStyle/>
-                  <a:p>
-                    <a:r>
-                      <a:rPr lang="en-US" sz="600" dirty="0" smtClean="0"/>
-                      <a:t>[(m1(), 14, </a:t>
-                    </a:r>
-                    <a14:m>
-                      <m:oMath xmlns:m="http://schemas.openxmlformats.org/officeDocument/2006/math">
-                        <m:r>
-                          <a:rPr lang="en-US" sz="600" i="1" smtClean="0">
-                            <a:latin typeface="Cambria Math" charset="0"/>
-                            <a:ea typeface="Cambria Math" charset="0"/>
-                            <a:cs typeface="Cambria Math" charset="0"/>
-                          </a:rPr>
-                          <m:t>∞</m:t>
-                        </m:r>
-                      </m:oMath>
-                    </a14:m>
-                    <a:r>
-                      <a:rPr lang="en-US" sz="600" dirty="0" smtClean="0"/>
-                      <a:t>)]</a:t>
-                    </a:r>
-                    <a:endParaRPr lang="en-US" sz="600" dirty="0"/>
-                  </a:p>
-                </p:txBody>
-              </p:sp>
-            </mc:Choice>
-            <mc:Fallback xmlns="">
-              <p:sp>
-                <p:nvSpPr>
-                  <p:cNvPr id="229" name="TextBox 228"/>
-                  <p:cNvSpPr txBox="1">
-                    <a:spLocks noRot="1" noChangeAspect="1" noMove="1" noResize="1" noEditPoints="1" noAdjustHandles="1" noChangeArrowheads="1" noChangeShapeType="1" noTextEdit="1"/>
-                  </p:cNvSpPr>
-                  <p:nvPr/>
-                </p:nvSpPr>
-                <p:spPr>
-                  <a:xfrm>
-                    <a:off x="1071888" y="285128"/>
-                    <a:ext cx="695325" cy="184666"/>
-                  </a:xfrm>
-                  <a:prstGeom prst="rect">
-                    <a:avLst/>
-                  </a:prstGeom>
-                  <a:blipFill rotWithShape="0">
-                    <a:blip r:embed="rId6"/>
-                    <a:stretch>
-                      <a:fillRect/>
-                    </a:stretch>
-                  </a:blipFill>
-                </p:spPr>
-                <p:txBody>
-                  <a:bodyPr/>
-                  <a:lstStyle/>
-                  <a:p>
-                    <a:r>
-                      <a:rPr lang="en-US">
-                        <a:noFill/>
-                      </a:rPr>
-                      <a:t> </a:t>
-                    </a:r>
-                  </a:p>
-                </p:txBody>
-              </p:sp>
-            </mc:Fallback>
-          </mc:AlternateContent>
           <p:sp>
             <p:nvSpPr>
-              <p:cNvPr id="230" name="TextBox 229"/>
+              <p:cNvPr id="166" name="TextBox 165"/>
+              <p:cNvSpPr txBox="1"/>
+              <p:nvPr/>
+            </p:nvSpPr>
+            <p:spPr>
+              <a:xfrm>
+                <a:off x="1071888" y="285128"/>
+                <a:ext cx="695325" cy="184666"/>
+              </a:xfrm>
+              <a:prstGeom prst="rect">
+                <a:avLst/>
+              </a:prstGeom>
+              <a:noFill/>
+            </p:spPr>
+            <p:txBody>
+              <a:bodyPr wrap="square" rtlCol="0">
+                <a:spAutoFit/>
+              </a:bodyPr>
+              <a:lstStyle/>
+              <a:p>
+                <a:r>
+                  <a:rPr lang="en-US" sz="600" dirty="0" smtClean="0"/>
+                  <a:t>[ ]</a:t>
+                </a:r>
+                <a:endParaRPr lang="en-US" sz="600" dirty="0"/>
+              </a:p>
+            </p:txBody>
+          </p:sp>
+          <p:sp>
+            <p:nvSpPr>
+              <p:cNvPr id="167" name="TextBox 166"/>
               <p:cNvSpPr txBox="1"/>
               <p:nvPr/>
             </p:nvSpPr>
@@ -8809,201 +8784,75 @@
                   <a:t>s</a:t>
                 </a:r>
                 <a:r>
-                  <a:rPr lang="en-US" sz="600" b="1" baseline="-25000" dirty="0"/>
-                  <a:t>8</a:t>
+                  <a:rPr lang="en-US" sz="600" b="1" baseline="-25000" dirty="0" smtClean="0"/>
+                  <a:t>7</a:t>
                 </a:r>
                 <a:endParaRPr lang="en-US" sz="600" b="1" dirty="0"/>
               </a:p>
             </p:txBody>
           </p:sp>
-          <mc:AlternateContent xmlns:mc="http://schemas.openxmlformats.org/markup-compatibility/2006" xmlns:a14="http://schemas.microsoft.com/office/drawing/2010/main">
-            <mc:Choice Requires="a14">
-              <p:sp>
-                <p:nvSpPr>
-                  <p:cNvPr id="231" name="TextBox 230"/>
-                  <p:cNvSpPr txBox="1"/>
-                  <p:nvPr/>
-                </p:nvSpPr>
-                <p:spPr>
-                  <a:xfrm>
-                    <a:off x="1071888" y="460149"/>
-                    <a:ext cx="695325" cy="184666"/>
-                  </a:xfrm>
-                  <a:prstGeom prst="rect">
-                    <a:avLst/>
-                  </a:prstGeom>
-                  <a:noFill/>
-                </p:spPr>
-                <p:txBody>
-                  <a:bodyPr wrap="square" rtlCol="0">
-                    <a:spAutoFit/>
-                  </a:bodyPr>
-                  <a:lstStyle/>
-                  <a:p>
-                    <a:r>
-                      <a:rPr lang="en-US" sz="600" dirty="0" smtClean="0"/>
-                      <a:t>[(m3(), 4, </a:t>
-                    </a:r>
-                    <a14:m>
-                      <m:oMath xmlns:m="http://schemas.openxmlformats.org/officeDocument/2006/math">
-                        <m:r>
-                          <a:rPr lang="en-US" sz="600" i="1" smtClean="0">
-                            <a:latin typeface="Cambria Math" charset="0"/>
-                            <a:ea typeface="Cambria Math" charset="0"/>
-                            <a:cs typeface="Cambria Math" charset="0"/>
-                          </a:rPr>
-                          <m:t>∞</m:t>
-                        </m:r>
-                      </m:oMath>
-                    </a14:m>
-                    <a:r>
-                      <a:rPr lang="en-US" sz="600" dirty="0" smtClean="0"/>
-                      <a:t>)]</a:t>
-                    </a:r>
-                    <a:endParaRPr lang="en-US" sz="600" dirty="0"/>
-                  </a:p>
-                </p:txBody>
-              </p:sp>
-            </mc:Choice>
-            <mc:Fallback xmlns="">
-              <p:sp>
-                <p:nvSpPr>
-                  <p:cNvPr id="231" name="TextBox 230"/>
-                  <p:cNvSpPr txBox="1">
-                    <a:spLocks noRot="1" noChangeAspect="1" noMove="1" noResize="1" noEditPoints="1" noAdjustHandles="1" noChangeArrowheads="1" noChangeShapeType="1" noTextEdit="1"/>
-                  </p:cNvSpPr>
-                  <p:nvPr/>
-                </p:nvSpPr>
-                <p:spPr>
-                  <a:xfrm>
-                    <a:off x="1071888" y="460149"/>
-                    <a:ext cx="695325" cy="184666"/>
-                  </a:xfrm>
-                  <a:prstGeom prst="rect">
-                    <a:avLst/>
-                  </a:prstGeom>
-                  <a:blipFill rotWithShape="0">
-                    <a:blip r:embed="rId7"/>
-                    <a:stretch>
-                      <a:fillRect b="-3333"/>
-                    </a:stretch>
-                  </a:blipFill>
-                </p:spPr>
-                <p:txBody>
-                  <a:bodyPr/>
-                  <a:lstStyle/>
-                  <a:p>
-                    <a:r>
-                      <a:rPr lang="en-US">
-                        <a:noFill/>
-                      </a:rPr>
-                      <a:t> </a:t>
-                    </a:r>
-                  </a:p>
-                </p:txBody>
-              </p:sp>
-            </mc:Fallback>
-          </mc:AlternateContent>
+          <p:sp>
+            <p:nvSpPr>
+              <p:cNvPr id="168" name="TextBox 167"/>
+              <p:cNvSpPr txBox="1"/>
+              <p:nvPr/>
+            </p:nvSpPr>
+            <p:spPr>
+              <a:xfrm>
+                <a:off x="1071888" y="460149"/>
+                <a:ext cx="695325" cy="184666"/>
+              </a:xfrm>
+              <a:prstGeom prst="rect">
+                <a:avLst/>
+              </a:prstGeom>
+              <a:noFill/>
+            </p:spPr>
+            <p:txBody>
+              <a:bodyPr wrap="square" rtlCol="0">
+                <a:spAutoFit/>
+              </a:bodyPr>
+              <a:lstStyle/>
+              <a:p>
+                <a:r>
+                  <a:rPr lang="en-US" sz="600" dirty="0" smtClean="0"/>
+                  <a:t>[ ]</a:t>
+                </a:r>
+                <a:endParaRPr lang="en-US" sz="600" dirty="0"/>
+              </a:p>
+            </p:txBody>
+          </p:sp>
         </p:grpSp>
-        <p:cxnSp>
-          <p:nvCxnSpPr>
-            <p:cNvPr id="215" name="Straight Arrow Connector 214"/>
-            <p:cNvCxnSpPr/>
+        <p:sp>
+          <p:nvSpPr>
+            <p:cNvPr id="235" name="TextBox 234"/>
+            <p:cNvSpPr txBox="1"/>
             <p:nvPr/>
-          </p:nvCxnSpPr>
+          </p:nvSpPr>
           <p:spPr>
             <a:xfrm>
-              <a:off x="897148" y="696158"/>
-              <a:ext cx="345245" cy="223505"/>
+              <a:off x="550393" y="5088336"/>
+              <a:ext cx="447603" cy="184666"/>
             </a:xfrm>
-            <a:prstGeom prst="straightConnector1">
+            <a:prstGeom prst="rect">
               <a:avLst/>
             </a:prstGeom>
-            <a:ln>
-              <a:headEnd w="sm" len="med"/>
-              <a:tailEnd type="triangle" w="sm" len="sm"/>
-            </a:ln>
+            <a:noFill/>
           </p:spPr>
-          <p:style>
-            <a:lnRef idx="1">
-              <a:schemeClr val="dk1"/>
-            </a:lnRef>
-            <a:fillRef idx="0">
-              <a:schemeClr val="dk1"/>
-            </a:fillRef>
-            <a:effectRef idx="0">
-              <a:schemeClr val="dk1"/>
-            </a:effectRef>
-            <a:fontRef idx="minor">
-              <a:schemeClr val="tx1"/>
-            </a:fontRef>
-          </p:style>
-        </p:cxnSp>
+          <p:txBody>
+            <a:bodyPr wrap="square" rtlCol="0">
+              <a:spAutoFit/>
+            </a:bodyPr>
+            <a:lstStyle/>
+            <a:p>
+              <a:r>
+                <a:rPr lang="en-US" sz="600" dirty="0" smtClean="0"/>
+                <a:t>m1:5</a:t>
+              </a:r>
+              <a:endParaRPr lang="en-US" sz="600" dirty="0"/>
+            </a:p>
+          </p:txBody>
+        </p:sp>
       </p:grpSp>
-      <p:cxnSp>
-        <p:nvCxnSpPr>
-          <p:cNvPr id="234" name="Straight Arrow Connector 233"/>
-          <p:cNvCxnSpPr/>
-          <p:nvPr/>
-        </p:nvCxnSpPr>
-        <p:spPr>
-          <a:xfrm flipH="1">
-            <a:off x="680501" y="4711054"/>
-            <a:ext cx="345245" cy="223505"/>
-          </a:xfrm>
-          <a:prstGeom prst="straightConnector1">
-            <a:avLst/>
-          </a:prstGeom>
-          <a:ln>
-            <a:headEnd w="sm" len="med"/>
-            <a:tailEnd type="triangle" w="sm" len="sm"/>
-          </a:ln>
-        </p:spPr>
-        <p:style>
-          <a:lnRef idx="1">
-            <a:schemeClr val="dk1"/>
-          </a:lnRef>
-          <a:fillRef idx="0">
-            <a:schemeClr val="dk1"/>
-          </a:fillRef>
-          <a:effectRef idx="0">
-            <a:schemeClr val="dk1"/>
-          </a:effectRef>
-          <a:fontRef idx="minor">
-            <a:schemeClr val="tx1"/>
-          </a:fontRef>
-        </p:style>
-      </p:cxnSp>
-      <p:sp>
-        <p:nvSpPr>
-          <p:cNvPr id="235" name="TextBox 234"/>
-          <p:cNvSpPr txBox="1"/>
-          <p:nvPr/>
-        </p:nvSpPr>
-        <p:spPr>
-          <a:xfrm>
-            <a:off x="550393" y="5088336"/>
-            <a:ext cx="447603" cy="184666"/>
-          </a:xfrm>
-          <a:prstGeom prst="rect">
-            <a:avLst/>
-          </a:prstGeom>
-          <a:noFill/>
-        </p:spPr>
-        <p:txBody>
-          <a:bodyPr wrap="square" rtlCol="0">
-            <a:spAutoFit/>
-          </a:bodyPr>
-          <a:lstStyle/>
-          <a:p>
-            <a:r>
-              <a:rPr lang="en-US" sz="600" dirty="0" smtClean="0"/>
-              <a:t>m1:5</a:t>
-            </a:r>
-            <a:endParaRPr lang="en-US" sz="600" dirty="0"/>
-          </a:p>
-        </p:txBody>
-      </p:sp>
       <p:grpSp>
         <p:nvGrpSpPr>
           <p:cNvPr id="255" name="Group 254"/>
@@ -9012,7 +8861,7 @@
         </p:nvGrpSpPr>
         <p:grpSpPr>
           <a:xfrm>
-            <a:off x="761426" y="5611208"/>
+            <a:off x="756276" y="5296903"/>
             <a:ext cx="1002674" cy="533568"/>
             <a:chOff x="764539" y="191699"/>
             <a:chExt cx="1002674" cy="533568"/>
@@ -9572,108 +9421,6 @@
           </p:txBody>
         </p:sp>
       </p:grpSp>
-      <p:cxnSp>
-        <p:nvCxnSpPr>
-          <p:cNvPr id="273" name="Straight Arrow Connector 272"/>
-          <p:cNvCxnSpPr/>
-          <p:nvPr/>
-        </p:nvCxnSpPr>
-        <p:spPr>
-          <a:xfrm>
-            <a:off x="1240576" y="6124054"/>
-            <a:ext cx="0" cy="219491"/>
-          </a:xfrm>
-          <a:prstGeom prst="straightConnector1">
-            <a:avLst/>
-          </a:prstGeom>
-          <a:ln>
-            <a:headEnd w="sm" len="med"/>
-            <a:tailEnd type="triangle" w="sm" len="sm"/>
-          </a:ln>
-        </p:spPr>
-        <p:style>
-          <a:lnRef idx="1">
-            <a:schemeClr val="dk1"/>
-          </a:lnRef>
-          <a:fillRef idx="0">
-            <a:schemeClr val="dk1"/>
-          </a:fillRef>
-          <a:effectRef idx="0">
-            <a:schemeClr val="dk1"/>
-          </a:effectRef>
-          <a:fontRef idx="minor">
-            <a:schemeClr val="tx1"/>
-          </a:fontRef>
-        </p:style>
-      </p:cxnSp>
-      <p:cxnSp>
-        <p:nvCxnSpPr>
-          <p:cNvPr id="275" name="Straight Arrow Connector 274"/>
-          <p:cNvCxnSpPr/>
-          <p:nvPr/>
-        </p:nvCxnSpPr>
-        <p:spPr>
-          <a:xfrm>
-            <a:off x="691355" y="5412801"/>
-            <a:ext cx="345245" cy="223505"/>
-          </a:xfrm>
-          <a:prstGeom prst="straightConnector1">
-            <a:avLst/>
-          </a:prstGeom>
-          <a:ln>
-            <a:headEnd w="sm" len="med"/>
-            <a:tailEnd type="triangle" w="sm" len="sm"/>
-          </a:ln>
-        </p:spPr>
-        <p:style>
-          <a:lnRef idx="1">
-            <a:schemeClr val="dk1"/>
-          </a:lnRef>
-          <a:fillRef idx="0">
-            <a:schemeClr val="dk1"/>
-          </a:fillRef>
-          <a:effectRef idx="0">
-            <a:schemeClr val="dk1"/>
-          </a:effectRef>
-          <a:fontRef idx="minor">
-            <a:schemeClr val="tx1"/>
-          </a:fontRef>
-        </p:style>
-      </p:cxnSp>
-      <p:cxnSp>
-        <p:nvCxnSpPr>
-          <p:cNvPr id="276" name="Straight Arrow Connector 275"/>
-          <p:cNvCxnSpPr/>
-          <p:nvPr/>
-        </p:nvCxnSpPr>
-        <p:spPr>
-          <a:xfrm flipH="1">
-            <a:off x="1377084" y="5414731"/>
-            <a:ext cx="345245" cy="223505"/>
-          </a:xfrm>
-          <a:prstGeom prst="straightConnector1">
-            <a:avLst/>
-          </a:prstGeom>
-          <a:ln>
-            <a:headEnd w="sm" len="med"/>
-            <a:tailEnd type="triangle" w="sm" len="sm"/>
-          </a:ln>
-        </p:spPr>
-        <p:style>
-          <a:lnRef idx="1">
-            <a:schemeClr val="dk1"/>
-          </a:lnRef>
-          <a:fillRef idx="0">
-            <a:schemeClr val="dk1"/>
-          </a:fillRef>
-          <a:effectRef idx="0">
-            <a:schemeClr val="dk1"/>
-          </a:effectRef>
-          <a:fontRef idx="minor">
-            <a:schemeClr val="tx1"/>
-          </a:fontRef>
-        </p:style>
-      </p:cxnSp>
       <p:sp>
         <p:nvSpPr>
           <p:cNvPr id="277" name="Rounded Rectangle 276"/>
@@ -9683,7 +9430,7 @@
         <p:spPr>
           <a:xfrm>
             <a:off x="22482" y="18557"/>
-            <a:ext cx="2219457" cy="1196189"/>
+            <a:ext cx="2219457" cy="1166027"/>
           </a:xfrm>
           <a:prstGeom prst="roundRect">
             <a:avLst>
@@ -9731,7 +9478,7 @@
         </p:nvSpPr>
         <p:spPr>
           <a:xfrm rot="16200000">
-            <a:off x="-161090" y="481251"/>
+            <a:off x="-161482" y="465011"/>
             <a:ext cx="601487" cy="230832"/>
           </a:xfrm>
           <a:prstGeom prst="rect">
@@ -9849,7 +9596,7 @@
         </p:nvSpPr>
         <p:spPr>
           <a:xfrm>
-            <a:off x="1149763" y="1210003"/>
+            <a:off x="1161907" y="1156534"/>
             <a:ext cx="695325" cy="184666"/>
           </a:xfrm>
           <a:prstGeom prst="rect">
@@ -9871,8 +9618,8 @@
           </a:p>
         </p:txBody>
       </p:sp>
-      <mc:AlternateContent xmlns:mc="http://schemas.openxmlformats.org/markup-compatibility/2006" xmlns:a14="http://schemas.microsoft.com/office/drawing/2010/main">
-        <mc:Choice Requires="a14">
+      <mc:AlternateContent xmlns:mc="http://schemas.openxmlformats.org/markup-compatibility/2006">
+        <mc:Choice xmlns:a14="http://schemas.microsoft.com/office/drawing/2010/main" Requires="a14">
           <p:sp>
             <p:nvSpPr>
               <p:cNvPr id="282" name="TextBox 281"/>
@@ -9881,7 +9628,7 @@
             </p:nvSpPr>
             <p:spPr>
               <a:xfrm>
-                <a:off x="1166100" y="1926143"/>
+                <a:off x="1156295" y="1810311"/>
                 <a:ext cx="695325" cy="184666"/>
               </a:xfrm>
               <a:prstGeom prst="rect">
@@ -9916,7 +9663,7 @@
             </p:txBody>
           </p:sp>
         </mc:Choice>
-        <mc:Fallback xmlns="">
+        <mc:Fallback>
           <p:sp>
             <p:nvSpPr>
               <p:cNvPr id="282" name="TextBox 281"/>
@@ -9927,7 +9674,7 @@
             </p:nvSpPr>
             <p:spPr>
               <a:xfrm>
-                <a:off x="1166100" y="1926143"/>
+                <a:off x="1156295" y="1810311"/>
                 <a:ext cx="695325" cy="184666"/>
               </a:xfrm>
               <a:prstGeom prst="rect">
@@ -9955,8 +9702,8 @@
           </p:sp>
         </mc:Fallback>
       </mc:AlternateContent>
-      <mc:AlternateContent xmlns:mc="http://schemas.openxmlformats.org/markup-compatibility/2006" xmlns:a14="http://schemas.microsoft.com/office/drawing/2010/main">
-        <mc:Choice Requires="a14">
+      <mc:AlternateContent xmlns:mc="http://schemas.openxmlformats.org/markup-compatibility/2006">
+        <mc:Choice xmlns:a14="http://schemas.microsoft.com/office/drawing/2010/main" Requires="a14">
           <p:sp>
             <p:nvSpPr>
               <p:cNvPr id="283" name="TextBox 282"/>
@@ -9965,7 +9712,7 @@
             </p:nvSpPr>
             <p:spPr>
               <a:xfrm>
-                <a:off x="1165195" y="2612843"/>
+                <a:off x="1157465" y="2499869"/>
                 <a:ext cx="695325" cy="184666"/>
               </a:xfrm>
               <a:prstGeom prst="rect">
@@ -10004,7 +9751,7 @@
             </p:txBody>
           </p:sp>
         </mc:Choice>
-        <mc:Fallback xmlns="">
+        <mc:Fallback>
           <p:sp>
             <p:nvSpPr>
               <p:cNvPr id="283" name="TextBox 282"/>
@@ -10015,7 +9762,7 @@
             </p:nvSpPr>
             <p:spPr>
               <a:xfrm>
-                <a:off x="1165195" y="2612843"/>
+                <a:off x="1157465" y="2499869"/>
                 <a:ext cx="695325" cy="184666"/>
               </a:xfrm>
               <a:prstGeom prst="rect">
@@ -10051,7 +9798,7 @@
         </p:nvSpPr>
         <p:spPr>
           <a:xfrm>
-            <a:off x="1162322" y="3294283"/>
+            <a:off x="1155453" y="3167606"/>
             <a:ext cx="695325" cy="184666"/>
           </a:xfrm>
           <a:prstGeom prst="rect">
@@ -10073,8 +9820,8 @@
           </a:p>
         </p:txBody>
       </p:sp>
-      <mc:AlternateContent xmlns:mc="http://schemas.openxmlformats.org/markup-compatibility/2006" xmlns:a14="http://schemas.microsoft.com/office/drawing/2010/main">
-        <mc:Choice Requires="a14">
+      <mc:AlternateContent xmlns:mc="http://schemas.openxmlformats.org/markup-compatibility/2006">
+        <mc:Choice xmlns:a14="http://schemas.microsoft.com/office/drawing/2010/main" Requires="a14">
           <p:sp>
             <p:nvSpPr>
               <p:cNvPr id="285" name="TextBox 284"/>
@@ -10083,7 +9830,7 @@
             </p:nvSpPr>
             <p:spPr>
               <a:xfrm>
-                <a:off x="1162321" y="4025664"/>
+                <a:off x="1147102" y="3822944"/>
                 <a:ext cx="695325" cy="184666"/>
               </a:xfrm>
               <a:prstGeom prst="rect">
@@ -10118,7 +9865,7 @@
             </p:txBody>
           </p:sp>
         </mc:Choice>
-        <mc:Fallback xmlns="">
+        <mc:Fallback>
           <p:sp>
             <p:nvSpPr>
               <p:cNvPr id="285" name="TextBox 284"/>
@@ -10129,7 +9876,7 @@
             </p:nvSpPr>
             <p:spPr>
               <a:xfrm>
-                <a:off x="1162321" y="4025664"/>
+                <a:off x="1147102" y="3822944"/>
                 <a:ext cx="695325" cy="184666"/>
               </a:xfrm>
               <a:prstGeom prst="rect">
@@ -10138,7 +9885,7 @@
               <a:blipFill rotWithShape="0">
                 <a:blip r:embed="rId11"/>
                 <a:stretch>
-                  <a:fillRect/>
+                  <a:fillRect b="-3333"/>
                 </a:stretch>
               </a:blipFill>
             </p:spPr>
@@ -10157,8 +9904,8 @@
           </p:sp>
         </mc:Fallback>
       </mc:AlternateContent>
-      <mc:AlternateContent xmlns:mc="http://schemas.openxmlformats.org/markup-compatibility/2006" xmlns:a14="http://schemas.microsoft.com/office/drawing/2010/main">
-        <mc:Choice Requires="a14">
+      <mc:AlternateContent xmlns:mc="http://schemas.openxmlformats.org/markup-compatibility/2006">
+        <mc:Choice xmlns:a14="http://schemas.microsoft.com/office/drawing/2010/main" Requires="a14">
           <p:sp>
             <p:nvSpPr>
               <p:cNvPr id="286" name="TextBox 285"/>
@@ -10167,7 +9914,7 @@
             </p:nvSpPr>
             <p:spPr>
               <a:xfrm>
-                <a:off x="1546614" y="4714081"/>
+                <a:off x="1452461" y="4487182"/>
                 <a:ext cx="695325" cy="184666"/>
               </a:xfrm>
               <a:prstGeom prst="rect">
@@ -10202,7 +9949,7 @@
             </p:txBody>
           </p:sp>
         </mc:Choice>
-        <mc:Fallback xmlns="">
+        <mc:Fallback>
           <p:sp>
             <p:nvSpPr>
               <p:cNvPr id="286" name="TextBox 285"/>
@@ -10213,7 +9960,7 @@
             </p:nvSpPr>
             <p:spPr>
               <a:xfrm>
-                <a:off x="1546614" y="4714081"/>
+                <a:off x="1452461" y="4487182"/>
                 <a:ext cx="695325" cy="184666"/>
               </a:xfrm>
               <a:prstGeom prst="rect">
@@ -10222,7 +9969,7 @@
               <a:blipFill rotWithShape="0">
                 <a:blip r:embed="rId11"/>
                 <a:stretch>
-                  <a:fillRect/>
+                  <a:fillRect b="-3333"/>
                 </a:stretch>
               </a:blipFill>
             </p:spPr>
@@ -10241,8 +9988,8 @@
           </p:sp>
         </mc:Fallback>
       </mc:AlternateContent>
-      <mc:AlternateContent xmlns:mc="http://schemas.openxmlformats.org/markup-compatibility/2006" xmlns:a14="http://schemas.microsoft.com/office/drawing/2010/main">
-        <mc:Choice Requires="a14">
+      <mc:AlternateContent xmlns:mc="http://schemas.openxmlformats.org/markup-compatibility/2006">
+        <mc:Choice xmlns:a14="http://schemas.microsoft.com/office/drawing/2010/main" Requires="a14">
           <p:sp>
             <p:nvSpPr>
               <p:cNvPr id="287" name="TextBox 286"/>
@@ -10251,7 +9998,7 @@
             </p:nvSpPr>
             <p:spPr>
               <a:xfrm>
-                <a:off x="581494" y="5451641"/>
+                <a:off x="677441" y="5138801"/>
                 <a:ext cx="695325" cy="184666"/>
               </a:xfrm>
               <a:prstGeom prst="rect">
@@ -10286,7 +10033,7 @@
             </p:txBody>
           </p:sp>
         </mc:Choice>
-        <mc:Fallback xmlns="">
+        <mc:Fallback>
           <p:sp>
             <p:nvSpPr>
               <p:cNvPr id="287" name="TextBox 286"/>
@@ -10297,16 +10044,16 @@
             </p:nvSpPr>
             <p:spPr>
               <a:xfrm>
-                <a:off x="581494" y="5451641"/>
+                <a:off x="677441" y="5138801"/>
                 <a:ext cx="695325" cy="184666"/>
               </a:xfrm>
               <a:prstGeom prst="rect">
                 <a:avLst/>
               </a:prstGeom>
               <a:blipFill rotWithShape="0">
-                <a:blip r:embed="rId12"/>
+                <a:blip r:embed="rId11"/>
                 <a:stretch>
-                  <a:fillRect/>
+                  <a:fillRect b="-3333"/>
                 </a:stretch>
               </a:blipFill>
             </p:spPr>
@@ -10325,8 +10072,8 @@
           </p:sp>
         </mc:Fallback>
       </mc:AlternateContent>
-      <mc:AlternateContent xmlns:mc="http://schemas.openxmlformats.org/markup-compatibility/2006" xmlns:a14="http://schemas.microsoft.com/office/drawing/2010/main">
-        <mc:Choice Requires="a14">
+      <mc:AlternateContent xmlns:mc="http://schemas.openxmlformats.org/markup-compatibility/2006">
+        <mc:Choice xmlns:a14="http://schemas.microsoft.com/office/drawing/2010/main" Requires="a14">
           <p:sp>
             <p:nvSpPr>
               <p:cNvPr id="288" name="TextBox 287"/>
@@ -10335,7 +10082,7 @@
             </p:nvSpPr>
             <p:spPr>
               <a:xfrm>
-                <a:off x="318978" y="4694098"/>
+                <a:off x="472816" y="4484808"/>
                 <a:ext cx="695325" cy="184666"/>
               </a:xfrm>
               <a:prstGeom prst="rect">
@@ -10374,7 +10121,7 @@
             </p:txBody>
           </p:sp>
         </mc:Choice>
-        <mc:Fallback xmlns="">
+        <mc:Fallback>
           <p:sp>
             <p:nvSpPr>
               <p:cNvPr id="288" name="TextBox 287"/>
@@ -10385,14 +10132,14 @@
             </p:nvSpPr>
             <p:spPr>
               <a:xfrm>
-                <a:off x="318978" y="4694098"/>
+                <a:off x="472816" y="4484808"/>
                 <a:ext cx="695325" cy="184666"/>
               </a:xfrm>
               <a:prstGeom prst="rect">
                 <a:avLst/>
               </a:prstGeom>
               <a:blipFill rotWithShape="0">
-                <a:blip r:embed="rId13"/>
+                <a:blip r:embed="rId12"/>
                 <a:stretch>
                   <a:fillRect b="-3333"/>
                 </a:stretch>
@@ -10413,8 +10160,8 @@
           </p:sp>
         </mc:Fallback>
       </mc:AlternateContent>
-      <mc:AlternateContent xmlns:mc="http://schemas.openxmlformats.org/markup-compatibility/2006" xmlns:a14="http://schemas.microsoft.com/office/drawing/2010/main">
-        <mc:Choice Requires="a14">
+      <mc:AlternateContent xmlns:mc="http://schemas.openxmlformats.org/markup-compatibility/2006">
+        <mc:Choice xmlns:a14="http://schemas.microsoft.com/office/drawing/2010/main" Requires="a14">
           <p:sp>
             <p:nvSpPr>
               <p:cNvPr id="289" name="TextBox 288"/>
@@ -10423,7 +10170,7 @@
             </p:nvSpPr>
             <p:spPr>
               <a:xfrm>
-                <a:off x="1507442" y="5449353"/>
+                <a:off x="1468016" y="5139063"/>
                 <a:ext cx="695325" cy="184666"/>
               </a:xfrm>
               <a:prstGeom prst="rect">
@@ -10466,7 +10213,7 @@
             </p:txBody>
           </p:sp>
         </mc:Choice>
-        <mc:Fallback xmlns="">
+        <mc:Fallback>
           <p:sp>
             <p:nvSpPr>
               <p:cNvPr id="289" name="TextBox 288"/>
@@ -10477,7 +10224,7 @@
             </p:nvSpPr>
             <p:spPr>
               <a:xfrm>
-                <a:off x="1507442" y="5449353"/>
+                <a:off x="1468016" y="5139063"/>
                 <a:ext cx="695325" cy="184666"/>
               </a:xfrm>
               <a:prstGeom prst="rect">
@@ -10513,7 +10260,7 @@
         </p:nvSpPr>
         <p:spPr>
           <a:xfrm>
-            <a:off x="1167478" y="6127626"/>
+            <a:off x="1170225" y="5802605"/>
             <a:ext cx="695325" cy="184666"/>
           </a:xfrm>
           <a:prstGeom prst="rect">
@@ -10543,8 +10290,8 @@
         </p:nvSpPr>
         <p:spPr>
           <a:xfrm>
-            <a:off x="28105" y="1406207"/>
-            <a:ext cx="2213834" cy="1920126"/>
+            <a:off x="28105" y="1326687"/>
+            <a:ext cx="2213834" cy="1874436"/>
           </a:xfrm>
           <a:prstGeom prst="roundRect">
             <a:avLst>
@@ -10592,7 +10339,7 @@
         </p:nvSpPr>
         <p:spPr>
           <a:xfrm rot="16200000">
-            <a:off x="-147983" y="2250854"/>
+            <a:off x="-137836" y="2132937"/>
             <a:ext cx="580900" cy="230832"/>
           </a:xfrm>
           <a:prstGeom prst="rect">
@@ -10608,11 +10355,7 @@
           <a:p>
             <a:r>
               <a:rPr lang="en-US" sz="900" dirty="0" smtClean="0"/>
-              <a:t>Time </a:t>
-            </a:r>
-            <a:r>
-              <a:rPr lang="en-US" sz="900" smtClean="0"/>
-              <a:t>= 2</a:t>
+              <a:t>Time = 2</a:t>
             </a:r>
             <a:endParaRPr lang="en-US" sz="900" dirty="0"/>
           </a:p>
@@ -10626,8 +10369,8 @@
         </p:nvSpPr>
         <p:spPr>
           <a:xfrm>
-            <a:off x="28712" y="3494534"/>
-            <a:ext cx="2213227" cy="2637188"/>
+            <a:off x="28105" y="3335153"/>
+            <a:ext cx="2213227" cy="2490156"/>
           </a:xfrm>
           <a:prstGeom prst="roundRect">
             <a:avLst>
@@ -10675,7 +10418,7 @@
         </p:nvSpPr>
         <p:spPr>
           <a:xfrm rot="16200000">
-            <a:off x="-279680" y="4514619"/>
+            <a:off x="-283707" y="4319596"/>
             <a:ext cx="797834" cy="230832"/>
           </a:xfrm>
           <a:prstGeom prst="rect">
@@ -10713,8 +10456,8 @@
         </p:nvSpPr>
         <p:spPr>
           <a:xfrm>
-            <a:off x="22482" y="6304379"/>
-            <a:ext cx="2219457" cy="1196189"/>
+            <a:off x="25804" y="5968597"/>
+            <a:ext cx="2219457" cy="949381"/>
           </a:xfrm>
           <a:prstGeom prst="roundRect">
             <a:avLst>
@@ -10762,7 +10505,7 @@
         </p:nvSpPr>
         <p:spPr>
           <a:xfrm rot="16200000">
-            <a:off x="-216578" y="6429051"/>
+            <a:off x="-231920" y="6173323"/>
             <a:ext cx="699369" cy="230832"/>
           </a:xfrm>
           <a:prstGeom prst="rect">
@@ -17206,7 +16949,7 @@
                 <a:avLst/>
               </a:prstGeom>
               <a:blipFill rotWithShape="0">
-                <a:blip r:embed="rId10"/>
+                <a:blip r:embed="rId27"/>
                 <a:stretch>
                   <a:fillRect b="-3333"/>
                 </a:stretch>
@@ -17294,7 +17037,7 @@
                 <a:avLst/>
               </a:prstGeom>
               <a:blipFill rotWithShape="0">
-                <a:blip r:embed="rId13"/>
+                <a:blip r:embed="rId28"/>
                 <a:stretch>
                   <a:fillRect b="-3333"/>
                 </a:stretch>
@@ -17382,7 +17125,7 @@
                 <a:avLst/>
               </a:prstGeom>
               <a:blipFill rotWithShape="0">
-                <a:blip r:embed="rId27"/>
+                <a:blip r:embed="rId29"/>
                 <a:stretch>
                   <a:fillRect b="-3333"/>
                 </a:stretch>
@@ -17518,7 +17261,7 @@
                 <a:avLst/>
               </a:prstGeom>
               <a:blipFill rotWithShape="0">
-                <a:blip r:embed="rId28"/>
+                <a:blip r:embed="rId30"/>
                 <a:stretch>
                   <a:fillRect r="-3333"/>
                 </a:stretch>
@@ -18022,7 +17765,7 @@
                   <a:avLst/>
                 </a:prstGeom>
                 <a:blipFill rotWithShape="0">
-                  <a:blip r:embed="rId29"/>
+                  <a:blip r:embed="rId31"/>
                   <a:stretch>
                     <a:fillRect b="-3333"/>
                   </a:stretch>
@@ -18254,7 +17997,6 @@
               <a:rPr lang="en-US" sz="600" dirty="0"/>
               <a:t>4</a:t>
             </a:r>
-            <a:endParaRPr lang="en-US" sz="600" dirty="0"/>
           </a:p>
         </p:txBody>
       </p:sp>
@@ -18284,7 +18026,6 @@
               <a:rPr lang="en-US" sz="600" dirty="0"/>
               <a:t>2</a:t>
             </a:r>
-            <a:endParaRPr lang="en-US" sz="600" dirty="0"/>
           </a:p>
         </p:txBody>
       </p:sp>
@@ -18314,7 +18055,6 @@
               <a:rPr lang="en-US" sz="600" dirty="0"/>
               <a:t>4</a:t>
             </a:r>
-            <a:endParaRPr lang="en-US" sz="600" dirty="0"/>
           </a:p>
         </p:txBody>
       </p:sp>
@@ -18344,7 +18084,6 @@
               <a:rPr lang="en-US" sz="600" dirty="0"/>
               <a:t>4</a:t>
             </a:r>
-            <a:endParaRPr lang="en-US" sz="600" dirty="0"/>
           </a:p>
         </p:txBody>
       </p:sp>
@@ -18404,7 +18143,6 @@
               <a:rPr lang="en-US" sz="600" dirty="0"/>
               <a:t>4</a:t>
             </a:r>
-            <a:endParaRPr lang="en-US" sz="600" dirty="0"/>
           </a:p>
         </p:txBody>
       </p:sp>
@@ -18464,7 +18202,6 @@
               <a:rPr lang="en-US" sz="600" dirty="0"/>
               <a:t>4</a:t>
             </a:r>
-            <a:endParaRPr lang="en-US" sz="600" dirty="0"/>
           </a:p>
         </p:txBody>
       </p:sp>
@@ -18494,7 +18231,6 @@
               <a:rPr lang="en-US" sz="600" dirty="0"/>
               <a:t>4</a:t>
             </a:r>
-            <a:endParaRPr lang="en-US" sz="600" dirty="0"/>
           </a:p>
         </p:txBody>
       </p:sp>
@@ -18524,7 +18260,6 @@
               <a:rPr lang="en-US" sz="600" dirty="0"/>
               <a:t>4</a:t>
             </a:r>
-            <a:endParaRPr lang="en-US" sz="600" dirty="0"/>
           </a:p>
         </p:txBody>
       </p:sp>
@@ -18554,7 +18289,6 @@
               <a:rPr lang="en-US" sz="600" dirty="0"/>
               <a:t>4</a:t>
             </a:r>
-            <a:endParaRPr lang="en-US" sz="600" dirty="0"/>
           </a:p>
         </p:txBody>
       </p:sp>
@@ -18584,7 +18318,6 @@
               <a:rPr lang="en-US" sz="600" dirty="0"/>
               <a:t>2</a:t>
             </a:r>
-            <a:endParaRPr lang="en-US" sz="600" dirty="0"/>
           </a:p>
         </p:txBody>
       </p:sp>
@@ -18708,6 +18441,278 @@
           </a:p>
         </p:txBody>
       </p:sp>
+      <p:cxnSp>
+        <p:nvCxnSpPr>
+          <p:cNvPr id="528" name="Straight Arrow Connector 527"/>
+          <p:cNvCxnSpPr/>
+          <p:nvPr/>
+        </p:nvCxnSpPr>
+        <p:spPr>
+          <a:xfrm>
+            <a:off x="1221747" y="2483133"/>
+            <a:ext cx="0" cy="215424"/>
+          </a:xfrm>
+          <a:prstGeom prst="straightConnector1">
+            <a:avLst/>
+          </a:prstGeom>
+          <a:ln>
+            <a:headEnd w="sm" len="med"/>
+            <a:tailEnd type="triangle" w="sm" len="sm"/>
+          </a:ln>
+        </p:spPr>
+        <p:style>
+          <a:lnRef idx="1">
+            <a:schemeClr val="dk1"/>
+          </a:lnRef>
+          <a:fillRef idx="0">
+            <a:schemeClr val="dk1"/>
+          </a:fillRef>
+          <a:effectRef idx="0">
+            <a:schemeClr val="dk1"/>
+          </a:effectRef>
+          <a:fontRef idx="minor">
+            <a:schemeClr val="tx1"/>
+          </a:fontRef>
+        </p:style>
+      </p:cxnSp>
+      <p:cxnSp>
+        <p:nvCxnSpPr>
+          <p:cNvPr id="535" name="Straight Arrow Connector 534"/>
+          <p:cNvCxnSpPr/>
+          <p:nvPr/>
+        </p:nvCxnSpPr>
+        <p:spPr>
+          <a:xfrm>
+            <a:off x="1221747" y="3156632"/>
+            <a:ext cx="0" cy="215424"/>
+          </a:xfrm>
+          <a:prstGeom prst="straightConnector1">
+            <a:avLst/>
+          </a:prstGeom>
+          <a:ln>
+            <a:headEnd w="sm" len="med"/>
+            <a:tailEnd type="triangle" w="sm" len="sm"/>
+          </a:ln>
+        </p:spPr>
+        <p:style>
+          <a:lnRef idx="1">
+            <a:schemeClr val="dk1"/>
+          </a:lnRef>
+          <a:fillRef idx="0">
+            <a:schemeClr val="dk1"/>
+          </a:fillRef>
+          <a:effectRef idx="0">
+            <a:schemeClr val="dk1"/>
+          </a:effectRef>
+          <a:fontRef idx="minor">
+            <a:schemeClr val="tx1"/>
+          </a:fontRef>
+        </p:style>
+      </p:cxnSp>
+      <p:cxnSp>
+        <p:nvCxnSpPr>
+          <p:cNvPr id="536" name="Straight Arrow Connector 535"/>
+          <p:cNvCxnSpPr/>
+          <p:nvPr/>
+        </p:nvCxnSpPr>
+        <p:spPr>
+          <a:xfrm>
+            <a:off x="1240576" y="5791004"/>
+            <a:ext cx="0" cy="215424"/>
+          </a:xfrm>
+          <a:prstGeom prst="straightConnector1">
+            <a:avLst/>
+          </a:prstGeom>
+          <a:ln>
+            <a:headEnd w="sm" len="med"/>
+            <a:tailEnd type="triangle" w="sm" len="sm"/>
+          </a:ln>
+        </p:spPr>
+        <p:style>
+          <a:lnRef idx="1">
+            <a:schemeClr val="dk1"/>
+          </a:lnRef>
+          <a:fillRef idx="0">
+            <a:schemeClr val="dk1"/>
+          </a:fillRef>
+          <a:effectRef idx="0">
+            <a:schemeClr val="dk1"/>
+          </a:effectRef>
+          <a:fontRef idx="minor">
+            <a:schemeClr val="tx1"/>
+          </a:fontRef>
+        </p:style>
+      </p:cxnSp>
+      <p:cxnSp>
+        <p:nvCxnSpPr>
+          <p:cNvPr id="537" name="Straight Arrow Connector 536"/>
+          <p:cNvCxnSpPr/>
+          <p:nvPr/>
+        </p:nvCxnSpPr>
+        <p:spPr>
+          <a:xfrm>
+            <a:off x="1215189" y="3825508"/>
+            <a:ext cx="0" cy="215424"/>
+          </a:xfrm>
+          <a:prstGeom prst="straightConnector1">
+            <a:avLst/>
+          </a:prstGeom>
+          <a:ln>
+            <a:headEnd w="sm" len="med"/>
+            <a:tailEnd type="triangle" w="sm" len="sm"/>
+          </a:ln>
+        </p:spPr>
+        <p:style>
+          <a:lnRef idx="1">
+            <a:schemeClr val="dk1"/>
+          </a:lnRef>
+          <a:fillRef idx="0">
+            <a:schemeClr val="dk1"/>
+          </a:fillRef>
+          <a:effectRef idx="0">
+            <a:schemeClr val="dk1"/>
+          </a:effectRef>
+          <a:fontRef idx="minor">
+            <a:schemeClr val="tx1"/>
+          </a:fontRef>
+        </p:style>
+      </p:cxnSp>
+      <p:cxnSp>
+        <p:nvCxnSpPr>
+          <p:cNvPr id="542" name="Straight Arrow Connector 541"/>
+          <p:cNvCxnSpPr/>
+          <p:nvPr/>
+        </p:nvCxnSpPr>
+        <p:spPr>
+          <a:xfrm flipH="1">
+            <a:off x="890048" y="4492258"/>
+            <a:ext cx="147361" cy="200400"/>
+          </a:xfrm>
+          <a:prstGeom prst="straightConnector1">
+            <a:avLst/>
+          </a:prstGeom>
+          <a:ln>
+            <a:headEnd w="sm" len="med"/>
+            <a:tailEnd type="triangle" w="sm" len="sm"/>
+          </a:ln>
+        </p:spPr>
+        <p:style>
+          <a:lnRef idx="1">
+            <a:schemeClr val="dk1"/>
+          </a:lnRef>
+          <a:fillRef idx="0">
+            <a:schemeClr val="dk1"/>
+          </a:fillRef>
+          <a:effectRef idx="0">
+            <a:schemeClr val="dk1"/>
+          </a:effectRef>
+          <a:fontRef idx="minor">
+            <a:schemeClr val="tx1"/>
+          </a:fontRef>
+        </p:style>
+      </p:cxnSp>
+      <p:cxnSp>
+        <p:nvCxnSpPr>
+          <p:cNvPr id="545" name="Straight Arrow Connector 544"/>
+          <p:cNvCxnSpPr/>
+          <p:nvPr/>
+        </p:nvCxnSpPr>
+        <p:spPr>
+          <a:xfrm flipH="1">
+            <a:off x="1428589" y="5142757"/>
+            <a:ext cx="147361" cy="200400"/>
+          </a:xfrm>
+          <a:prstGeom prst="straightConnector1">
+            <a:avLst/>
+          </a:prstGeom>
+          <a:ln>
+            <a:headEnd w="sm" len="med"/>
+            <a:tailEnd type="triangle" w="sm" len="sm"/>
+          </a:ln>
+        </p:spPr>
+        <p:style>
+          <a:lnRef idx="1">
+            <a:schemeClr val="dk1"/>
+          </a:lnRef>
+          <a:fillRef idx="0">
+            <a:schemeClr val="dk1"/>
+          </a:fillRef>
+          <a:effectRef idx="0">
+            <a:schemeClr val="dk1"/>
+          </a:effectRef>
+          <a:fontRef idx="minor">
+            <a:schemeClr val="tx1"/>
+          </a:fontRef>
+        </p:style>
+      </p:cxnSp>
+      <p:cxnSp>
+        <p:nvCxnSpPr>
+          <p:cNvPr id="546" name="Straight Arrow Connector 545"/>
+          <p:cNvCxnSpPr/>
+          <p:nvPr/>
+        </p:nvCxnSpPr>
+        <p:spPr>
+          <a:xfrm>
+            <a:off x="890048" y="5140755"/>
+            <a:ext cx="147361" cy="200400"/>
+          </a:xfrm>
+          <a:prstGeom prst="straightConnector1">
+            <a:avLst/>
+          </a:prstGeom>
+          <a:ln>
+            <a:headEnd w="sm" len="med"/>
+            <a:tailEnd type="triangle" w="sm" len="sm"/>
+          </a:ln>
+        </p:spPr>
+        <p:style>
+          <a:lnRef idx="1">
+            <a:schemeClr val="dk1"/>
+          </a:lnRef>
+          <a:fillRef idx="0">
+            <a:schemeClr val="dk1"/>
+          </a:fillRef>
+          <a:effectRef idx="0">
+            <a:schemeClr val="dk1"/>
+          </a:effectRef>
+          <a:fontRef idx="minor">
+            <a:schemeClr val="tx1"/>
+          </a:fontRef>
+        </p:style>
+      </p:cxnSp>
+      <p:cxnSp>
+        <p:nvCxnSpPr>
+          <p:cNvPr id="549" name="Straight Arrow Connector 548"/>
+          <p:cNvCxnSpPr/>
+          <p:nvPr/>
+        </p:nvCxnSpPr>
+        <p:spPr>
+          <a:xfrm>
+            <a:off x="1235379" y="6456807"/>
+            <a:ext cx="0" cy="215424"/>
+          </a:xfrm>
+          <a:prstGeom prst="straightConnector1">
+            <a:avLst/>
+          </a:prstGeom>
+          <a:ln>
+            <a:headEnd w="sm" len="med"/>
+            <a:tailEnd type="triangle" w="sm" len="sm"/>
+          </a:ln>
+        </p:spPr>
+        <p:style>
+          <a:lnRef idx="1">
+            <a:schemeClr val="dk1"/>
+          </a:lnRef>
+          <a:fillRef idx="0">
+            <a:schemeClr val="dk1"/>
+          </a:fillRef>
+          <a:effectRef idx="0">
+            <a:schemeClr val="dk1"/>
+          </a:effectRef>
+          <a:fontRef idx="minor">
+            <a:schemeClr val="tx1"/>
+          </a:fontRef>
+        </p:style>
+      </p:cxnSp>
     </p:spTree>
     <p:extLst>
       <p:ext uri="{BB962C8B-B14F-4D97-AF65-F5344CB8AC3E}">

--- a/resources/TTS-FTTS.pptx
+++ b/resources/TTS-FTTS.pptx
@@ -243,7 +243,7 @@
           <a:p>
             <a:fld id="{AD14C881-0530-CB45-892A-1D1C999216F2}" type="datetimeFigureOut">
               <a:rPr lang="en-US" smtClean="0"/>
-              <a:t>6/29/19</a:t>
+              <a:t>7/1/19</a:t>
             </a:fld>
             <a:endParaRPr lang="en-US"/>
           </a:p>
@@ -413,7 +413,7 @@
           <a:p>
             <a:fld id="{AD14C881-0530-CB45-892A-1D1C999216F2}" type="datetimeFigureOut">
               <a:rPr lang="en-US" smtClean="0"/>
-              <a:t>6/29/19</a:t>
+              <a:t>7/1/19</a:t>
             </a:fld>
             <a:endParaRPr lang="en-US"/>
           </a:p>
@@ -593,7 +593,7 @@
           <a:p>
             <a:fld id="{AD14C881-0530-CB45-892A-1D1C999216F2}" type="datetimeFigureOut">
               <a:rPr lang="en-US" smtClean="0"/>
-              <a:t>6/29/19</a:t>
+              <a:t>7/1/19</a:t>
             </a:fld>
             <a:endParaRPr lang="en-US"/>
           </a:p>
@@ -763,7 +763,7 @@
           <a:p>
             <a:fld id="{AD14C881-0530-CB45-892A-1D1C999216F2}" type="datetimeFigureOut">
               <a:rPr lang="en-US" smtClean="0"/>
-              <a:t>6/29/19</a:t>
+              <a:t>7/1/19</a:t>
             </a:fld>
             <a:endParaRPr lang="en-US"/>
           </a:p>
@@ -1009,7 +1009,7 @@
           <a:p>
             <a:fld id="{AD14C881-0530-CB45-892A-1D1C999216F2}" type="datetimeFigureOut">
               <a:rPr lang="en-US" smtClean="0"/>
-              <a:t>6/29/19</a:t>
+              <a:t>7/1/19</a:t>
             </a:fld>
             <a:endParaRPr lang="en-US"/>
           </a:p>
@@ -1241,7 +1241,7 @@
           <a:p>
             <a:fld id="{AD14C881-0530-CB45-892A-1D1C999216F2}" type="datetimeFigureOut">
               <a:rPr lang="en-US" smtClean="0"/>
-              <a:t>6/29/19</a:t>
+              <a:t>7/1/19</a:t>
             </a:fld>
             <a:endParaRPr lang="en-US"/>
           </a:p>
@@ -1608,7 +1608,7 @@
           <a:p>
             <a:fld id="{AD14C881-0530-CB45-892A-1D1C999216F2}" type="datetimeFigureOut">
               <a:rPr lang="en-US" smtClean="0"/>
-              <a:t>6/29/19</a:t>
+              <a:t>7/1/19</a:t>
             </a:fld>
             <a:endParaRPr lang="en-US"/>
           </a:p>
@@ -1726,7 +1726,7 @@
           <a:p>
             <a:fld id="{AD14C881-0530-CB45-892A-1D1C999216F2}" type="datetimeFigureOut">
               <a:rPr lang="en-US" smtClean="0"/>
-              <a:t>6/29/19</a:t>
+              <a:t>7/1/19</a:t>
             </a:fld>
             <a:endParaRPr lang="en-US"/>
           </a:p>
@@ -1821,7 +1821,7 @@
           <a:p>
             <a:fld id="{AD14C881-0530-CB45-892A-1D1C999216F2}" type="datetimeFigureOut">
               <a:rPr lang="en-US" smtClean="0"/>
-              <a:t>6/29/19</a:t>
+              <a:t>7/1/19</a:t>
             </a:fld>
             <a:endParaRPr lang="en-US"/>
           </a:p>
@@ -2098,7 +2098,7 @@
           <a:p>
             <a:fld id="{AD14C881-0530-CB45-892A-1D1C999216F2}" type="datetimeFigureOut">
               <a:rPr lang="en-US" smtClean="0"/>
-              <a:t>6/29/19</a:t>
+              <a:t>7/1/19</a:t>
             </a:fld>
             <a:endParaRPr lang="en-US"/>
           </a:p>
@@ -2351,7 +2351,7 @@
           <a:p>
             <a:fld id="{AD14C881-0530-CB45-892A-1D1C999216F2}" type="datetimeFigureOut">
               <a:rPr lang="en-US" smtClean="0"/>
-              <a:t>6/29/19</a:t>
+              <a:t>7/1/19</a:t>
             </a:fld>
             <a:endParaRPr lang="en-US"/>
           </a:p>
@@ -2564,7 +2564,7 @@
           <a:p>
             <a:fld id="{AD14C881-0530-CB45-892A-1D1C999216F2}" type="datetimeFigureOut">
               <a:rPr lang="en-US" smtClean="0"/>
-              <a:t>6/29/19</a:t>
+              <a:t>7/1/19</a:t>
             </a:fld>
             <a:endParaRPr lang="en-US"/>
           </a:p>
@@ -3384,8 +3384,8 @@
             </a:p>
           </p:txBody>
         </p:sp>
-        <mc:AlternateContent xmlns:mc="http://schemas.openxmlformats.org/markup-compatibility/2006">
-          <mc:Choice xmlns:a14="http://schemas.microsoft.com/office/drawing/2010/main" Requires="a14">
+        <mc:AlternateContent xmlns:mc="http://schemas.openxmlformats.org/markup-compatibility/2006" xmlns:a14="http://schemas.microsoft.com/office/drawing/2010/main">
+          <mc:Choice Requires="a14">
             <p:sp>
               <p:nvSpPr>
                 <p:cNvPr id="28" name="TextBox 27"/>
@@ -3433,7 +3433,7 @@
               </p:txBody>
             </p:sp>
           </mc:Choice>
-          <mc:Fallback>
+          <mc:Fallback xmlns="">
             <p:sp>
               <p:nvSpPr>
                 <p:cNvPr id="28" name="TextBox 27"/>
@@ -3639,516 +3639,6 @@
           </a:fontRef>
         </p:style>
       </p:cxnSp>
-      <p:grpSp>
-        <p:nvGrpSpPr>
-          <p:cNvPr id="113" name="Group 112"/>
-          <p:cNvGrpSpPr/>
-          <p:nvPr/>
-        </p:nvGrpSpPr>
-        <p:grpSpPr>
-          <a:xfrm>
-            <a:off x="759235" y="3331407"/>
-            <a:ext cx="1002674" cy="533568"/>
-            <a:chOff x="764539" y="191699"/>
-            <a:chExt cx="1002674" cy="533568"/>
-          </a:xfrm>
-        </p:grpSpPr>
-        <p:sp>
-          <p:nvSpPr>
-            <p:cNvPr id="115" name="Rounded Rectangle 114"/>
-            <p:cNvSpPr/>
-            <p:nvPr/>
-          </p:nvSpPr>
-          <p:spPr>
-            <a:xfrm>
-              <a:off x="799343" y="236169"/>
-              <a:ext cx="877057" cy="449631"/>
-            </a:xfrm>
-            <a:prstGeom prst="roundRect">
-              <a:avLst>
-                <a:gd name="adj" fmla="val 7680"/>
-              </a:avLst>
-            </a:prstGeom>
-            <a:ln w="9525"/>
-          </p:spPr>
-          <p:style>
-            <a:lnRef idx="2">
-              <a:schemeClr val="dk1"/>
-            </a:lnRef>
-            <a:fillRef idx="1">
-              <a:schemeClr val="lt1"/>
-            </a:fillRef>
-            <a:effectRef idx="0">
-              <a:schemeClr val="dk1"/>
-            </a:effectRef>
-            <a:fontRef idx="minor">
-              <a:schemeClr val="dk1"/>
-            </a:fontRef>
-          </p:style>
-          <p:txBody>
-            <a:bodyPr rtlCol="0" anchor="ctr"/>
-            <a:lstStyle/>
-            <a:p>
-              <a:pPr algn="ctr"/>
-              <a:endParaRPr lang="en-US"/>
-            </a:p>
-          </p:txBody>
-        </p:sp>
-        <p:cxnSp>
-          <p:nvCxnSpPr>
-            <p:cNvPr id="116" name="Straight Connector 115"/>
-            <p:cNvCxnSpPr/>
-            <p:nvPr/>
-          </p:nvCxnSpPr>
-          <p:spPr>
-            <a:xfrm>
-              <a:off x="799343" y="342053"/>
-              <a:ext cx="880534" cy="0"/>
-            </a:xfrm>
-            <a:prstGeom prst="line">
-              <a:avLst/>
-            </a:prstGeom>
-          </p:spPr>
-          <p:style>
-            <a:lnRef idx="1">
-              <a:schemeClr val="dk1"/>
-            </a:lnRef>
-            <a:fillRef idx="0">
-              <a:schemeClr val="dk1"/>
-            </a:fillRef>
-            <a:effectRef idx="0">
-              <a:schemeClr val="dk1"/>
-            </a:effectRef>
-            <a:fontRef idx="minor">
-              <a:schemeClr val="tx1"/>
-            </a:fontRef>
-          </p:style>
-        </p:cxnSp>
-        <p:cxnSp>
-          <p:nvCxnSpPr>
-            <p:cNvPr id="117" name="Straight Connector 116"/>
-            <p:cNvCxnSpPr/>
-            <p:nvPr/>
-          </p:nvCxnSpPr>
-          <p:spPr>
-            <a:xfrm>
-              <a:off x="799343" y="514773"/>
-              <a:ext cx="880534" cy="0"/>
-            </a:xfrm>
-            <a:prstGeom prst="line">
-              <a:avLst/>
-            </a:prstGeom>
-          </p:spPr>
-          <p:style>
-            <a:lnRef idx="1">
-              <a:schemeClr val="dk1"/>
-            </a:lnRef>
-            <a:fillRef idx="0">
-              <a:schemeClr val="dk1"/>
-            </a:fillRef>
-            <a:effectRef idx="0">
-              <a:schemeClr val="dk1"/>
-            </a:effectRef>
-            <a:fontRef idx="minor">
-              <a:schemeClr val="tx1"/>
-            </a:fontRef>
-          </p:style>
-        </p:cxnSp>
-        <p:cxnSp>
-          <p:nvCxnSpPr>
-            <p:cNvPr id="118" name="Straight Connector 117"/>
-            <p:cNvCxnSpPr/>
-            <p:nvPr/>
-          </p:nvCxnSpPr>
-          <p:spPr>
-            <a:xfrm flipH="1" flipV="1">
-              <a:off x="914400" y="342053"/>
-              <a:ext cx="90" cy="343748"/>
-            </a:xfrm>
-            <a:prstGeom prst="line">
-              <a:avLst/>
-            </a:prstGeom>
-          </p:spPr>
-          <p:style>
-            <a:lnRef idx="1">
-              <a:schemeClr val="dk1"/>
-            </a:lnRef>
-            <a:fillRef idx="0">
-              <a:schemeClr val="dk1"/>
-            </a:fillRef>
-            <a:effectRef idx="0">
-              <a:schemeClr val="dk1"/>
-            </a:effectRef>
-            <a:fontRef idx="minor">
-              <a:schemeClr val="tx1"/>
-            </a:fontRef>
-          </p:style>
-        </p:cxnSp>
-        <p:cxnSp>
-          <p:nvCxnSpPr>
-            <p:cNvPr id="119" name="Straight Connector 118"/>
-            <p:cNvCxnSpPr/>
-            <p:nvPr/>
-          </p:nvCxnSpPr>
-          <p:spPr>
-            <a:xfrm flipH="1" flipV="1">
-              <a:off x="1141307" y="346285"/>
-              <a:ext cx="90" cy="343748"/>
-            </a:xfrm>
-            <a:prstGeom prst="line">
-              <a:avLst/>
-            </a:prstGeom>
-          </p:spPr>
-          <p:style>
-            <a:lnRef idx="1">
-              <a:schemeClr val="dk1"/>
-            </a:lnRef>
-            <a:fillRef idx="0">
-              <a:schemeClr val="dk1"/>
-            </a:fillRef>
-            <a:effectRef idx="0">
-              <a:schemeClr val="dk1"/>
-            </a:effectRef>
-            <a:fontRef idx="minor">
-              <a:schemeClr val="tx1"/>
-            </a:fontRef>
-          </p:style>
-        </p:cxnSp>
-        <p:cxnSp>
-          <p:nvCxnSpPr>
-            <p:cNvPr id="120" name="Straight Connector 119"/>
-            <p:cNvCxnSpPr/>
-            <p:nvPr/>
-          </p:nvCxnSpPr>
-          <p:spPr>
-            <a:xfrm>
-              <a:off x="914400" y="429894"/>
-              <a:ext cx="762000" cy="0"/>
-            </a:xfrm>
-            <a:prstGeom prst="line">
-              <a:avLst/>
-            </a:prstGeom>
-          </p:spPr>
-          <p:style>
-            <a:lnRef idx="1">
-              <a:schemeClr val="dk1"/>
-            </a:lnRef>
-            <a:fillRef idx="0">
-              <a:schemeClr val="dk1"/>
-            </a:fillRef>
-            <a:effectRef idx="0">
-              <a:schemeClr val="dk1"/>
-            </a:effectRef>
-            <a:fontRef idx="minor">
-              <a:schemeClr val="tx1"/>
-            </a:fontRef>
-          </p:style>
-        </p:cxnSp>
-        <p:sp>
-          <p:nvSpPr>
-            <p:cNvPr id="121" name="TextBox 120"/>
-            <p:cNvSpPr txBox="1"/>
-            <p:nvPr/>
-          </p:nvSpPr>
-          <p:spPr>
-            <a:xfrm rot="16200000">
-              <a:off x="712844" y="314937"/>
-              <a:ext cx="288056" cy="184666"/>
-            </a:xfrm>
-            <a:prstGeom prst="rect">
-              <a:avLst/>
-            </a:prstGeom>
-            <a:noFill/>
-          </p:spPr>
-          <p:txBody>
-            <a:bodyPr wrap="square" rtlCol="0">
-              <a:spAutoFit/>
-            </a:bodyPr>
-            <a:lstStyle/>
-            <a:p>
-              <a:r>
-                <a:rPr lang="en-US" sz="600" dirty="0" smtClean="0"/>
-                <a:t>r1</a:t>
-              </a:r>
-              <a:endParaRPr lang="en-US" sz="600" dirty="0"/>
-            </a:p>
-          </p:txBody>
-        </p:sp>
-        <p:sp>
-          <p:nvSpPr>
-            <p:cNvPr id="122" name="TextBox 121"/>
-            <p:cNvSpPr txBox="1"/>
-            <p:nvPr/>
-          </p:nvSpPr>
-          <p:spPr>
-            <a:xfrm rot="16200000">
-              <a:off x="714447" y="479686"/>
-              <a:ext cx="288056" cy="184666"/>
-            </a:xfrm>
-            <a:prstGeom prst="rect">
-              <a:avLst/>
-            </a:prstGeom>
-            <a:noFill/>
-          </p:spPr>
-          <p:txBody>
-            <a:bodyPr wrap="square" rtlCol="0">
-              <a:spAutoFit/>
-            </a:bodyPr>
-            <a:lstStyle/>
-            <a:p>
-              <a:r>
-                <a:rPr lang="en-US" sz="600" smtClean="0"/>
-                <a:t>r2</a:t>
-              </a:r>
-              <a:endParaRPr lang="en-US" sz="600" dirty="0"/>
-            </a:p>
-          </p:txBody>
-        </p:sp>
-        <p:cxnSp>
-          <p:nvCxnSpPr>
-            <p:cNvPr id="123" name="Straight Connector 122"/>
-            <p:cNvCxnSpPr/>
-            <p:nvPr/>
-          </p:nvCxnSpPr>
-          <p:spPr>
-            <a:xfrm>
-              <a:off x="914400" y="601344"/>
-              <a:ext cx="762000" cy="0"/>
-            </a:xfrm>
-            <a:prstGeom prst="line">
-              <a:avLst/>
-            </a:prstGeom>
-          </p:spPr>
-          <p:style>
-            <a:lnRef idx="1">
-              <a:schemeClr val="dk1"/>
-            </a:lnRef>
-            <a:fillRef idx="0">
-              <a:schemeClr val="dk1"/>
-            </a:fillRef>
-            <a:effectRef idx="0">
-              <a:schemeClr val="dk1"/>
-            </a:effectRef>
-            <a:fontRef idx="minor">
-              <a:schemeClr val="tx1"/>
-            </a:fontRef>
-          </p:style>
-        </p:cxnSp>
-        <p:sp>
-          <p:nvSpPr>
-            <p:cNvPr id="124" name="TextBox 123"/>
-            <p:cNvSpPr txBox="1"/>
-            <p:nvPr/>
-          </p:nvSpPr>
-          <p:spPr>
-            <a:xfrm>
-              <a:off x="840460" y="286716"/>
-              <a:ext cx="447603" cy="184666"/>
-            </a:xfrm>
-            <a:prstGeom prst="rect">
-              <a:avLst/>
-            </a:prstGeom>
-            <a:noFill/>
-          </p:spPr>
-          <p:txBody>
-            <a:bodyPr wrap="square" rtlCol="0">
-              <a:spAutoFit/>
-            </a:bodyPr>
-            <a:lstStyle/>
-            <a:p>
-              <a:r>
-                <a:rPr lang="en-US" sz="600" dirty="0" smtClean="0"/>
-                <a:t>queue</a:t>
-              </a:r>
-              <a:endParaRPr lang="en-US" sz="600" dirty="0"/>
-            </a:p>
-          </p:txBody>
-        </p:sp>
-        <p:sp>
-          <p:nvSpPr>
-            <p:cNvPr id="125" name="TextBox 124"/>
-            <p:cNvSpPr txBox="1"/>
-            <p:nvPr/>
-          </p:nvSpPr>
-          <p:spPr>
-            <a:xfrm>
-              <a:off x="840460" y="459792"/>
-              <a:ext cx="447603" cy="184666"/>
-            </a:xfrm>
-            <a:prstGeom prst="rect">
-              <a:avLst/>
-            </a:prstGeom>
-            <a:noFill/>
-          </p:spPr>
-          <p:txBody>
-            <a:bodyPr wrap="square" rtlCol="0">
-              <a:spAutoFit/>
-            </a:bodyPr>
-            <a:lstStyle/>
-            <a:p>
-              <a:r>
-                <a:rPr lang="en-US" sz="600" smtClean="0"/>
-                <a:t>queue</a:t>
-              </a:r>
-              <a:endParaRPr lang="en-US" sz="600" dirty="0"/>
-            </a:p>
-          </p:txBody>
-        </p:sp>
-        <p:sp>
-          <p:nvSpPr>
-            <p:cNvPr id="126" name="TextBox 125"/>
-            <p:cNvSpPr txBox="1"/>
-            <p:nvPr/>
-          </p:nvSpPr>
-          <p:spPr>
-            <a:xfrm>
-              <a:off x="898008" y="371912"/>
-              <a:ext cx="447603" cy="184666"/>
-            </a:xfrm>
-            <a:prstGeom prst="rect">
-              <a:avLst/>
-            </a:prstGeom>
-            <a:noFill/>
-          </p:spPr>
-          <p:txBody>
-            <a:bodyPr wrap="square" rtlCol="0">
-              <a:spAutoFit/>
-            </a:bodyPr>
-            <a:lstStyle/>
-            <a:p>
-              <a:r>
-                <a:rPr lang="en-US" sz="600" dirty="0" smtClean="0"/>
-                <a:t>pc</a:t>
-              </a:r>
-              <a:endParaRPr lang="en-US" sz="600" dirty="0"/>
-            </a:p>
-          </p:txBody>
-        </p:sp>
-        <p:sp>
-          <p:nvSpPr>
-            <p:cNvPr id="127" name="TextBox 126"/>
-            <p:cNvSpPr txBox="1"/>
-            <p:nvPr/>
-          </p:nvSpPr>
-          <p:spPr>
-            <a:xfrm>
-              <a:off x="897148" y="540601"/>
-              <a:ext cx="447603" cy="184666"/>
-            </a:xfrm>
-            <a:prstGeom prst="rect">
-              <a:avLst/>
-            </a:prstGeom>
-            <a:noFill/>
-          </p:spPr>
-          <p:txBody>
-            <a:bodyPr wrap="square" rtlCol="0">
-              <a:spAutoFit/>
-            </a:bodyPr>
-            <a:lstStyle/>
-            <a:p>
-              <a:r>
-                <a:rPr lang="en-US" sz="600" smtClean="0"/>
-                <a:t>pc</a:t>
-              </a:r>
-              <a:endParaRPr lang="en-US" sz="600" dirty="0"/>
-            </a:p>
-          </p:txBody>
-        </p:sp>
-        <p:sp>
-          <p:nvSpPr>
-            <p:cNvPr id="128" name="TextBox 127"/>
-            <p:cNvSpPr txBox="1"/>
-            <p:nvPr/>
-          </p:nvSpPr>
-          <p:spPr>
-            <a:xfrm>
-              <a:off x="1071888" y="285128"/>
-              <a:ext cx="695325" cy="184666"/>
-            </a:xfrm>
-            <a:prstGeom prst="rect">
-              <a:avLst/>
-            </a:prstGeom>
-            <a:noFill/>
-          </p:spPr>
-          <p:txBody>
-            <a:bodyPr wrap="square" rtlCol="0">
-              <a:spAutoFit/>
-            </a:bodyPr>
-            <a:lstStyle/>
-            <a:p>
-              <a:r>
-                <a:rPr lang="en-US" sz="600" dirty="0" smtClean="0"/>
-                <a:t>[ ]</a:t>
-              </a:r>
-              <a:endParaRPr lang="en-US" sz="600" dirty="0"/>
-            </a:p>
-          </p:txBody>
-        </p:sp>
-        <p:sp>
-          <p:nvSpPr>
-            <p:cNvPr id="129" name="TextBox 128"/>
-            <p:cNvSpPr txBox="1"/>
-            <p:nvPr/>
-          </p:nvSpPr>
-          <p:spPr>
-            <a:xfrm>
-              <a:off x="1113348" y="191699"/>
-              <a:ext cx="447603" cy="184666"/>
-            </a:xfrm>
-            <a:prstGeom prst="rect">
-              <a:avLst/>
-            </a:prstGeom>
-            <a:noFill/>
-          </p:spPr>
-          <p:txBody>
-            <a:bodyPr wrap="square" rtlCol="0">
-              <a:spAutoFit/>
-            </a:bodyPr>
-            <a:lstStyle/>
-            <a:p>
-              <a:r>
-                <a:rPr lang="en-US" sz="600" b="1" dirty="0" smtClean="0"/>
-                <a:t>s</a:t>
-              </a:r>
-              <a:r>
-                <a:rPr lang="en-US" sz="600" b="1" baseline="-25000" dirty="0" smtClean="0"/>
-                <a:t>5</a:t>
-              </a:r>
-              <a:endParaRPr lang="en-US" sz="600" b="1" dirty="0"/>
-            </a:p>
-          </p:txBody>
-        </p:sp>
-        <p:sp>
-          <p:nvSpPr>
-            <p:cNvPr id="130" name="TextBox 129"/>
-            <p:cNvSpPr txBox="1"/>
-            <p:nvPr/>
-          </p:nvSpPr>
-          <p:spPr>
-            <a:xfrm>
-              <a:off x="1071888" y="460149"/>
-              <a:ext cx="695325" cy="184666"/>
-            </a:xfrm>
-            <a:prstGeom prst="rect">
-              <a:avLst/>
-            </a:prstGeom>
-            <a:noFill/>
-          </p:spPr>
-          <p:txBody>
-            <a:bodyPr wrap="square" rtlCol="0">
-              <a:spAutoFit/>
-            </a:bodyPr>
-            <a:lstStyle/>
-            <a:p>
-              <a:r>
-                <a:rPr lang="en-US" sz="600" dirty="0" smtClean="0"/>
-                <a:t>[ ]</a:t>
-              </a:r>
-              <a:endParaRPr lang="en-US" sz="600" dirty="0"/>
-            </a:p>
-          </p:txBody>
-        </p:sp>
-      </p:grpSp>
       <p:grpSp>
         <p:nvGrpSpPr>
           <p:cNvPr id="189" name="Group 188"/>
@@ -6995,36 +6485,561 @@
           </p:txBody>
         </p:sp>
       </p:grpSp>
-      <p:sp>
-        <p:nvSpPr>
-          <p:cNvPr id="211" name="TextBox 210"/>
-          <p:cNvSpPr txBox="1"/>
+      <p:grpSp>
+        <p:nvGrpSpPr>
+          <p:cNvPr id="2" name="Group 1"/>
+          <p:cNvGrpSpPr/>
           <p:nvPr/>
-        </p:nvSpPr>
-        <p:spPr>
+        </p:nvGrpSpPr>
+        <p:grpSpPr>
           <a:xfrm>
-            <a:off x="1067105" y="3686778"/>
-            <a:ext cx="447603" cy="184666"/>
+            <a:off x="759235" y="3331407"/>
+            <a:ext cx="1002674" cy="533568"/>
+            <a:chOff x="759235" y="3331407"/>
+            <a:chExt cx="1002674" cy="533568"/>
           </a:xfrm>
-          <a:prstGeom prst="rect">
-            <a:avLst/>
-          </a:prstGeom>
-          <a:noFill/>
-        </p:spPr>
-        <p:txBody>
-          <a:bodyPr wrap="square" rtlCol="0">
-            <a:spAutoFit/>
-          </a:bodyPr>
-          <a:lstStyle/>
-          <a:p>
-            <a:r>
-              <a:rPr lang="en-US" sz="600" dirty="0" smtClean="0"/>
-              <a:t>m1:4</a:t>
-            </a:r>
-            <a:endParaRPr lang="en-US" sz="600" dirty="0"/>
-          </a:p>
-        </p:txBody>
-      </p:sp>
+        </p:grpSpPr>
+        <p:grpSp>
+          <p:nvGrpSpPr>
+            <p:cNvPr id="113" name="Group 112"/>
+            <p:cNvGrpSpPr/>
+            <p:nvPr/>
+          </p:nvGrpSpPr>
+          <p:grpSpPr>
+            <a:xfrm>
+              <a:off x="759235" y="3331407"/>
+              <a:ext cx="1002674" cy="533568"/>
+              <a:chOff x="764539" y="191699"/>
+              <a:chExt cx="1002674" cy="533568"/>
+            </a:xfrm>
+          </p:grpSpPr>
+          <p:sp>
+            <p:nvSpPr>
+              <p:cNvPr id="115" name="Rounded Rectangle 114"/>
+              <p:cNvSpPr/>
+              <p:nvPr/>
+            </p:nvSpPr>
+            <p:spPr>
+              <a:xfrm>
+                <a:off x="799343" y="236169"/>
+                <a:ext cx="877057" cy="449631"/>
+              </a:xfrm>
+              <a:prstGeom prst="roundRect">
+                <a:avLst>
+                  <a:gd name="adj" fmla="val 7680"/>
+                </a:avLst>
+              </a:prstGeom>
+              <a:ln w="9525"/>
+            </p:spPr>
+            <p:style>
+              <a:lnRef idx="2">
+                <a:schemeClr val="dk1"/>
+              </a:lnRef>
+              <a:fillRef idx="1">
+                <a:schemeClr val="lt1"/>
+              </a:fillRef>
+              <a:effectRef idx="0">
+                <a:schemeClr val="dk1"/>
+              </a:effectRef>
+              <a:fontRef idx="minor">
+                <a:schemeClr val="dk1"/>
+              </a:fontRef>
+            </p:style>
+            <p:txBody>
+              <a:bodyPr rtlCol="0" anchor="ctr"/>
+              <a:lstStyle/>
+              <a:p>
+                <a:pPr algn="ctr"/>
+                <a:endParaRPr lang="en-US"/>
+              </a:p>
+            </p:txBody>
+          </p:sp>
+          <p:cxnSp>
+            <p:nvCxnSpPr>
+              <p:cNvPr id="116" name="Straight Connector 115"/>
+              <p:cNvCxnSpPr/>
+              <p:nvPr/>
+            </p:nvCxnSpPr>
+            <p:spPr>
+              <a:xfrm>
+                <a:off x="799343" y="342053"/>
+                <a:ext cx="880534" cy="0"/>
+              </a:xfrm>
+              <a:prstGeom prst="line">
+                <a:avLst/>
+              </a:prstGeom>
+            </p:spPr>
+            <p:style>
+              <a:lnRef idx="1">
+                <a:schemeClr val="dk1"/>
+              </a:lnRef>
+              <a:fillRef idx="0">
+                <a:schemeClr val="dk1"/>
+              </a:fillRef>
+              <a:effectRef idx="0">
+                <a:schemeClr val="dk1"/>
+              </a:effectRef>
+              <a:fontRef idx="minor">
+                <a:schemeClr val="tx1"/>
+              </a:fontRef>
+            </p:style>
+          </p:cxnSp>
+          <p:cxnSp>
+            <p:nvCxnSpPr>
+              <p:cNvPr id="117" name="Straight Connector 116"/>
+              <p:cNvCxnSpPr/>
+              <p:nvPr/>
+            </p:nvCxnSpPr>
+            <p:spPr>
+              <a:xfrm>
+                <a:off x="799343" y="514773"/>
+                <a:ext cx="880534" cy="0"/>
+              </a:xfrm>
+              <a:prstGeom prst="line">
+                <a:avLst/>
+              </a:prstGeom>
+            </p:spPr>
+            <p:style>
+              <a:lnRef idx="1">
+                <a:schemeClr val="dk1"/>
+              </a:lnRef>
+              <a:fillRef idx="0">
+                <a:schemeClr val="dk1"/>
+              </a:fillRef>
+              <a:effectRef idx="0">
+                <a:schemeClr val="dk1"/>
+              </a:effectRef>
+              <a:fontRef idx="minor">
+                <a:schemeClr val="tx1"/>
+              </a:fontRef>
+            </p:style>
+          </p:cxnSp>
+          <p:cxnSp>
+            <p:nvCxnSpPr>
+              <p:cNvPr id="118" name="Straight Connector 117"/>
+              <p:cNvCxnSpPr/>
+              <p:nvPr/>
+            </p:nvCxnSpPr>
+            <p:spPr>
+              <a:xfrm flipH="1" flipV="1">
+                <a:off x="914400" y="342053"/>
+                <a:ext cx="90" cy="343748"/>
+              </a:xfrm>
+              <a:prstGeom prst="line">
+                <a:avLst/>
+              </a:prstGeom>
+            </p:spPr>
+            <p:style>
+              <a:lnRef idx="1">
+                <a:schemeClr val="dk1"/>
+              </a:lnRef>
+              <a:fillRef idx="0">
+                <a:schemeClr val="dk1"/>
+              </a:fillRef>
+              <a:effectRef idx="0">
+                <a:schemeClr val="dk1"/>
+              </a:effectRef>
+              <a:fontRef idx="minor">
+                <a:schemeClr val="tx1"/>
+              </a:fontRef>
+            </p:style>
+          </p:cxnSp>
+          <p:cxnSp>
+            <p:nvCxnSpPr>
+              <p:cNvPr id="119" name="Straight Connector 118"/>
+              <p:cNvCxnSpPr/>
+              <p:nvPr/>
+            </p:nvCxnSpPr>
+            <p:spPr>
+              <a:xfrm flipH="1" flipV="1">
+                <a:off x="1141307" y="346285"/>
+                <a:ext cx="90" cy="343748"/>
+              </a:xfrm>
+              <a:prstGeom prst="line">
+                <a:avLst/>
+              </a:prstGeom>
+            </p:spPr>
+            <p:style>
+              <a:lnRef idx="1">
+                <a:schemeClr val="dk1"/>
+              </a:lnRef>
+              <a:fillRef idx="0">
+                <a:schemeClr val="dk1"/>
+              </a:fillRef>
+              <a:effectRef idx="0">
+                <a:schemeClr val="dk1"/>
+              </a:effectRef>
+              <a:fontRef idx="minor">
+                <a:schemeClr val="tx1"/>
+              </a:fontRef>
+            </p:style>
+          </p:cxnSp>
+          <p:cxnSp>
+            <p:nvCxnSpPr>
+              <p:cNvPr id="120" name="Straight Connector 119"/>
+              <p:cNvCxnSpPr/>
+              <p:nvPr/>
+            </p:nvCxnSpPr>
+            <p:spPr>
+              <a:xfrm>
+                <a:off x="914400" y="429894"/>
+                <a:ext cx="762000" cy="0"/>
+              </a:xfrm>
+              <a:prstGeom prst="line">
+                <a:avLst/>
+              </a:prstGeom>
+            </p:spPr>
+            <p:style>
+              <a:lnRef idx="1">
+                <a:schemeClr val="dk1"/>
+              </a:lnRef>
+              <a:fillRef idx="0">
+                <a:schemeClr val="dk1"/>
+              </a:fillRef>
+              <a:effectRef idx="0">
+                <a:schemeClr val="dk1"/>
+              </a:effectRef>
+              <a:fontRef idx="minor">
+                <a:schemeClr val="tx1"/>
+              </a:fontRef>
+            </p:style>
+          </p:cxnSp>
+          <p:sp>
+            <p:nvSpPr>
+              <p:cNvPr id="121" name="TextBox 120"/>
+              <p:cNvSpPr txBox="1"/>
+              <p:nvPr/>
+            </p:nvSpPr>
+            <p:spPr>
+              <a:xfrm rot="16200000">
+                <a:off x="712844" y="314937"/>
+                <a:ext cx="288056" cy="184666"/>
+              </a:xfrm>
+              <a:prstGeom prst="rect">
+                <a:avLst/>
+              </a:prstGeom>
+              <a:noFill/>
+            </p:spPr>
+            <p:txBody>
+              <a:bodyPr wrap="square" rtlCol="0">
+                <a:spAutoFit/>
+              </a:bodyPr>
+              <a:lstStyle/>
+              <a:p>
+                <a:r>
+                  <a:rPr lang="en-US" sz="600" dirty="0" smtClean="0"/>
+                  <a:t>r1</a:t>
+                </a:r>
+                <a:endParaRPr lang="en-US" sz="600" dirty="0"/>
+              </a:p>
+            </p:txBody>
+          </p:sp>
+          <p:sp>
+            <p:nvSpPr>
+              <p:cNvPr id="122" name="TextBox 121"/>
+              <p:cNvSpPr txBox="1"/>
+              <p:nvPr/>
+            </p:nvSpPr>
+            <p:spPr>
+              <a:xfrm rot="16200000">
+                <a:off x="714447" y="479686"/>
+                <a:ext cx="288056" cy="184666"/>
+              </a:xfrm>
+              <a:prstGeom prst="rect">
+                <a:avLst/>
+              </a:prstGeom>
+              <a:noFill/>
+            </p:spPr>
+            <p:txBody>
+              <a:bodyPr wrap="square" rtlCol="0">
+                <a:spAutoFit/>
+              </a:bodyPr>
+              <a:lstStyle/>
+              <a:p>
+                <a:r>
+                  <a:rPr lang="en-US" sz="600" smtClean="0"/>
+                  <a:t>r2</a:t>
+                </a:r>
+                <a:endParaRPr lang="en-US" sz="600" dirty="0"/>
+              </a:p>
+            </p:txBody>
+          </p:sp>
+          <p:cxnSp>
+            <p:nvCxnSpPr>
+              <p:cNvPr id="123" name="Straight Connector 122"/>
+              <p:cNvCxnSpPr/>
+              <p:nvPr/>
+            </p:nvCxnSpPr>
+            <p:spPr>
+              <a:xfrm>
+                <a:off x="914400" y="601344"/>
+                <a:ext cx="762000" cy="0"/>
+              </a:xfrm>
+              <a:prstGeom prst="line">
+                <a:avLst/>
+              </a:prstGeom>
+            </p:spPr>
+            <p:style>
+              <a:lnRef idx="1">
+                <a:schemeClr val="dk1"/>
+              </a:lnRef>
+              <a:fillRef idx="0">
+                <a:schemeClr val="dk1"/>
+              </a:fillRef>
+              <a:effectRef idx="0">
+                <a:schemeClr val="dk1"/>
+              </a:effectRef>
+              <a:fontRef idx="minor">
+                <a:schemeClr val="tx1"/>
+              </a:fontRef>
+            </p:style>
+          </p:cxnSp>
+          <p:sp>
+            <p:nvSpPr>
+              <p:cNvPr id="124" name="TextBox 123"/>
+              <p:cNvSpPr txBox="1"/>
+              <p:nvPr/>
+            </p:nvSpPr>
+            <p:spPr>
+              <a:xfrm>
+                <a:off x="840460" y="286716"/>
+                <a:ext cx="447603" cy="184666"/>
+              </a:xfrm>
+              <a:prstGeom prst="rect">
+                <a:avLst/>
+              </a:prstGeom>
+              <a:noFill/>
+            </p:spPr>
+            <p:txBody>
+              <a:bodyPr wrap="square" rtlCol="0">
+                <a:spAutoFit/>
+              </a:bodyPr>
+              <a:lstStyle/>
+              <a:p>
+                <a:r>
+                  <a:rPr lang="en-US" sz="600" dirty="0" smtClean="0"/>
+                  <a:t>queue</a:t>
+                </a:r>
+                <a:endParaRPr lang="en-US" sz="600" dirty="0"/>
+              </a:p>
+            </p:txBody>
+          </p:sp>
+          <p:sp>
+            <p:nvSpPr>
+              <p:cNvPr id="125" name="TextBox 124"/>
+              <p:cNvSpPr txBox="1"/>
+              <p:nvPr/>
+            </p:nvSpPr>
+            <p:spPr>
+              <a:xfrm>
+                <a:off x="840460" y="459792"/>
+                <a:ext cx="447603" cy="184666"/>
+              </a:xfrm>
+              <a:prstGeom prst="rect">
+                <a:avLst/>
+              </a:prstGeom>
+              <a:noFill/>
+            </p:spPr>
+            <p:txBody>
+              <a:bodyPr wrap="square" rtlCol="0">
+                <a:spAutoFit/>
+              </a:bodyPr>
+              <a:lstStyle/>
+              <a:p>
+                <a:r>
+                  <a:rPr lang="en-US" sz="600" smtClean="0"/>
+                  <a:t>queue</a:t>
+                </a:r>
+                <a:endParaRPr lang="en-US" sz="600" dirty="0"/>
+              </a:p>
+            </p:txBody>
+          </p:sp>
+          <p:sp>
+            <p:nvSpPr>
+              <p:cNvPr id="126" name="TextBox 125"/>
+              <p:cNvSpPr txBox="1"/>
+              <p:nvPr/>
+            </p:nvSpPr>
+            <p:spPr>
+              <a:xfrm>
+                <a:off x="898008" y="371912"/>
+                <a:ext cx="447603" cy="184666"/>
+              </a:xfrm>
+              <a:prstGeom prst="rect">
+                <a:avLst/>
+              </a:prstGeom>
+              <a:noFill/>
+            </p:spPr>
+            <p:txBody>
+              <a:bodyPr wrap="square" rtlCol="0">
+                <a:spAutoFit/>
+              </a:bodyPr>
+              <a:lstStyle/>
+              <a:p>
+                <a:r>
+                  <a:rPr lang="en-US" sz="600" dirty="0" smtClean="0"/>
+                  <a:t>pc</a:t>
+                </a:r>
+                <a:endParaRPr lang="en-US" sz="600" dirty="0"/>
+              </a:p>
+            </p:txBody>
+          </p:sp>
+          <p:sp>
+            <p:nvSpPr>
+              <p:cNvPr id="127" name="TextBox 126"/>
+              <p:cNvSpPr txBox="1"/>
+              <p:nvPr/>
+            </p:nvSpPr>
+            <p:spPr>
+              <a:xfrm>
+                <a:off x="897148" y="540601"/>
+                <a:ext cx="447603" cy="184666"/>
+              </a:xfrm>
+              <a:prstGeom prst="rect">
+                <a:avLst/>
+              </a:prstGeom>
+              <a:noFill/>
+            </p:spPr>
+            <p:txBody>
+              <a:bodyPr wrap="square" rtlCol="0">
+                <a:spAutoFit/>
+              </a:bodyPr>
+              <a:lstStyle/>
+              <a:p>
+                <a:r>
+                  <a:rPr lang="en-US" sz="600" smtClean="0"/>
+                  <a:t>pc</a:t>
+                </a:r>
+                <a:endParaRPr lang="en-US" sz="600" dirty="0"/>
+              </a:p>
+            </p:txBody>
+          </p:sp>
+          <p:sp>
+            <p:nvSpPr>
+              <p:cNvPr id="128" name="TextBox 127"/>
+              <p:cNvSpPr txBox="1"/>
+              <p:nvPr/>
+            </p:nvSpPr>
+            <p:spPr>
+              <a:xfrm>
+                <a:off x="1071888" y="285128"/>
+                <a:ext cx="695325" cy="184666"/>
+              </a:xfrm>
+              <a:prstGeom prst="rect">
+                <a:avLst/>
+              </a:prstGeom>
+              <a:noFill/>
+            </p:spPr>
+            <p:txBody>
+              <a:bodyPr wrap="square" rtlCol="0">
+                <a:spAutoFit/>
+              </a:bodyPr>
+              <a:lstStyle/>
+              <a:p>
+                <a:r>
+                  <a:rPr lang="en-US" sz="600" dirty="0" smtClean="0"/>
+                  <a:t>[ ]</a:t>
+                </a:r>
+                <a:endParaRPr lang="en-US" sz="600" dirty="0"/>
+              </a:p>
+            </p:txBody>
+          </p:sp>
+          <p:sp>
+            <p:nvSpPr>
+              <p:cNvPr id="129" name="TextBox 128"/>
+              <p:cNvSpPr txBox="1"/>
+              <p:nvPr/>
+            </p:nvSpPr>
+            <p:spPr>
+              <a:xfrm>
+                <a:off x="1113348" y="191699"/>
+                <a:ext cx="447603" cy="184666"/>
+              </a:xfrm>
+              <a:prstGeom prst="rect">
+                <a:avLst/>
+              </a:prstGeom>
+              <a:noFill/>
+            </p:spPr>
+            <p:txBody>
+              <a:bodyPr wrap="square" rtlCol="0">
+                <a:spAutoFit/>
+              </a:bodyPr>
+              <a:lstStyle/>
+              <a:p>
+                <a:r>
+                  <a:rPr lang="en-US" sz="600" b="1" dirty="0" smtClean="0"/>
+                  <a:t>s</a:t>
+                </a:r>
+                <a:r>
+                  <a:rPr lang="en-US" sz="600" b="1" baseline="-25000" dirty="0" smtClean="0"/>
+                  <a:t>5</a:t>
+                </a:r>
+                <a:endParaRPr lang="en-US" sz="600" b="1" dirty="0"/>
+              </a:p>
+            </p:txBody>
+          </p:sp>
+          <p:sp>
+            <p:nvSpPr>
+              <p:cNvPr id="130" name="TextBox 129"/>
+              <p:cNvSpPr txBox="1"/>
+              <p:nvPr/>
+            </p:nvSpPr>
+            <p:spPr>
+              <a:xfrm>
+                <a:off x="1071888" y="460149"/>
+                <a:ext cx="695325" cy="184666"/>
+              </a:xfrm>
+              <a:prstGeom prst="rect">
+                <a:avLst/>
+              </a:prstGeom>
+              <a:noFill/>
+            </p:spPr>
+            <p:txBody>
+              <a:bodyPr wrap="square" rtlCol="0">
+                <a:spAutoFit/>
+              </a:bodyPr>
+              <a:lstStyle/>
+              <a:p>
+                <a:r>
+                  <a:rPr lang="en-US" sz="600" dirty="0" smtClean="0"/>
+                  <a:t>[ ]</a:t>
+                </a:r>
+                <a:endParaRPr lang="en-US" sz="600" dirty="0"/>
+              </a:p>
+            </p:txBody>
+          </p:sp>
+        </p:grpSp>
+        <p:sp>
+          <p:nvSpPr>
+            <p:cNvPr id="211" name="TextBox 210"/>
+            <p:cNvSpPr txBox="1"/>
+            <p:nvPr/>
+          </p:nvSpPr>
+          <p:spPr>
+            <a:xfrm>
+              <a:off x="1066294" y="3519707"/>
+              <a:ext cx="447603" cy="184666"/>
+            </a:xfrm>
+            <a:prstGeom prst="rect">
+              <a:avLst/>
+            </a:prstGeom>
+            <a:noFill/>
+          </p:spPr>
+          <p:txBody>
+            <a:bodyPr wrap="square" rtlCol="0">
+              <a:spAutoFit/>
+            </a:bodyPr>
+            <a:lstStyle/>
+            <a:p>
+              <a:r>
+                <a:rPr lang="en-US" sz="600" dirty="0" smtClean="0"/>
+                <a:t>m1:4</a:t>
+              </a:r>
+              <a:endParaRPr lang="en-US" sz="600" dirty="0"/>
+            </a:p>
+          </p:txBody>
+        </p:sp>
+      </p:grpSp>
       <p:grpSp>
         <p:nvGrpSpPr>
           <p:cNvPr id="52" name="Group 51"/>
@@ -9618,8 +9633,8 @@
           </a:p>
         </p:txBody>
       </p:sp>
-      <mc:AlternateContent xmlns:mc="http://schemas.openxmlformats.org/markup-compatibility/2006">
-        <mc:Choice xmlns:a14="http://schemas.microsoft.com/office/drawing/2010/main" Requires="a14">
+      <mc:AlternateContent xmlns:mc="http://schemas.openxmlformats.org/markup-compatibility/2006" xmlns:a14="http://schemas.microsoft.com/office/drawing/2010/main">
+        <mc:Choice Requires="a14">
           <p:sp>
             <p:nvSpPr>
               <p:cNvPr id="282" name="TextBox 281"/>
@@ -9663,7 +9678,7 @@
             </p:txBody>
           </p:sp>
         </mc:Choice>
-        <mc:Fallback>
+        <mc:Fallback xmlns="">
           <p:sp>
             <p:nvSpPr>
               <p:cNvPr id="282" name="TextBox 281"/>
@@ -9702,8 +9717,8 @@
           </p:sp>
         </mc:Fallback>
       </mc:AlternateContent>
-      <mc:AlternateContent xmlns:mc="http://schemas.openxmlformats.org/markup-compatibility/2006">
-        <mc:Choice xmlns:a14="http://schemas.microsoft.com/office/drawing/2010/main" Requires="a14">
+      <mc:AlternateContent xmlns:mc="http://schemas.openxmlformats.org/markup-compatibility/2006" xmlns:a14="http://schemas.microsoft.com/office/drawing/2010/main">
+        <mc:Choice Requires="a14">
           <p:sp>
             <p:nvSpPr>
               <p:cNvPr id="283" name="TextBox 282"/>
@@ -9751,7 +9766,7 @@
             </p:txBody>
           </p:sp>
         </mc:Choice>
-        <mc:Fallback>
+        <mc:Fallback xmlns="">
           <p:sp>
             <p:nvSpPr>
               <p:cNvPr id="283" name="TextBox 282"/>
@@ -9820,8 +9835,8 @@
           </a:p>
         </p:txBody>
       </p:sp>
-      <mc:AlternateContent xmlns:mc="http://schemas.openxmlformats.org/markup-compatibility/2006">
-        <mc:Choice xmlns:a14="http://schemas.microsoft.com/office/drawing/2010/main" Requires="a14">
+      <mc:AlternateContent xmlns:mc="http://schemas.openxmlformats.org/markup-compatibility/2006" xmlns:a14="http://schemas.microsoft.com/office/drawing/2010/main">
+        <mc:Choice Requires="a14">
           <p:sp>
             <p:nvSpPr>
               <p:cNvPr id="285" name="TextBox 284"/>
@@ -9865,7 +9880,7 @@
             </p:txBody>
           </p:sp>
         </mc:Choice>
-        <mc:Fallback>
+        <mc:Fallback xmlns="">
           <p:sp>
             <p:nvSpPr>
               <p:cNvPr id="285" name="TextBox 284"/>
@@ -9904,8 +9919,8 @@
           </p:sp>
         </mc:Fallback>
       </mc:AlternateContent>
-      <mc:AlternateContent xmlns:mc="http://schemas.openxmlformats.org/markup-compatibility/2006">
-        <mc:Choice xmlns:a14="http://schemas.microsoft.com/office/drawing/2010/main" Requires="a14">
+      <mc:AlternateContent xmlns:mc="http://schemas.openxmlformats.org/markup-compatibility/2006" xmlns:a14="http://schemas.microsoft.com/office/drawing/2010/main">
+        <mc:Choice Requires="a14">
           <p:sp>
             <p:nvSpPr>
               <p:cNvPr id="286" name="TextBox 285"/>
@@ -9949,7 +9964,7 @@
             </p:txBody>
           </p:sp>
         </mc:Choice>
-        <mc:Fallback>
+        <mc:Fallback xmlns="">
           <p:sp>
             <p:nvSpPr>
               <p:cNvPr id="286" name="TextBox 285"/>
@@ -9988,8 +10003,8 @@
           </p:sp>
         </mc:Fallback>
       </mc:AlternateContent>
-      <mc:AlternateContent xmlns:mc="http://schemas.openxmlformats.org/markup-compatibility/2006">
-        <mc:Choice xmlns:a14="http://schemas.microsoft.com/office/drawing/2010/main" Requires="a14">
+      <mc:AlternateContent xmlns:mc="http://schemas.openxmlformats.org/markup-compatibility/2006" xmlns:a14="http://schemas.microsoft.com/office/drawing/2010/main">
+        <mc:Choice Requires="a14">
           <p:sp>
             <p:nvSpPr>
               <p:cNvPr id="287" name="TextBox 286"/>
@@ -10033,7 +10048,7 @@
             </p:txBody>
           </p:sp>
         </mc:Choice>
-        <mc:Fallback>
+        <mc:Fallback xmlns="">
           <p:sp>
             <p:nvSpPr>
               <p:cNvPr id="287" name="TextBox 286"/>
@@ -10072,8 +10087,8 @@
           </p:sp>
         </mc:Fallback>
       </mc:AlternateContent>
-      <mc:AlternateContent xmlns:mc="http://schemas.openxmlformats.org/markup-compatibility/2006">
-        <mc:Choice xmlns:a14="http://schemas.microsoft.com/office/drawing/2010/main" Requires="a14">
+      <mc:AlternateContent xmlns:mc="http://schemas.openxmlformats.org/markup-compatibility/2006" xmlns:a14="http://schemas.microsoft.com/office/drawing/2010/main">
+        <mc:Choice Requires="a14">
           <p:sp>
             <p:nvSpPr>
               <p:cNvPr id="288" name="TextBox 287"/>
@@ -10121,7 +10136,7 @@
             </p:txBody>
           </p:sp>
         </mc:Choice>
-        <mc:Fallback>
+        <mc:Fallback xmlns="">
           <p:sp>
             <p:nvSpPr>
               <p:cNvPr id="288" name="TextBox 287"/>
@@ -10160,8 +10175,8 @@
           </p:sp>
         </mc:Fallback>
       </mc:AlternateContent>
-      <mc:AlternateContent xmlns:mc="http://schemas.openxmlformats.org/markup-compatibility/2006">
-        <mc:Choice xmlns:a14="http://schemas.microsoft.com/office/drawing/2010/main" Requires="a14">
+      <mc:AlternateContent xmlns:mc="http://schemas.openxmlformats.org/markup-compatibility/2006" xmlns:a14="http://schemas.microsoft.com/office/drawing/2010/main">
+        <mc:Choice Requires="a14">
           <p:sp>
             <p:nvSpPr>
               <p:cNvPr id="289" name="TextBox 288"/>
@@ -10213,7 +10228,7 @@
             </p:txBody>
           </p:sp>
         </mc:Choice>
-        <mc:Fallback>
+        <mc:Fallback xmlns="">
           <p:sp>
             <p:nvSpPr>
               <p:cNvPr id="289" name="TextBox 288"/>
